--- a/Semester 2/Applied Cyber Security/Lecture/L5.pptx
+++ b/Semester 2/Applied Cyber Security/Lecture/L5.pptx
@@ -5,7 +5,7 @@
     <p:sldMasterId id="2147483648" r:id="rId1"/>
   </p:sldMasterIdLst>
   <p:notesMasterIdLst>
-    <p:notesMasterId r:id="rId61"/>
+    <p:notesMasterId r:id="rId62"/>
   </p:notesMasterIdLst>
   <p:sldIdLst>
     <p:sldId id="281" r:id="rId2"/>
@@ -47,26 +47,27 @@
     <p:sldId id="309" r:id="rId38"/>
     <p:sldId id="310" r:id="rId39"/>
     <p:sldId id="282" r:id="rId40"/>
-    <p:sldId id="283" r:id="rId41"/>
-    <p:sldId id="284" r:id="rId42"/>
-    <p:sldId id="285" r:id="rId43"/>
-    <p:sldId id="311" r:id="rId44"/>
-    <p:sldId id="312" r:id="rId45"/>
-    <p:sldId id="313" r:id="rId46"/>
-    <p:sldId id="314" r:id="rId47"/>
-    <p:sldId id="315" r:id="rId48"/>
-    <p:sldId id="316" r:id="rId49"/>
-    <p:sldId id="317" r:id="rId50"/>
-    <p:sldId id="318" r:id="rId51"/>
-    <p:sldId id="319" r:id="rId52"/>
-    <p:sldId id="320" r:id="rId53"/>
-    <p:sldId id="321" r:id="rId54"/>
-    <p:sldId id="322" r:id="rId55"/>
-    <p:sldId id="323" r:id="rId56"/>
-    <p:sldId id="324" r:id="rId57"/>
-    <p:sldId id="325" r:id="rId58"/>
-    <p:sldId id="326" r:id="rId59"/>
-    <p:sldId id="327" r:id="rId60"/>
+    <p:sldId id="333" r:id="rId41"/>
+    <p:sldId id="283" r:id="rId42"/>
+    <p:sldId id="284" r:id="rId43"/>
+    <p:sldId id="285" r:id="rId44"/>
+    <p:sldId id="311" r:id="rId45"/>
+    <p:sldId id="312" r:id="rId46"/>
+    <p:sldId id="313" r:id="rId47"/>
+    <p:sldId id="314" r:id="rId48"/>
+    <p:sldId id="315" r:id="rId49"/>
+    <p:sldId id="316" r:id="rId50"/>
+    <p:sldId id="317" r:id="rId51"/>
+    <p:sldId id="318" r:id="rId52"/>
+    <p:sldId id="319" r:id="rId53"/>
+    <p:sldId id="320" r:id="rId54"/>
+    <p:sldId id="321" r:id="rId55"/>
+    <p:sldId id="322" r:id="rId56"/>
+    <p:sldId id="323" r:id="rId57"/>
+    <p:sldId id="324" r:id="rId58"/>
+    <p:sldId id="325" r:id="rId59"/>
+    <p:sldId id="326" r:id="rId60"/>
+    <p:sldId id="327" r:id="rId61"/>
   </p:sldIdLst>
   <p:sldSz cx="12192000" cy="6858000"/>
   <p:notesSz cx="6858000" cy="9144000"/>
@@ -255,7 +256,7 @@
           <a:p>
             <a:fld id="{51DB0508-FAC0-4E1B-8E11-8F20BA49BC83}" type="datetimeFigureOut">
               <a:rPr lang="en-US" smtClean="0"/>
-              <a:t>5/7/2025</a:t>
+              <a:t>6/17/2025</a:t>
             </a:fld>
             <a:endParaRPr lang="en-US"/>
           </a:p>
@@ -1030,7 +1031,7 @@
           <a:p>
             <a:fld id="{03DD693B-B989-4390-8A25-C4B5BEDA8DF9}" type="datetimeFigureOut">
               <a:rPr lang="en-US" smtClean="0"/>
-              <a:t>5/7/2025</a:t>
+              <a:t>6/17/2025</a:t>
             </a:fld>
             <a:endParaRPr lang="en-US"/>
           </a:p>
@@ -1228,7 +1229,7 @@
           <a:p>
             <a:fld id="{03DD693B-B989-4390-8A25-C4B5BEDA8DF9}" type="datetimeFigureOut">
               <a:rPr lang="en-US" smtClean="0"/>
-              <a:t>5/7/2025</a:t>
+              <a:t>6/17/2025</a:t>
             </a:fld>
             <a:endParaRPr lang="en-US"/>
           </a:p>
@@ -1436,7 +1437,7 @@
           <a:p>
             <a:fld id="{03DD693B-B989-4390-8A25-C4B5BEDA8DF9}" type="datetimeFigureOut">
               <a:rPr lang="en-US" smtClean="0"/>
-              <a:t>5/7/2025</a:t>
+              <a:t>6/17/2025</a:t>
             </a:fld>
             <a:endParaRPr lang="en-US"/>
           </a:p>
@@ -1634,7 +1635,7 @@
           <a:p>
             <a:fld id="{03DD693B-B989-4390-8A25-C4B5BEDA8DF9}" type="datetimeFigureOut">
               <a:rPr lang="en-US" smtClean="0"/>
-              <a:t>5/7/2025</a:t>
+              <a:t>6/17/2025</a:t>
             </a:fld>
             <a:endParaRPr lang="en-US"/>
           </a:p>
@@ -1909,7 +1910,7 @@
           <a:p>
             <a:fld id="{03DD693B-B989-4390-8A25-C4B5BEDA8DF9}" type="datetimeFigureOut">
               <a:rPr lang="en-US" smtClean="0"/>
-              <a:t>5/7/2025</a:t>
+              <a:t>6/17/2025</a:t>
             </a:fld>
             <a:endParaRPr lang="en-US"/>
           </a:p>
@@ -2174,7 +2175,7 @@
           <a:p>
             <a:fld id="{03DD693B-B989-4390-8A25-C4B5BEDA8DF9}" type="datetimeFigureOut">
               <a:rPr lang="en-US" smtClean="0"/>
-              <a:t>5/7/2025</a:t>
+              <a:t>6/17/2025</a:t>
             </a:fld>
             <a:endParaRPr lang="en-US"/>
           </a:p>
@@ -2586,7 +2587,7 @@
           <a:p>
             <a:fld id="{03DD693B-B989-4390-8A25-C4B5BEDA8DF9}" type="datetimeFigureOut">
               <a:rPr lang="en-US" smtClean="0"/>
-              <a:t>5/7/2025</a:t>
+              <a:t>6/17/2025</a:t>
             </a:fld>
             <a:endParaRPr lang="en-US"/>
           </a:p>
@@ -2727,7 +2728,7 @@
           <a:p>
             <a:fld id="{03DD693B-B989-4390-8A25-C4B5BEDA8DF9}" type="datetimeFigureOut">
               <a:rPr lang="en-US" smtClean="0"/>
-              <a:t>5/7/2025</a:t>
+              <a:t>6/17/2025</a:t>
             </a:fld>
             <a:endParaRPr lang="en-US"/>
           </a:p>
@@ -2840,7 +2841,7 @@
           <a:p>
             <a:fld id="{03DD693B-B989-4390-8A25-C4B5BEDA8DF9}" type="datetimeFigureOut">
               <a:rPr lang="en-US" smtClean="0"/>
-              <a:t>5/7/2025</a:t>
+              <a:t>6/17/2025</a:t>
             </a:fld>
             <a:endParaRPr lang="en-US"/>
           </a:p>
@@ -3151,7 +3152,7 @@
           <a:p>
             <a:fld id="{03DD693B-B989-4390-8A25-C4B5BEDA8DF9}" type="datetimeFigureOut">
               <a:rPr lang="en-US" smtClean="0"/>
-              <a:t>5/7/2025</a:t>
+              <a:t>6/17/2025</a:t>
             </a:fld>
             <a:endParaRPr lang="en-US"/>
           </a:p>
@@ -3439,7 +3440,7 @@
           <a:p>
             <a:fld id="{03DD693B-B989-4390-8A25-C4B5BEDA8DF9}" type="datetimeFigureOut">
               <a:rPr lang="en-US" smtClean="0"/>
-              <a:t>5/7/2025</a:t>
+              <a:t>6/17/2025</a:t>
             </a:fld>
             <a:endParaRPr lang="en-US"/>
           </a:p>
@@ -3680,7 +3681,7 @@
           <a:p>
             <a:fld id="{03DD693B-B989-4390-8A25-C4B5BEDA8DF9}" type="datetimeFigureOut">
               <a:rPr lang="en-US" smtClean="0"/>
-              <a:t>5/7/2025</a:t>
+              <a:t>6/17/2025</a:t>
             </a:fld>
             <a:endParaRPr lang="en-US"/>
           </a:p>
@@ -4232,38 +4233,6 @@
           <a:chExt cx="0" cy="0"/>
         </a:xfrm>
       </p:grpSpPr>
-      <p:sp>
-        <p:nvSpPr>
-          <p:cNvPr id="2" name="Title 1">
-            <a:extLst>
-              <a:ext uri="{FF2B5EF4-FFF2-40B4-BE49-F238E27FC236}">
-                <a16:creationId xmlns:a16="http://schemas.microsoft.com/office/drawing/2014/main" id="{B6BA8C1A-8EA5-82CF-8C1C-74D51179ED57}"/>
-              </a:ext>
-            </a:extLst>
-          </p:cNvPr>
-          <p:cNvSpPr>
-            <a:spLocks noGrp="1"/>
-          </p:cNvSpPr>
-          <p:nvPr>
-            <p:ph type="title"/>
-          </p:nvPr>
-        </p:nvSpPr>
-        <p:spPr>
-          <a:xfrm>
-            <a:off x="5894962" y="479493"/>
-            <a:ext cx="5458838" cy="1325563"/>
-          </a:xfrm>
-        </p:spPr>
-        <p:txBody>
-          <a:bodyPr>
-            <a:normAutofit/>
-          </a:bodyPr>
-          <a:lstStyle/>
-          <a:p>
-            <a:endParaRPr lang="en-US"/>
-          </a:p>
-        </p:txBody>
-      </p:sp>
       <p:pic>
         <p:nvPicPr>
           <p:cNvPr id="5" name="Picture 4">
@@ -4356,8 +4325,8 @@
         </p:nvSpPr>
         <p:spPr>
           <a:xfrm>
-            <a:off x="5894962" y="1984443"/>
-            <a:ext cx="5458838" cy="4192520"/>
+            <a:off x="5641573" y="431063"/>
+            <a:ext cx="6157491" cy="6013803"/>
           </a:xfrm>
         </p:spPr>
         <p:txBody>
@@ -4366,42 +4335,45 @@
           </a:bodyPr>
           <a:lstStyle/>
           <a:p>
-            <a:r>
-              <a:rPr lang="en-US" sz="2400" b="1" i="0" u="none" strike="noStrike" baseline="0" dirty="0">
+            <a:pPr algn="just"/>
+            <a:r>
+              <a:rPr lang="en-US" sz="3200" b="1" i="0" u="none" strike="noStrike" baseline="0" dirty="0">
                 <a:latin typeface="Minion Pro"/>
               </a:rPr>
               <a:t>Internal assessment</a:t>
             </a:r>
+            <a:r>
+              <a:rPr lang="en-US" sz="3200" b="0" i="0" u="none" strike="noStrike" baseline="0" dirty="0">
+                <a:latin typeface="Minion Pro"/>
+              </a:rPr>
+              <a:t>:</a:t>
+            </a:r>
+          </a:p>
+          <a:p>
+            <a:pPr algn="just"/>
             <a:r>
               <a:rPr lang="en-US" sz="2400" b="0" i="0" u="none" strike="noStrike" baseline="0" dirty="0">
                 <a:latin typeface="Minion Pro"/>
               </a:rPr>
-              <a:t>:</a:t>
-            </a:r>
-          </a:p>
-          <a:p>
-            <a:r>
-              <a:rPr lang="en-US" sz="1800" b="0" i="0" u="none" strike="noStrike" baseline="0" dirty="0">
-                <a:latin typeface="Minion Pro"/>
-              </a:rPr>
               <a:t> </a:t>
             </a:r>
             <a:r>
-              <a:rPr lang="en-US" sz="1800" dirty="0"/>
+              <a:rPr lang="en-US" sz="2400" dirty="0"/>
               <a:t>An </a:t>
             </a:r>
             <a:r>
-              <a:rPr lang="en-US" sz="1800" b="1" dirty="0"/>
+              <a:rPr lang="en-US" sz="2400" b="1" dirty="0"/>
               <a:t>Internal Vulnerability Assessment (IVA)</a:t>
             </a:r>
             <a:r>
-              <a:rPr lang="en-US" sz="1800" dirty="0"/>
+              <a:rPr lang="en-US" sz="2400" dirty="0"/>
               <a:t> is a security evaluation process conducted within an organization's network to identify vulnerabilities, misconfigurations, or weaknesses that could be exploited by malicious actors who have access to the internal network. </a:t>
             </a:r>
           </a:p>
           <a:p>
-            <a:r>
-              <a:rPr lang="en-US" sz="1600" dirty="0"/>
+            <a:pPr algn="just"/>
+            <a:r>
+              <a:rPr lang="en-US" sz="2400" dirty="0"/>
               <a:t>The purpose of this assessment is to detect vulnerabilities within internal systems, such as outdated software, misconfigured devices, and insecure protocols as well as to understand how a malicious insider or a compromised system could exploit vulnerabilities.</a:t>
             </a:r>
           </a:p>
@@ -4634,16 +4606,21 @@
             <p:ph idx="1"/>
           </p:nvPr>
         </p:nvSpPr>
-        <p:spPr/>
+        <p:spPr>
+          <a:xfrm>
+            <a:off x="342440" y="1253330"/>
+            <a:ext cx="11467641" cy="5103019"/>
+          </a:xfrm>
+        </p:spPr>
         <p:txBody>
           <a:bodyPr>
-            <a:normAutofit/>
+            <a:normAutofit fontScale="92500" lnSpcReduction="10000"/>
           </a:bodyPr>
           <a:lstStyle/>
           <a:p>
-            <a:pPr algn="l"/>
-            <a:r>
-              <a:rPr lang="en-US" sz="2000" b="0" i="0" u="none" strike="noStrike" baseline="0" dirty="0">
+            <a:pPr algn="just"/>
+            <a:r>
+              <a:rPr lang="en-US" b="0" i="0" u="none" strike="noStrike" baseline="0" dirty="0">
                 <a:solidFill>
                   <a:srgbClr val="000000"/>
                 </a:solidFill>
@@ -4653,11 +4630,11 @@
             </a:r>
           </a:p>
           <a:p>
-            <a:pPr marL="457200" lvl="1" indent="0">
+            <a:pPr marL="457200" lvl="1" indent="0" algn="just">
               <a:buNone/>
             </a:pPr>
             <a:r>
-              <a:rPr lang="en-US" sz="2000" b="0" i="0" u="none" strike="noStrike" baseline="0" dirty="0">
+              <a:rPr lang="en-US" sz="2800" b="0" i="0" u="none" strike="noStrike" baseline="0" dirty="0">
                 <a:solidFill>
                   <a:srgbClr val="666666"/>
                 </a:solidFill>
@@ -4666,7 +4643,7 @@
               <a:t>■■ </a:t>
             </a:r>
             <a:r>
-              <a:rPr lang="en-US" sz="2000" b="1" i="0" u="none" strike="noStrike" baseline="0" dirty="0">
+              <a:rPr lang="en-US" sz="2800" b="1" i="0" u="none" strike="noStrike" baseline="0" dirty="0">
                 <a:solidFill>
                   <a:srgbClr val="000000"/>
                 </a:solidFill>
@@ -4675,7 +4652,7 @@
               <a:t>Open permissions </a:t>
             </a:r>
             <a:r>
-              <a:rPr lang="en-US" sz="2000" b="0" i="0" u="none" strike="noStrike" baseline="0" dirty="0">
+              <a:rPr lang="en-US" sz="2800" b="0" i="0" u="none" strike="noStrike" baseline="0" dirty="0">
                 <a:solidFill>
                   <a:srgbClr val="000000"/>
                 </a:solidFill>
@@ -4684,7 +4661,7 @@
               <a:t>Not configuring permissions on a system or in an application can leave the system wide open to attackers. </a:t>
             </a:r>
             <a:r>
-              <a:rPr lang="en-US" sz="2000" b="0" i="0" u="none" strike="noStrike" baseline="0" dirty="0">
+              <a:rPr lang="en-US" sz="2800" b="0" i="0" u="none" strike="noStrike" baseline="0" dirty="0">
                 <a:solidFill>
                   <a:srgbClr val="FF0000"/>
                 </a:solidFill>
@@ -4694,11 +4671,11 @@
             </a:r>
           </a:p>
           <a:p>
-            <a:pPr marL="457200" lvl="1" indent="0">
+            <a:pPr marL="457200" lvl="1" indent="0" algn="just">
               <a:buNone/>
             </a:pPr>
             <a:r>
-              <a:rPr lang="en-US" sz="2000" b="0" i="0" u="none" strike="noStrike" baseline="0" dirty="0">
+              <a:rPr lang="en-US" sz="2800" b="0" i="0" u="none" strike="noStrike" baseline="0" dirty="0">
                 <a:solidFill>
                   <a:srgbClr val="666666"/>
                 </a:solidFill>
@@ -4707,7 +4684,7 @@
               <a:t>■■ </a:t>
             </a:r>
             <a:r>
-              <a:rPr lang="en-US" sz="2000" b="1" i="0" u="none" strike="noStrike" baseline="0" dirty="0">
+              <a:rPr lang="en-US" sz="2800" b="1" i="0" u="none" strike="noStrike" baseline="0" dirty="0">
                 <a:solidFill>
                   <a:srgbClr val="000000"/>
                 </a:solidFill>
@@ -4716,7 +4693,7 @@
               <a:t>Unsecure root accounts </a:t>
             </a:r>
             <a:r>
-              <a:rPr lang="en-US" sz="2000" b="0" i="0" u="none" strike="noStrike" baseline="0" dirty="0">
+              <a:rPr lang="en-US" sz="2800" b="0" i="0" u="none" strike="noStrike" baseline="0" dirty="0">
                 <a:solidFill>
                   <a:srgbClr val="000000"/>
                 </a:solidFill>
@@ -4725,7 +4702,7 @@
               <a:t>Best practices with administrator accounts such as the root account in Linux and the administrator account in Windows should be followed. </a:t>
             </a:r>
             <a:r>
-              <a:rPr lang="en-US" sz="2000" b="0" i="0" u="none" strike="noStrike" baseline="0" dirty="0">
+              <a:rPr lang="en-US" sz="2800" b="0" i="0" u="none" strike="noStrike" baseline="0" dirty="0">
                 <a:solidFill>
                   <a:srgbClr val="FF0000"/>
                 </a:solidFill>
@@ -4735,11 +4712,11 @@
             </a:r>
           </a:p>
           <a:p>
-            <a:pPr marL="457200" lvl="1" indent="0">
+            <a:pPr marL="457200" lvl="1" indent="0" algn="just">
               <a:buNone/>
             </a:pPr>
             <a:r>
-              <a:rPr lang="en-US" sz="2000" b="0" i="0" u="none" strike="noStrike" baseline="0" dirty="0">
+              <a:rPr lang="en-US" sz="2800" b="0" i="0" u="none" strike="noStrike" baseline="0" dirty="0">
                 <a:solidFill>
                   <a:srgbClr val="666666"/>
                 </a:solidFill>
@@ -4748,25 +4725,25 @@
               <a:t>■■ </a:t>
             </a:r>
             <a:r>
-              <a:rPr lang="en-US" sz="2000" b="1" i="0" u="none" strike="noStrike" baseline="0" dirty="0">
+              <a:rPr lang="en-US" sz="2800" b="1" i="0" u="none" strike="noStrike" baseline="0" dirty="0">
                 <a:latin typeface="WarnockPro-Bold"/>
               </a:rPr>
               <a:t>Errors </a:t>
             </a:r>
             <a:r>
-              <a:rPr lang="en-US" sz="2000" b="0" i="0" u="none" strike="noStrike" baseline="0" dirty="0" err="1">
+              <a:rPr lang="en-US" sz="2800" b="0" i="0" u="none" strike="noStrike" baseline="0" dirty="0" err="1">
                 <a:latin typeface="WarnockPro-Regular"/>
               </a:rPr>
               <a:t>Errors</a:t>
             </a:r>
             <a:r>
-              <a:rPr lang="en-US" sz="2000" b="0" i="0" u="none" strike="noStrike" baseline="0" dirty="0">
+              <a:rPr lang="en-US" sz="2800" b="0" i="0" u="none" strike="noStrike" baseline="0" dirty="0">
                 <a:latin typeface="WarnockPro-Regular"/>
               </a:rPr>
               <a:t> are mistakes made in the configuration that could leave the system open to attack</a:t>
             </a:r>
             <a:r>
-              <a:rPr lang="en-US" sz="2000" b="0" i="0" u="none" strike="noStrike" baseline="0" dirty="0">
+              <a:rPr lang="en-US" sz="2800" b="0" i="0" u="none" strike="noStrike" baseline="0" dirty="0">
                 <a:solidFill>
                   <a:srgbClr val="FF0000"/>
                 </a:solidFill>
@@ -4775,12 +4752,12 @@
               <a:t>. For example, not limiting zone transfers on a DNS server could leave the DNS data open to the attacker</a:t>
             </a:r>
             <a:r>
-              <a:rPr lang="en-US" sz="2000" b="0" i="0" u="none" strike="noStrike" baseline="0" dirty="0">
+              <a:rPr lang="en-US" sz="2800" b="0" i="0" u="none" strike="noStrike" baseline="0" dirty="0">
                 <a:latin typeface="WarnockPro-Regular"/>
               </a:rPr>
               <a:t>.</a:t>
             </a:r>
-            <a:endParaRPr lang="en-US" sz="2000" dirty="0"/>
+            <a:endParaRPr lang="en-US" sz="2800" dirty="0"/>
           </a:p>
         </p:txBody>
       </p:sp>
@@ -5402,7 +5379,12 @@
             <p:ph type="title"/>
           </p:nvPr>
         </p:nvSpPr>
-        <p:spPr/>
+        <p:spPr>
+          <a:xfrm>
+            <a:off x="838200" y="0"/>
+            <a:ext cx="10515600" cy="1325563"/>
+          </a:xfrm>
+        </p:spPr>
         <p:txBody>
           <a:bodyPr/>
           <a:lstStyle/>
@@ -5430,18 +5412,23 @@
             <p:ph idx="1"/>
           </p:nvPr>
         </p:nvSpPr>
-        <p:spPr/>
+        <p:spPr>
+          <a:xfrm>
+            <a:off x="331423" y="1098512"/>
+            <a:ext cx="11445607" cy="5257838"/>
+          </a:xfrm>
+        </p:spPr>
         <p:txBody>
           <a:bodyPr>
-            <a:normAutofit/>
+            <a:normAutofit lnSpcReduction="10000"/>
           </a:bodyPr>
           <a:lstStyle/>
           <a:p>
-            <a:pPr marL="0" indent="0" algn="l">
+            <a:pPr marL="0" indent="0" algn="just">
               <a:buNone/>
             </a:pPr>
             <a:r>
-              <a:rPr lang="en-US" sz="1800" b="0" i="0" u="none" strike="noStrike" baseline="0" dirty="0">
+              <a:rPr lang="en-US" sz="2400" b="0" i="0" u="none" strike="noStrike" baseline="0" dirty="0">
                 <a:solidFill>
                   <a:srgbClr val="000000"/>
                 </a:solidFill>
@@ -5451,9 +5438,9 @@
             </a:r>
           </a:p>
           <a:p>
-            <a:pPr algn="l"/>
-            <a:r>
-              <a:rPr lang="en-US" sz="1800" b="0" i="0" u="none" strike="noStrike" baseline="0" dirty="0">
+            <a:pPr algn="just"/>
+            <a:r>
+              <a:rPr lang="en-US" sz="2400" b="0" i="0" u="none" strike="noStrike" baseline="0" dirty="0">
                 <a:solidFill>
                   <a:srgbClr val="000000"/>
                 </a:solidFill>
@@ -5463,11 +5450,11 @@
             </a:r>
           </a:p>
           <a:p>
-            <a:pPr marL="0" indent="0" algn="l">
+            <a:pPr marL="0" indent="0" algn="just">
               <a:buNone/>
             </a:pPr>
             <a:r>
-              <a:rPr lang="en-US" sz="1800" b="0" i="0" u="none" strike="noStrike" baseline="0" dirty="0">
+              <a:rPr lang="en-US" sz="2400" b="0" i="0" u="none" strike="noStrike" baseline="0" dirty="0">
                 <a:solidFill>
                   <a:srgbClr val="666666"/>
                 </a:solidFill>
@@ -5476,7 +5463,7 @@
               <a:t>■■ </a:t>
             </a:r>
             <a:r>
-              <a:rPr lang="en-US" sz="1800" b="1" i="0" u="none" strike="noStrike" baseline="0" dirty="0">
+              <a:rPr lang="en-US" sz="2400" b="1" i="0" u="none" strike="noStrike" baseline="0" dirty="0">
                 <a:solidFill>
                   <a:srgbClr val="000000"/>
                 </a:solidFill>
@@ -5485,7 +5472,7 @@
               <a:t>Firmware </a:t>
             </a:r>
             <a:r>
-              <a:rPr lang="en-US" sz="1800" b="0" i="0" u="none" strike="noStrike" baseline="0" dirty="0">
+              <a:rPr lang="en-US" sz="2400" b="0" i="0" u="none" strike="noStrike" baseline="0" dirty="0">
                 <a:solidFill>
                   <a:srgbClr val="000000"/>
                 </a:solidFill>
@@ -5495,11 +5482,11 @@
             </a:r>
           </a:p>
           <a:p>
-            <a:pPr marL="0" indent="0" algn="l">
+            <a:pPr marL="0" indent="0" algn="just">
               <a:buNone/>
             </a:pPr>
             <a:r>
-              <a:rPr lang="en-US" sz="1800" b="0" i="0" u="none" strike="noStrike" baseline="0" dirty="0">
+              <a:rPr lang="en-US" sz="2400" b="0" i="0" u="none" strike="noStrike" baseline="0" dirty="0">
                 <a:solidFill>
                   <a:srgbClr val="666666"/>
                 </a:solidFill>
@@ -5508,7 +5495,7 @@
               <a:t>■■ </a:t>
             </a:r>
             <a:r>
-              <a:rPr lang="en-US" sz="1800" b="1" i="0" u="none" strike="noStrike" baseline="0" dirty="0">
+              <a:rPr lang="en-US" sz="2400" b="1" i="0" u="none" strike="noStrike" baseline="0" dirty="0">
                 <a:solidFill>
                   <a:srgbClr val="000000"/>
                 </a:solidFill>
@@ -5517,7 +5504,7 @@
               <a:t>Operating system (OS) </a:t>
             </a:r>
             <a:r>
-              <a:rPr lang="en-US" sz="1800" b="0" i="0" u="none" strike="noStrike" baseline="0" dirty="0">
+              <a:rPr lang="en-US" sz="2400" b="0" i="0" u="none" strike="noStrike" baseline="0" dirty="0">
                 <a:solidFill>
                   <a:srgbClr val="000000"/>
                 </a:solidFill>
@@ -5527,11 +5514,11 @@
             </a:r>
           </a:p>
           <a:p>
-            <a:pPr marL="0" indent="0" algn="l">
+            <a:pPr marL="0" indent="0" algn="just">
               <a:buNone/>
             </a:pPr>
             <a:r>
-              <a:rPr lang="en-US" sz="1800" b="0" i="0" u="none" strike="noStrike" baseline="0" dirty="0">
+              <a:rPr lang="en-US" sz="2400" b="0" i="0" u="none" strike="noStrike" baseline="0" dirty="0">
                 <a:solidFill>
                   <a:srgbClr val="666666"/>
                 </a:solidFill>
@@ -5540,7 +5527,7 @@
               <a:t>■■ </a:t>
             </a:r>
             <a:r>
-              <a:rPr lang="en-US" sz="1800" b="1" i="0" u="none" strike="noStrike" baseline="0" dirty="0">
+              <a:rPr lang="en-US" sz="2400" b="1" i="0" u="none" strike="noStrike" baseline="0" dirty="0">
                 <a:solidFill>
                   <a:srgbClr val="000000"/>
                 </a:solidFill>
@@ -5549,7 +5536,7 @@
               <a:t>Applications </a:t>
             </a:r>
             <a:r>
-              <a:rPr lang="en-US" sz="1800" b="0" i="0" u="none" strike="noStrike" baseline="0" dirty="0">
+              <a:rPr lang="en-US" sz="2400" b="0" i="0" u="none" strike="noStrike" baseline="0" dirty="0">
                 <a:solidFill>
                   <a:srgbClr val="000000"/>
                 </a:solidFill>
@@ -5559,23 +5546,23 @@
             </a:r>
           </a:p>
           <a:p>
-            <a:pPr algn="l"/>
-            <a:r>
-              <a:rPr lang="en-US" sz="1800" b="1" i="0" u="none" strike="noStrike" baseline="0" dirty="0">
+            <a:pPr algn="just"/>
+            <a:r>
+              <a:rPr lang="en-US" sz="2400" b="1" i="0" u="none" strike="noStrike" baseline="0" dirty="0">
                 <a:latin typeface="MyriadPro-Bold"/>
               </a:rPr>
               <a:t>Legacy Platforms</a:t>
             </a:r>
           </a:p>
           <a:p>
-            <a:pPr algn="l"/>
-            <a:r>
-              <a:rPr lang="en-US" sz="1800" b="0" i="0" u="none" strike="noStrike" baseline="0" dirty="0">
+            <a:pPr algn="just"/>
+            <a:r>
+              <a:rPr lang="en-US" sz="2400" b="0" i="0" u="none" strike="noStrike" baseline="0" dirty="0">
                 <a:latin typeface="WarnockPro-Regular"/>
               </a:rPr>
               <a:t>Legacy systems are something you should watch for on the network, as many legacy systems no longer have vendor support, which means they are most likely not patched anymore. Also, a legacy system may be using older protocols that are unsecure. If you are using legacy systems on your network, look to placing them on their own network segment to help reduce the chances that the systems are attacked.</a:t>
             </a:r>
-            <a:endParaRPr lang="en-US" dirty="0"/>
+            <a:endParaRPr lang="en-US" sz="3600" dirty="0"/>
           </a:p>
         </p:txBody>
       </p:sp>
@@ -6314,10 +6301,10 @@
       </p:grpSpPr>
       <p:sp>
         <p:nvSpPr>
-          <p:cNvPr id="2" name="Title 1">
-            <a:extLst>
-              <a:ext uri="{FF2B5EF4-FFF2-40B4-BE49-F238E27FC236}">
-                <a16:creationId xmlns:a16="http://schemas.microsoft.com/office/drawing/2014/main" id="{E2288A8B-811D-0098-224D-D75CBE32372E}"/>
+          <p:cNvPr id="3" name="Content Placeholder 2">
+            <a:extLst>
+              <a:ext uri="{FF2B5EF4-FFF2-40B4-BE49-F238E27FC236}">
+                <a16:creationId xmlns:a16="http://schemas.microsoft.com/office/drawing/2014/main" id="{FDD4292F-654B-5F8A-8EDE-26874CA51B61}"/>
               </a:ext>
             </a:extLst>
           </p:cNvPr>
@@ -6325,35 +6312,15 @@
             <a:spLocks noGrp="1"/>
           </p:cNvSpPr>
           <p:nvPr>
-            <p:ph type="title"/>
-          </p:nvPr>
-        </p:nvSpPr>
-        <p:spPr/>
-        <p:txBody>
-          <a:bodyPr/>
-          <a:lstStyle/>
-          <a:p>
-            <a:endParaRPr lang="en-US" dirty="0"/>
-          </a:p>
-        </p:txBody>
-      </p:sp>
-      <p:sp>
-        <p:nvSpPr>
-          <p:cNvPr id="3" name="Content Placeholder 2">
-            <a:extLst>
-              <a:ext uri="{FF2B5EF4-FFF2-40B4-BE49-F238E27FC236}">
-                <a16:creationId xmlns:a16="http://schemas.microsoft.com/office/drawing/2014/main" id="{FDD4292F-654B-5F8A-8EDE-26874CA51B61}"/>
-              </a:ext>
-            </a:extLst>
-          </p:cNvPr>
-          <p:cNvSpPr>
-            <a:spLocks noGrp="1"/>
-          </p:cNvSpPr>
-          <p:nvPr>
             <p:ph idx="1"/>
           </p:nvPr>
         </p:nvSpPr>
-        <p:spPr/>
+        <p:spPr>
+          <a:xfrm>
+            <a:off x="397524" y="382415"/>
+            <a:ext cx="11390523" cy="6062451"/>
+          </a:xfrm>
+        </p:spPr>
         <p:txBody>
           <a:bodyPr>
             <a:normAutofit/>
@@ -6362,7 +6329,7 @@
           <a:p>
             <a:pPr algn="l"/>
             <a:r>
-              <a:rPr lang="en-US" sz="2000" b="0" i="0" u="none" strike="noStrike" baseline="0" dirty="0">
+              <a:rPr lang="en-US" b="0" i="0" u="none" strike="noStrike" baseline="0" dirty="0">
                 <a:solidFill>
                   <a:srgbClr val="000000"/>
                 </a:solidFill>
@@ -6374,7 +6341,7 @@
           <a:p>
             <a:pPr algn="l"/>
             <a:r>
-              <a:rPr lang="en-US" sz="2000" b="0" i="0" u="none" strike="noStrike" baseline="0" dirty="0">
+              <a:rPr lang="en-US" b="0" i="0" u="none" strike="noStrike" baseline="0" dirty="0">
                 <a:solidFill>
                   <a:srgbClr val="000000"/>
                 </a:solidFill>
@@ -6388,7 +6355,7 @@
               <a:buNone/>
             </a:pPr>
             <a:r>
-              <a:rPr lang="en-US" sz="2000" b="0" i="0" u="none" strike="noStrike" baseline="0" dirty="0">
+              <a:rPr lang="en-US" sz="2800" b="0" i="0" u="none" strike="noStrike" baseline="0" dirty="0">
                 <a:solidFill>
                   <a:srgbClr val="666666"/>
                 </a:solidFill>
@@ -6397,7 +6364,7 @@
               <a:t>■■ </a:t>
             </a:r>
             <a:r>
-              <a:rPr lang="en-US" sz="2000" b="1" i="0" u="none" strike="noStrike" baseline="0" dirty="0">
+              <a:rPr lang="en-US" sz="2800" b="1" i="0" u="none" strike="noStrike" baseline="0" dirty="0">
                 <a:solidFill>
                   <a:srgbClr val="000000"/>
                 </a:solidFill>
@@ -6406,7 +6373,7 @@
               <a:t>Data loss </a:t>
             </a:r>
             <a:r>
-              <a:rPr lang="en-US" sz="2000" b="0" i="0" u="none" strike="noStrike" baseline="0" dirty="0">
+              <a:rPr lang="en-US" sz="2800" b="0" i="0" u="none" strike="noStrike" baseline="0" dirty="0">
                 <a:solidFill>
                   <a:srgbClr val="000000"/>
                 </a:solidFill>
@@ -6420,7 +6387,7 @@
               <a:buNone/>
             </a:pPr>
             <a:r>
-              <a:rPr lang="en-US" sz="2000" b="0" i="0" u="none" strike="noStrike" baseline="0" dirty="0">
+              <a:rPr lang="en-US" sz="2800" b="0" i="0" u="none" strike="noStrike" baseline="0" dirty="0">
                 <a:solidFill>
                   <a:srgbClr val="666666"/>
                 </a:solidFill>
@@ -6429,7 +6396,7 @@
               <a:t>■■ </a:t>
             </a:r>
             <a:r>
-              <a:rPr lang="en-US" sz="2000" b="1" i="0" u="none" strike="noStrike" baseline="0" dirty="0">
+              <a:rPr lang="en-US" sz="2800" b="1" i="0" u="none" strike="noStrike" baseline="0" dirty="0">
                 <a:solidFill>
                   <a:srgbClr val="000000"/>
                 </a:solidFill>
@@ -6438,7 +6405,7 @@
               <a:t>Data breaches </a:t>
             </a:r>
             <a:r>
-              <a:rPr lang="en-US" sz="2000" b="0" i="0" u="none" strike="noStrike" baseline="0" dirty="0">
+              <a:rPr lang="en-US" sz="2800" b="0" i="0" u="none" strike="noStrike" baseline="0" dirty="0">
                 <a:solidFill>
                   <a:srgbClr val="000000"/>
                 </a:solidFill>
@@ -6447,7 +6414,7 @@
               <a:t>A data breach occurs when an unauthorized person gets access to confidential data. A data breach is also known as a </a:t>
             </a:r>
             <a:r>
-              <a:rPr lang="en-US" sz="2000" b="0" i="1" u="none" strike="noStrike" baseline="0" dirty="0">
+              <a:rPr lang="en-US" sz="2800" b="0" i="1" u="none" strike="noStrike" baseline="0" dirty="0">
                 <a:solidFill>
                   <a:srgbClr val="000000"/>
                 </a:solidFill>
@@ -6456,7 +6423,7 @@
               <a:t>data leak </a:t>
             </a:r>
             <a:r>
-              <a:rPr lang="en-US" sz="2000" b="0" i="0" u="none" strike="noStrike" baseline="0" dirty="0">
+              <a:rPr lang="en-US" sz="2800" b="0" i="0" u="none" strike="noStrike" baseline="0" dirty="0">
                 <a:solidFill>
                   <a:srgbClr val="000000"/>
                 </a:solidFill>
@@ -6465,7 +6432,7 @@
               <a:t>or </a:t>
             </a:r>
             <a:r>
-              <a:rPr lang="en-US" sz="2000" b="0" i="1" u="none" strike="noStrike" baseline="0" dirty="0">
+              <a:rPr lang="en-US" sz="2800" b="0" i="1" u="none" strike="noStrike" baseline="0" dirty="0">
                 <a:solidFill>
                   <a:srgbClr val="000000"/>
                 </a:solidFill>
@@ -6474,7 +6441,7 @@
               <a:t>data spill. </a:t>
             </a:r>
             <a:r>
-              <a:rPr lang="en-US" sz="2000" b="0" i="0" u="none" strike="noStrike" baseline="0" dirty="0">
+              <a:rPr lang="en-US" sz="2800" b="0" i="0" u="none" strike="noStrike" baseline="0" dirty="0">
                 <a:solidFill>
                   <a:srgbClr val="000000"/>
                 </a:solidFill>
@@ -6487,7 +6454,7 @@
             <a:pPr marL="457200" lvl="1" indent="0">
               <a:buNone/>
             </a:pPr>
-            <a:endParaRPr lang="en-US" sz="1600" dirty="0">
+            <a:endParaRPr lang="en-US" sz="2000" dirty="0">
               <a:solidFill>
                 <a:srgbClr val="FF0000"/>
               </a:solidFill>
@@ -6556,10 +6523,10 @@
       </p:grpSpPr>
       <p:sp>
         <p:nvSpPr>
-          <p:cNvPr id="2" name="Title 1">
-            <a:extLst>
-              <a:ext uri="{FF2B5EF4-FFF2-40B4-BE49-F238E27FC236}">
-                <a16:creationId xmlns:a16="http://schemas.microsoft.com/office/drawing/2014/main" id="{BF4CB7D7-921B-6133-A22F-BC7FCF749A80}"/>
+          <p:cNvPr id="3" name="Content Placeholder 2">
+            <a:extLst>
+              <a:ext uri="{FF2B5EF4-FFF2-40B4-BE49-F238E27FC236}">
+                <a16:creationId xmlns:a16="http://schemas.microsoft.com/office/drawing/2014/main" id="{FC90ADC1-B03C-8624-EDEB-E14A1A536C25}"/>
               </a:ext>
             </a:extLst>
           </p:cNvPr>
@@ -6567,46 +6534,26 @@
             <a:spLocks noGrp="1"/>
           </p:cNvSpPr>
           <p:nvPr>
-            <p:ph type="title"/>
-          </p:nvPr>
-        </p:nvSpPr>
-        <p:spPr/>
-        <p:txBody>
-          <a:bodyPr/>
-          <a:lstStyle/>
-          <a:p>
-            <a:endParaRPr lang="en-US"/>
-          </a:p>
-        </p:txBody>
-      </p:sp>
-      <p:sp>
-        <p:nvSpPr>
-          <p:cNvPr id="3" name="Content Placeholder 2">
-            <a:extLst>
-              <a:ext uri="{FF2B5EF4-FFF2-40B4-BE49-F238E27FC236}">
-                <a16:creationId xmlns:a16="http://schemas.microsoft.com/office/drawing/2014/main" id="{FC90ADC1-B03C-8624-EDEB-E14A1A536C25}"/>
-              </a:ext>
-            </a:extLst>
-          </p:cNvPr>
-          <p:cNvSpPr>
-            <a:spLocks noGrp="1"/>
-          </p:cNvSpPr>
-          <p:nvPr>
             <p:ph idx="1"/>
           </p:nvPr>
         </p:nvSpPr>
-        <p:spPr/>
+        <p:spPr>
+          <a:xfrm>
+            <a:off x="364473" y="338348"/>
+            <a:ext cx="11302389" cy="6018002"/>
+          </a:xfrm>
+        </p:spPr>
         <p:txBody>
           <a:bodyPr>
             <a:noAutofit/>
           </a:bodyPr>
           <a:lstStyle/>
           <a:p>
-            <a:pPr marL="0" indent="0">
+            <a:pPr marL="0" indent="0" algn="just">
               <a:buNone/>
             </a:pPr>
             <a:r>
-              <a:rPr lang="en-US" sz="2000" b="0" i="0" u="none" strike="noStrike" baseline="0" dirty="0">
+              <a:rPr lang="en-US" b="0" i="0" u="none" strike="noStrike" baseline="0" dirty="0">
                 <a:solidFill>
                   <a:srgbClr val="666666"/>
                 </a:solidFill>
@@ -6615,19 +6562,19 @@
               <a:t>■■ </a:t>
             </a:r>
             <a:r>
-              <a:rPr lang="en-US" sz="2000" b="1" i="0" u="none" strike="noStrike" baseline="0" dirty="0">
+              <a:rPr lang="en-US" b="1" i="0" u="none" strike="noStrike" baseline="0" dirty="0">
                 <a:latin typeface="WarnockPro-Bold"/>
               </a:rPr>
               <a:t>Data exfiltration </a:t>
             </a:r>
             <a:r>
-              <a:rPr lang="en-US" sz="2000" b="0" i="0" u="none" strike="noStrike" baseline="0" dirty="0">
+              <a:rPr lang="en-US" b="0" i="0" u="none" strike="noStrike" baseline="0" dirty="0">
                 <a:latin typeface="WarnockPro-Regular"/>
               </a:rPr>
               <a:t>Data exfiltration occurs when someone transfers data from a computer or network without permission to do so. Examples of sensitive data that an attacker may want to transfer from a system are financial data (such as credit card numbers), personally identifiable information (PII), and usernames and passwords. </a:t>
             </a:r>
             <a:r>
-              <a:rPr lang="en-US" sz="2000" b="0" i="0" u="none" strike="noStrike" baseline="0" dirty="0">
+              <a:rPr lang="en-US" b="0" i="0" u="none" strike="noStrike" baseline="0" dirty="0">
                 <a:solidFill>
                   <a:srgbClr val="FF0000"/>
                 </a:solidFill>
@@ -6635,7 +6582,7 @@
               </a:rPr>
               <a:t>To prevent data exfiltration, you can disable USB ports so that portable storage such as USB flash drives and USB external drives cannot be connected to a system, or you can use data loss prevention (DLP) features to block sensitive data from being copied or e-mailed outside the organization.</a:t>
             </a:r>
-            <a:endParaRPr lang="en-US" sz="2000" b="0" i="0" u="none" strike="noStrike" baseline="0" dirty="0">
+            <a:endParaRPr lang="en-US" b="0" i="0" u="none" strike="noStrike" baseline="0" dirty="0">
               <a:solidFill>
                 <a:srgbClr val="666666"/>
               </a:solidFill>
@@ -6643,11 +6590,11 @@
             </a:endParaRPr>
           </a:p>
           <a:p>
-            <a:pPr marL="0" indent="0" algn="l">
+            <a:pPr marL="0" indent="0" algn="just">
               <a:buNone/>
             </a:pPr>
             <a:r>
-              <a:rPr lang="en-US" sz="2000" b="0" i="0" u="none" strike="noStrike" baseline="0" dirty="0">
+              <a:rPr lang="en-US" b="0" i="0" u="none" strike="noStrike" baseline="0" dirty="0">
                 <a:solidFill>
                   <a:srgbClr val="666666"/>
                 </a:solidFill>
@@ -6656,7 +6603,7 @@
               <a:t>■■ </a:t>
             </a:r>
             <a:r>
-              <a:rPr lang="en-US" sz="2000" b="1" i="0" u="none" strike="noStrike" baseline="0" dirty="0">
+              <a:rPr lang="en-US" b="1" i="0" u="none" strike="noStrike" baseline="0" dirty="0">
                 <a:solidFill>
                   <a:srgbClr val="000000"/>
                 </a:solidFill>
@@ -6665,7 +6612,7 @@
               <a:t>Identity theft </a:t>
             </a:r>
             <a:r>
-              <a:rPr lang="en-US" sz="2000" b="0" i="0" u="none" strike="noStrike" baseline="0" dirty="0">
+              <a:rPr lang="en-US" b="0" i="0" u="none" strike="noStrike" baseline="0" dirty="0">
                 <a:solidFill>
                   <a:srgbClr val="000000"/>
                 </a:solidFill>
@@ -6674,7 +6621,7 @@
               <a:t>A vulnerability in a system could result in identity theft, where</a:t>
             </a:r>
             <a:r>
-              <a:rPr lang="en-US" sz="2000" dirty="0">
+              <a:rPr lang="en-US" dirty="0">
                 <a:solidFill>
                   <a:srgbClr val="000000"/>
                 </a:solidFill>
@@ -6683,7 +6630,7 @@
               <a:t> </a:t>
             </a:r>
             <a:r>
-              <a:rPr lang="en-US" sz="2000" b="0" i="0" u="none" strike="noStrike" baseline="0" dirty="0">
+              <a:rPr lang="en-US" b="0" i="0" u="none" strike="noStrike" baseline="0" dirty="0">
                 <a:solidFill>
                   <a:srgbClr val="000000"/>
                 </a:solidFill>
@@ -6693,11 +6640,11 @@
             </a:r>
           </a:p>
           <a:p>
-            <a:pPr marL="0" indent="0" algn="l">
+            <a:pPr marL="0" indent="0" algn="just">
               <a:buNone/>
             </a:pPr>
             <a:r>
-              <a:rPr lang="en-US" sz="2000" b="0" i="0" u="none" strike="noStrike" baseline="0" dirty="0">
+              <a:rPr lang="en-US" b="0" i="0" u="none" strike="noStrike" baseline="0" dirty="0">
                 <a:solidFill>
                   <a:srgbClr val="666666"/>
                 </a:solidFill>
@@ -6706,7 +6653,7 @@
               <a:t>■■ </a:t>
             </a:r>
             <a:r>
-              <a:rPr lang="en-US" sz="2000" b="1" i="0" u="none" strike="noStrike" baseline="0" dirty="0">
+              <a:rPr lang="en-US" b="1" i="0" u="none" strike="noStrike" baseline="0" dirty="0">
                 <a:solidFill>
                   <a:srgbClr val="000000"/>
                 </a:solidFill>
@@ -6715,7 +6662,7 @@
               <a:t>Financial loss </a:t>
             </a:r>
             <a:r>
-              <a:rPr lang="en-US" sz="2000" b="0" i="0" u="none" strike="noStrike" baseline="0" dirty="0">
+              <a:rPr lang="en-US" b="0" i="0" u="none" strike="noStrike" baseline="0" dirty="0">
                 <a:solidFill>
                   <a:srgbClr val="000000"/>
                 </a:solidFill>
@@ -6787,10 +6734,10 @@
       </p:grpSpPr>
       <p:sp>
         <p:nvSpPr>
-          <p:cNvPr id="2" name="Title 1">
-            <a:extLst>
-              <a:ext uri="{FF2B5EF4-FFF2-40B4-BE49-F238E27FC236}">
-                <a16:creationId xmlns:a16="http://schemas.microsoft.com/office/drawing/2014/main" id="{60D98D32-51CD-4407-AE89-7F60D81DC1F5}"/>
+          <p:cNvPr id="3" name="Content Placeholder 2">
+            <a:extLst>
+              <a:ext uri="{FF2B5EF4-FFF2-40B4-BE49-F238E27FC236}">
+                <a16:creationId xmlns:a16="http://schemas.microsoft.com/office/drawing/2014/main" id="{D5BB3BC8-A929-19CD-FEC9-84280FB4FB7D}"/>
               </a:ext>
             </a:extLst>
           </p:cNvPr>
@@ -6798,44 +6745,26 @@
             <a:spLocks noGrp="1"/>
           </p:cNvSpPr>
           <p:nvPr>
-            <p:ph type="title"/>
-          </p:nvPr>
-        </p:nvSpPr>
-        <p:spPr/>
-        <p:txBody>
-          <a:bodyPr/>
-          <a:lstStyle/>
-          <a:p>
-            <a:endParaRPr lang="en-US"/>
-          </a:p>
-        </p:txBody>
-      </p:sp>
-      <p:sp>
-        <p:nvSpPr>
-          <p:cNvPr id="3" name="Content Placeholder 2">
-            <a:extLst>
-              <a:ext uri="{FF2B5EF4-FFF2-40B4-BE49-F238E27FC236}">
-                <a16:creationId xmlns:a16="http://schemas.microsoft.com/office/drawing/2014/main" id="{D5BB3BC8-A929-19CD-FEC9-84280FB4FB7D}"/>
-              </a:ext>
-            </a:extLst>
-          </p:cNvPr>
-          <p:cNvSpPr>
-            <a:spLocks noGrp="1"/>
-          </p:cNvSpPr>
-          <p:nvPr>
             <p:ph idx="1"/>
           </p:nvPr>
         </p:nvSpPr>
-        <p:spPr/>
-        <p:txBody>
-          <a:bodyPr/>
-          <a:lstStyle/>
-          <a:p>
-            <a:pPr marL="0" indent="0" algn="l">
+        <p:spPr>
+          <a:xfrm>
+            <a:off x="441592" y="459533"/>
+            <a:ext cx="11324421" cy="6007368"/>
+          </a:xfrm>
+        </p:spPr>
+        <p:txBody>
+          <a:bodyPr>
+            <a:normAutofit/>
+          </a:bodyPr>
+          <a:lstStyle/>
+          <a:p>
+            <a:pPr marL="0" indent="0" algn="just">
               <a:buNone/>
             </a:pPr>
             <a:r>
-              <a:rPr lang="en-US" sz="2800" b="0" i="0" u="none" strike="noStrike" baseline="0" dirty="0">
+              <a:rPr lang="en-US" sz="3600" b="0" i="0" u="none" strike="noStrike" baseline="0" dirty="0">
                 <a:solidFill>
                   <a:srgbClr val="666666"/>
                 </a:solidFill>
@@ -6844,7 +6773,7 @@
               <a:t>■■ </a:t>
             </a:r>
             <a:r>
-              <a:rPr lang="en-US" sz="2800" b="1" i="0" u="none" strike="noStrike" baseline="0" dirty="0">
+              <a:rPr lang="en-US" sz="3600" b="1" i="0" u="none" strike="noStrike" baseline="0" dirty="0">
                 <a:solidFill>
                   <a:srgbClr val="000000"/>
                 </a:solidFill>
@@ -6853,7 +6782,7 @@
               <a:t>Damage to reputation </a:t>
             </a:r>
             <a:r>
-              <a:rPr lang="en-US" sz="2800" b="0" i="0" u="none" strike="noStrike" baseline="0" dirty="0">
+              <a:rPr lang="en-US" sz="3600" b="0" i="0" u="none" strike="noStrike" baseline="0" dirty="0">
                 <a:solidFill>
                   <a:srgbClr val="000000"/>
                 </a:solidFill>
@@ -6863,11 +6792,11 @@
             </a:r>
           </a:p>
           <a:p>
-            <a:pPr marL="0" indent="0" algn="l">
+            <a:pPr marL="0" indent="0" algn="just">
               <a:buNone/>
             </a:pPr>
             <a:r>
-              <a:rPr lang="en-US" sz="2800" b="0" i="0" u="none" strike="noStrike" baseline="0" dirty="0">
+              <a:rPr lang="en-US" sz="3600" b="0" i="0" u="none" strike="noStrike" baseline="0" dirty="0">
                 <a:solidFill>
                   <a:srgbClr val="666666"/>
                 </a:solidFill>
@@ -6876,7 +6805,7 @@
               <a:t>■■ </a:t>
             </a:r>
             <a:r>
-              <a:rPr lang="en-US" sz="2800" b="1" i="0" u="none" strike="noStrike" baseline="0" dirty="0">
+              <a:rPr lang="en-US" sz="3600" b="1" i="0" u="none" strike="noStrike" baseline="0" dirty="0">
                 <a:solidFill>
                   <a:srgbClr val="000000"/>
                 </a:solidFill>
@@ -6885,7 +6814,7 @@
               <a:t>Availability loss </a:t>
             </a:r>
             <a:r>
-              <a:rPr lang="en-US" sz="2800" b="0" i="0" u="none" strike="noStrike" baseline="0" dirty="0">
+              <a:rPr lang="en-US" sz="3600" b="0" i="0" u="none" strike="noStrike" baseline="0" dirty="0">
                 <a:solidFill>
                   <a:srgbClr val="000000"/>
                 </a:solidFill>
@@ -6893,10 +6822,11 @@
               </a:rPr>
               <a:t>A vulnerability could result in the loss of availability of a system or service. For example, a vulnerability in a back-end database may cause an e-commerce web application to not be able to display products or take online orders.</a:t>
             </a:r>
-            <a:endParaRPr lang="en-US" sz="2800" dirty="0"/>
-          </a:p>
-          <a:p>
-            <a:endParaRPr lang="en-US" dirty="0"/>
+            <a:endParaRPr lang="en-US" sz="3600" dirty="0"/>
+          </a:p>
+          <a:p>
+            <a:pPr algn="just"/>
+            <a:endParaRPr lang="en-US" sz="3600" dirty="0"/>
           </a:p>
         </p:txBody>
       </p:sp>
@@ -8342,48 +8272,48 @@
         </p:spPr>
         <p:txBody>
           <a:bodyPr>
-            <a:normAutofit/>
+            <a:normAutofit lnSpcReduction="10000"/>
           </a:bodyPr>
           <a:lstStyle/>
           <a:p>
-            <a:pPr algn="l"/>
-            <a:r>
-              <a:rPr lang="en-US" sz="2400" b="0" i="0" u="none" strike="noStrike" baseline="0" dirty="0">
+            <a:pPr algn="just"/>
+            <a:r>
+              <a:rPr lang="en-US" sz="3200" b="0" i="0" u="none" strike="noStrike" baseline="0" dirty="0">
                 <a:latin typeface="WarnockPro-Regular"/>
               </a:rPr>
               <a:t>Systems and networks can be compromised in many different ways, but the good news is that the majority of exploits and attacks target a handful of security issues that we can identify and address.</a:t>
             </a:r>
           </a:p>
           <a:p>
-            <a:pPr algn="l"/>
-            <a:r>
-              <a:rPr lang="en-US" sz="2400" b="0" i="0" u="none" strike="noStrike" baseline="0" dirty="0">
+            <a:pPr algn="just"/>
+            <a:r>
+              <a:rPr lang="en-US" sz="3200" b="0" i="0" u="none" strike="noStrike" baseline="0" dirty="0">
                 <a:latin typeface="WarnockPro-Regular"/>
               </a:rPr>
               <a:t> In this section you learn about strategies to troubleshoot common security issues and common output with different security technologies.</a:t>
             </a:r>
           </a:p>
           <a:p>
-            <a:pPr algn="l"/>
-            <a:r>
-              <a:rPr lang="en-US" sz="2400" b="0" i="0" u="none" strike="noStrike" baseline="0" dirty="0">
+            <a:pPr algn="just"/>
+            <a:r>
+              <a:rPr lang="en-US" sz="3200" b="0" i="0" u="none" strike="noStrike" baseline="0" dirty="0">
                 <a:latin typeface="WarnockPro-Regular"/>
               </a:rPr>
               <a:t> You also learn about common security frameworks and guides that organizations use to develop their</a:t>
             </a:r>
             <a:r>
-              <a:rPr lang="en-US" sz="2400" dirty="0">
+              <a:rPr lang="en-US" sz="3200" dirty="0">
                 <a:latin typeface="WarnockPro-Regular"/>
               </a:rPr>
               <a:t> </a:t>
             </a:r>
             <a:r>
-              <a:rPr lang="en-US" sz="2400" b="0" i="0" u="none" strike="noStrike" baseline="0" dirty="0">
+              <a:rPr lang="en-US" sz="3200" b="0" i="0" u="none" strike="noStrike" baseline="0" dirty="0">
                 <a:latin typeface="WarnockPro-Regular"/>
               </a:rPr>
               <a:t>security strategies.</a:t>
             </a:r>
-            <a:endParaRPr lang="en-US" sz="2400" dirty="0"/>
+            <a:endParaRPr lang="en-US" sz="3200" dirty="0"/>
           </a:p>
         </p:txBody>
       </p:sp>
@@ -8462,7 +8392,12 @@
             <p:ph type="title"/>
           </p:nvPr>
         </p:nvSpPr>
-        <p:spPr/>
+        <p:spPr>
+          <a:xfrm>
+            <a:off x="683964" y="0"/>
+            <a:ext cx="10515600" cy="1325563"/>
+          </a:xfrm>
+        </p:spPr>
         <p:txBody>
           <a:bodyPr>
             <a:normAutofit/>
@@ -8495,16 +8430,21 @@
             <p:ph idx="1"/>
           </p:nvPr>
         </p:nvSpPr>
-        <p:spPr/>
+        <p:spPr>
+          <a:xfrm>
+            <a:off x="298373" y="1065462"/>
+            <a:ext cx="11401540" cy="5290888"/>
+          </a:xfrm>
+        </p:spPr>
         <p:txBody>
           <a:bodyPr>
-            <a:normAutofit/>
+            <a:normAutofit lnSpcReduction="10000"/>
           </a:bodyPr>
           <a:lstStyle/>
           <a:p>
-            <a:pPr algn="l"/>
-            <a:r>
-              <a:rPr lang="en-US" sz="1800" b="0" i="0" u="none" strike="noStrike" baseline="0" dirty="0">
+            <a:pPr algn="just"/>
+            <a:r>
+              <a:rPr lang="en-US" sz="2400" b="0" i="0" u="none" strike="noStrike" baseline="0" dirty="0">
                 <a:solidFill>
                   <a:srgbClr val="000000"/>
                 </a:solidFill>
@@ -8514,9 +8454,9 @@
             </a:r>
           </a:p>
           <a:p>
-            <a:pPr algn="l"/>
-            <a:r>
-              <a:rPr lang="en-US" sz="1800" b="0" i="0" u="none" strike="noStrike" baseline="0" dirty="0">
+            <a:pPr algn="just"/>
+            <a:r>
+              <a:rPr lang="en-US" sz="2400" b="0" i="0" u="none" strike="noStrike" baseline="0" dirty="0">
                 <a:solidFill>
                   <a:srgbClr val="000000"/>
                 </a:solidFill>
@@ -8526,11 +8466,11 @@
             </a:r>
           </a:p>
           <a:p>
-            <a:pPr marL="0" indent="0" algn="l">
+            <a:pPr marL="0" indent="0" algn="just">
               <a:buNone/>
             </a:pPr>
             <a:r>
-              <a:rPr lang="en-US" sz="1800" b="0" i="0" u="none" strike="noStrike" baseline="0" dirty="0">
+              <a:rPr lang="en-US" sz="2400" b="0" i="0" u="none" strike="noStrike" baseline="0" dirty="0">
                 <a:solidFill>
                   <a:srgbClr val="666666"/>
                 </a:solidFill>
@@ -8539,7 +8479,7 @@
               <a:t>■■ </a:t>
             </a:r>
             <a:r>
-              <a:rPr lang="en-US" sz="1800" b="1" i="0" u="none" strike="noStrike" baseline="0" dirty="0">
+              <a:rPr lang="en-US" sz="2400" b="1" i="0" u="none" strike="noStrike" baseline="0" dirty="0">
                 <a:solidFill>
                   <a:srgbClr val="000000"/>
                 </a:solidFill>
@@ -8548,7 +8488,7 @@
               <a:t>Unencrypted credentials/clear text </a:t>
             </a:r>
             <a:r>
-              <a:rPr lang="en-US" sz="1800" b="0" i="0" u="none" strike="noStrike" baseline="0" dirty="0">
+              <a:rPr lang="en-US" sz="2400" b="0" i="0" u="none" strike="noStrike" baseline="0" dirty="0">
                 <a:solidFill>
                   <a:srgbClr val="000000"/>
                 </a:solidFill>
@@ -8557,7 +8497,7 @@
               <a:t>Many Internet technologies and protocols do not encrypt network traffic by default, including the username and password used to log on to the device. </a:t>
             </a:r>
             <a:r>
-              <a:rPr lang="en-US" sz="1800" b="0" i="0" u="none" strike="noStrike" baseline="0" dirty="0">
+              <a:rPr lang="en-US" sz="2400" b="0" i="0" u="none" strike="noStrike" baseline="0" dirty="0">
                 <a:solidFill>
                   <a:srgbClr val="FF0000"/>
                 </a:solidFill>
@@ -8567,11 +8507,11 @@
             </a:r>
           </a:p>
           <a:p>
-            <a:pPr marL="0" indent="0" algn="l">
+            <a:pPr marL="0" indent="0" algn="just">
               <a:buNone/>
             </a:pPr>
             <a:r>
-              <a:rPr lang="en-US" sz="1800" b="0" i="0" u="none" strike="noStrike" baseline="0" dirty="0">
+              <a:rPr lang="en-US" sz="2400" b="0" i="0" u="none" strike="noStrike" baseline="0" dirty="0">
                 <a:solidFill>
                   <a:srgbClr val="666666"/>
                 </a:solidFill>
@@ -8580,7 +8520,7 @@
               <a:t>■■ </a:t>
             </a:r>
             <a:r>
-              <a:rPr lang="en-US" sz="1800" b="1" i="0" u="none" strike="noStrike" baseline="0" dirty="0">
+              <a:rPr lang="en-US" sz="2400" b="1" i="0" u="none" strike="noStrike" baseline="0" dirty="0">
                 <a:solidFill>
                   <a:srgbClr val="000000"/>
                 </a:solidFill>
@@ -8589,7 +8529,7 @@
               <a:t>Logs and event anomalies </a:t>
             </a:r>
             <a:r>
-              <a:rPr lang="en-US" sz="1800" b="0" i="0" u="none" strike="noStrike" baseline="0" dirty="0">
+              <a:rPr lang="en-US" sz="2400" b="0" i="0" u="none" strike="noStrike" baseline="0" dirty="0">
                 <a:solidFill>
                   <a:srgbClr val="000000"/>
                 </a:solidFill>
@@ -8598,7 +8538,7 @@
               <a:t>When looking at your event logs and activity logs, be sure to watch for abnormal events that appear in the log. Any suspicious activity needs to be investigated further. </a:t>
             </a:r>
             <a:r>
-              <a:rPr lang="en-US" sz="1800" b="0" i="0" u="none" strike="noStrike" baseline="0" dirty="0">
+              <a:rPr lang="en-US" sz="2400" b="0" i="0" u="none" strike="noStrike" baseline="0" dirty="0">
                 <a:solidFill>
                   <a:srgbClr val="00B0F0"/>
                 </a:solidFill>
@@ -8608,11 +8548,11 @@
             </a:r>
           </a:p>
           <a:p>
-            <a:pPr marL="0" indent="0" algn="l">
+            <a:pPr marL="0" indent="0" algn="just">
               <a:buNone/>
             </a:pPr>
             <a:r>
-              <a:rPr lang="en-US" sz="1800" b="0" i="0" u="none" strike="noStrike" baseline="0" dirty="0">
+              <a:rPr lang="en-US" sz="2400" b="0" i="0" u="none" strike="noStrike" baseline="0" dirty="0">
                 <a:solidFill>
                   <a:srgbClr val="666666"/>
                 </a:solidFill>
@@ -8621,7 +8561,7 @@
               <a:t>■■ </a:t>
             </a:r>
             <a:r>
-              <a:rPr lang="en-US" sz="1800" b="1" i="0" u="none" strike="noStrike" baseline="0" dirty="0">
+              <a:rPr lang="en-US" sz="2400" b="1" i="0" u="none" strike="noStrike" baseline="0" dirty="0">
                 <a:solidFill>
                   <a:srgbClr val="000000"/>
                 </a:solidFill>
@@ -8630,7 +8570,7 @@
               <a:t>Permission issues </a:t>
             </a:r>
             <a:r>
-              <a:rPr lang="en-US" sz="1800" b="0" i="0" u="none" strike="noStrike" baseline="0" dirty="0">
+              <a:rPr lang="en-US" sz="2400" b="0" i="0" u="none" strike="noStrike" baseline="0" dirty="0">
                 <a:solidFill>
                   <a:srgbClr val="000000"/>
                 </a:solidFill>
@@ -8639,7 +8579,7 @@
               <a:t>Not configuring proper permissions on resources is a common reason why internal attacks are so successful. </a:t>
             </a:r>
             <a:r>
-              <a:rPr lang="en-US" sz="1800" b="0" i="0" u="none" strike="noStrike" baseline="0" dirty="0">
+              <a:rPr lang="en-US" sz="2400" b="0" i="0" u="none" strike="noStrike" baseline="0" dirty="0">
                 <a:solidFill>
                   <a:srgbClr val="00B0F0"/>
                 </a:solidFill>
@@ -8647,7 +8587,7 @@
               </a:rPr>
               <a:t>Be sure to review resource permissions on a regular basis and only give permissions that are needed (principle of least privilege).</a:t>
             </a:r>
-            <a:endParaRPr lang="en-US" dirty="0">
+            <a:endParaRPr lang="en-US" sz="3600" dirty="0">
               <a:solidFill>
                 <a:srgbClr val="00B0F0"/>
               </a:solidFill>
@@ -8716,10 +8656,10 @@
       </p:grpSpPr>
       <p:sp>
         <p:nvSpPr>
-          <p:cNvPr id="2" name="Title 1">
-            <a:extLst>
-              <a:ext uri="{FF2B5EF4-FFF2-40B4-BE49-F238E27FC236}">
-                <a16:creationId xmlns:a16="http://schemas.microsoft.com/office/drawing/2014/main" id="{9657314D-5181-61D4-D14F-469D45362910}"/>
+          <p:cNvPr id="3" name="Content Placeholder 2">
+            <a:extLst>
+              <a:ext uri="{FF2B5EF4-FFF2-40B4-BE49-F238E27FC236}">
+                <a16:creationId xmlns:a16="http://schemas.microsoft.com/office/drawing/2014/main" id="{C037BC37-F230-231A-A5E3-961BD2A8EB0A}"/>
               </a:ext>
             </a:extLst>
           </p:cNvPr>
@@ -8727,46 +8667,26 @@
             <a:spLocks noGrp="1"/>
           </p:cNvSpPr>
           <p:nvPr>
-            <p:ph type="title"/>
-          </p:nvPr>
-        </p:nvSpPr>
-        <p:spPr/>
-        <p:txBody>
-          <a:bodyPr/>
-          <a:lstStyle/>
-          <a:p>
-            <a:endParaRPr lang="en-US"/>
-          </a:p>
-        </p:txBody>
-      </p:sp>
-      <p:sp>
-        <p:nvSpPr>
-          <p:cNvPr id="3" name="Content Placeholder 2">
-            <a:extLst>
-              <a:ext uri="{FF2B5EF4-FFF2-40B4-BE49-F238E27FC236}">
-                <a16:creationId xmlns:a16="http://schemas.microsoft.com/office/drawing/2014/main" id="{C037BC37-F230-231A-A5E3-961BD2A8EB0A}"/>
-              </a:ext>
-            </a:extLst>
-          </p:cNvPr>
-          <p:cNvSpPr>
-            <a:spLocks noGrp="1"/>
-          </p:cNvSpPr>
-          <p:nvPr>
             <p:ph idx="1"/>
           </p:nvPr>
         </p:nvSpPr>
-        <p:spPr/>
+        <p:spPr>
+          <a:xfrm>
+            <a:off x="397524" y="338348"/>
+            <a:ext cx="11357473" cy="6018002"/>
+          </a:xfrm>
+        </p:spPr>
         <p:txBody>
           <a:bodyPr>
-            <a:normAutofit/>
+            <a:normAutofit lnSpcReduction="10000"/>
           </a:bodyPr>
           <a:lstStyle/>
           <a:p>
-            <a:pPr marL="0" indent="0" algn="l">
+            <a:pPr marL="0" indent="0" algn="just">
               <a:buNone/>
             </a:pPr>
             <a:r>
-              <a:rPr lang="en-US" sz="1800" b="0" i="0" u="none" strike="noStrike" baseline="0" dirty="0">
+              <a:rPr lang="en-US" b="0" i="0" u="none" strike="noStrike" baseline="0" dirty="0">
                 <a:solidFill>
                   <a:srgbClr val="666666"/>
                 </a:solidFill>
@@ -8775,7 +8695,7 @@
               <a:t>■■ </a:t>
             </a:r>
             <a:r>
-              <a:rPr lang="en-US" sz="1800" b="1" i="0" u="none" strike="noStrike" baseline="0" dirty="0">
+              <a:rPr lang="en-US" b="1" i="0" u="none" strike="noStrike" baseline="0" dirty="0">
                 <a:solidFill>
                   <a:srgbClr val="000000"/>
                 </a:solidFill>
@@ -8784,7 +8704,7 @@
               <a:t>Access violations </a:t>
             </a:r>
             <a:r>
-              <a:rPr lang="en-US" sz="1800" b="0" i="0" u="none" strike="noStrike" baseline="0" dirty="0">
+              <a:rPr lang="en-US" b="0" i="0" u="none" strike="noStrike" baseline="0" dirty="0">
                 <a:solidFill>
                   <a:srgbClr val="000000"/>
                 </a:solidFill>
@@ -8793,7 +8713,7 @@
               <a:t>An access violation occurs when someone who is not authorized to access a system gains access. </a:t>
             </a:r>
             <a:r>
-              <a:rPr lang="en-US" sz="1800" b="0" i="0" u="none" strike="noStrike" baseline="0" dirty="0">
+              <a:rPr lang="en-US" b="0" i="0" u="none" strike="noStrike" baseline="0" dirty="0">
                 <a:solidFill>
                   <a:srgbClr val="00B0F0"/>
                 </a:solidFill>
@@ -8802,7 +8722,7 @@
               <a:t>Make sure to require authentication before anyone can gain access to a network or system, and make sure that logon traffic is encrypted</a:t>
             </a:r>
             <a:r>
-              <a:rPr lang="en-US" sz="1800" b="0" i="0" u="none" strike="noStrike" baseline="0" dirty="0">
+              <a:rPr lang="en-US" b="0" i="0" u="none" strike="noStrike" baseline="0" dirty="0">
                 <a:solidFill>
                   <a:srgbClr val="000000"/>
                 </a:solidFill>
@@ -8812,11 +8732,11 @@
             </a:r>
           </a:p>
           <a:p>
-            <a:pPr marL="0" indent="0" algn="l">
+            <a:pPr marL="0" indent="0" algn="just">
               <a:buNone/>
             </a:pPr>
             <a:r>
-              <a:rPr lang="en-US" sz="1800" b="0" i="0" u="none" strike="noStrike" baseline="0" dirty="0">
+              <a:rPr lang="en-US" b="0" i="0" u="none" strike="noStrike" baseline="0" dirty="0">
                 <a:solidFill>
                   <a:srgbClr val="666666"/>
                 </a:solidFill>
@@ -8825,7 +8745,7 @@
               <a:t>■■ </a:t>
             </a:r>
             <a:r>
-              <a:rPr lang="en-US" sz="1800" b="1" i="0" u="none" strike="noStrike" baseline="0" dirty="0">
+              <a:rPr lang="en-US" b="1" i="0" u="none" strike="noStrike" baseline="0" dirty="0">
                 <a:solidFill>
                   <a:srgbClr val="000000"/>
                 </a:solidFill>
@@ -8834,7 +8754,7 @@
               <a:t>Certificate issues </a:t>
             </a:r>
             <a:r>
-              <a:rPr lang="en-US" sz="1800" b="0" i="0" u="none" strike="noStrike" baseline="0" dirty="0">
+              <a:rPr lang="en-US" b="0" i="0" u="none" strike="noStrike" baseline="0" dirty="0">
                 <a:solidFill>
                   <a:srgbClr val="000000"/>
                 </a:solidFill>
@@ -8843,7 +8763,7 @@
               <a:t>Certificates are electronic files that contain keys used to encrypt communication. Certificates should be used to secure web traffic, e-mail traffic, and server-to-server communication, at the least. </a:t>
             </a:r>
             <a:r>
-              <a:rPr lang="en-US" sz="1800" b="0" i="0" u="none" strike="noStrike" baseline="0" dirty="0">
+              <a:rPr lang="en-US" b="0" i="0" u="none" strike="noStrike" baseline="0" dirty="0">
                 <a:solidFill>
                   <a:srgbClr val="00B0F0"/>
                 </a:solidFill>
@@ -8853,11 +8773,11 @@
             </a:r>
           </a:p>
           <a:p>
-            <a:pPr marL="0" indent="0" algn="l">
+            <a:pPr marL="0" indent="0" algn="just">
               <a:buNone/>
             </a:pPr>
             <a:r>
-              <a:rPr lang="en-US" sz="1800" b="0" i="0" u="none" strike="noStrike" baseline="0" dirty="0">
+              <a:rPr lang="en-US" b="0" i="0" u="none" strike="noStrike" baseline="0" dirty="0">
                 <a:solidFill>
                   <a:srgbClr val="666666"/>
                 </a:solidFill>
@@ -8866,7 +8786,7 @@
               <a:t>■■ </a:t>
             </a:r>
             <a:r>
-              <a:rPr lang="en-US" sz="1800" b="1" i="0" u="none" strike="noStrike" baseline="0" dirty="0">
+              <a:rPr lang="en-US" b="1" i="0" u="none" strike="noStrike" baseline="0" dirty="0">
                 <a:solidFill>
                   <a:srgbClr val="000000"/>
                 </a:solidFill>
@@ -8875,7 +8795,7 @@
               <a:t>Data exfiltration </a:t>
             </a:r>
             <a:r>
-              <a:rPr lang="en-US" sz="1800" b="0" i="0" u="none" strike="noStrike" baseline="0" dirty="0">
+              <a:rPr lang="en-US" b="0" i="0" u="none" strike="noStrike" baseline="0" dirty="0">
                 <a:solidFill>
                   <a:srgbClr val="000000"/>
                 </a:solidFill>
@@ -8884,7 +8804,7 @@
               <a:t> </a:t>
             </a:r>
             <a:r>
-              <a:rPr lang="en-US" sz="1800" dirty="0">
+              <a:rPr lang="en-US" dirty="0">
                 <a:solidFill>
                   <a:srgbClr val="000000"/>
                 </a:solidFill>
@@ -8893,7 +8813,7 @@
               <a:t>D</a:t>
             </a:r>
             <a:r>
-              <a:rPr lang="en-US" sz="1800" b="0" i="0" u="none" strike="noStrike" baseline="0" dirty="0">
+              <a:rPr lang="en-US" b="0" i="0" u="none" strike="noStrike" baseline="0" dirty="0">
                 <a:solidFill>
                   <a:srgbClr val="000000"/>
                 </a:solidFill>
@@ -8902,7 +8822,7 @@
               <a:t>ata exfiltration occurs when someone transfers information from a system without permission. </a:t>
             </a:r>
             <a:r>
-              <a:rPr lang="en-US" sz="1800" dirty="0">
+              <a:rPr lang="en-US" dirty="0">
                 <a:solidFill>
                   <a:srgbClr val="000000"/>
                 </a:solidFill>
@@ -8911,7 +8831,7 @@
               <a:t>T</a:t>
             </a:r>
             <a:r>
-              <a:rPr lang="en-US" sz="1800" b="0" i="0" u="none" strike="noStrike" baseline="0" dirty="0">
+              <a:rPr lang="en-US" b="0" i="0" u="none" strike="noStrike" baseline="0" dirty="0">
                 <a:solidFill>
                   <a:srgbClr val="FF0000"/>
                 </a:solidFill>
@@ -8919,7 +8839,7 @@
               </a:rPr>
               <a:t>o prevent data exfiltration, you can disable USB ports or you can use DLP features to block sensitive data from being copied or e-mailed outside the organization.</a:t>
             </a:r>
-            <a:endParaRPr lang="en-US" dirty="0">
+            <a:endParaRPr lang="en-US" sz="4000" dirty="0">
               <a:solidFill>
                 <a:srgbClr val="FF0000"/>
               </a:solidFill>
@@ -8988,10 +8908,10 @@
       </p:grpSpPr>
       <p:sp>
         <p:nvSpPr>
-          <p:cNvPr id="2" name="Title 1">
-            <a:extLst>
-              <a:ext uri="{FF2B5EF4-FFF2-40B4-BE49-F238E27FC236}">
-                <a16:creationId xmlns:a16="http://schemas.microsoft.com/office/drawing/2014/main" id="{2A4DC680-9320-BADB-EB2A-98CED6CD6230}"/>
+          <p:cNvPr id="3" name="Content Placeholder 2">
+            <a:extLst>
+              <a:ext uri="{FF2B5EF4-FFF2-40B4-BE49-F238E27FC236}">
+                <a16:creationId xmlns:a16="http://schemas.microsoft.com/office/drawing/2014/main" id="{0A62CE53-DC43-E3BE-50EC-3CC7C81A0BE6}"/>
               </a:ext>
             </a:extLst>
           </p:cNvPr>
@@ -8999,46 +8919,26 @@
             <a:spLocks noGrp="1"/>
           </p:cNvSpPr>
           <p:nvPr>
-            <p:ph type="title"/>
-          </p:nvPr>
-        </p:nvSpPr>
-        <p:spPr/>
-        <p:txBody>
-          <a:bodyPr/>
-          <a:lstStyle/>
-          <a:p>
-            <a:endParaRPr lang="en-US"/>
-          </a:p>
-        </p:txBody>
-      </p:sp>
-      <p:sp>
-        <p:nvSpPr>
-          <p:cNvPr id="3" name="Content Placeholder 2">
-            <a:extLst>
-              <a:ext uri="{FF2B5EF4-FFF2-40B4-BE49-F238E27FC236}">
-                <a16:creationId xmlns:a16="http://schemas.microsoft.com/office/drawing/2014/main" id="{0A62CE53-DC43-E3BE-50EC-3CC7C81A0BE6}"/>
-              </a:ext>
-            </a:extLst>
-          </p:cNvPr>
-          <p:cNvSpPr>
-            <a:spLocks noGrp="1"/>
-          </p:cNvSpPr>
-          <p:nvPr>
             <p:ph idx="1"/>
           </p:nvPr>
         </p:nvSpPr>
-        <p:spPr/>
+        <p:spPr>
+          <a:xfrm>
+            <a:off x="353456" y="338348"/>
+            <a:ext cx="11412557" cy="6018002"/>
+          </a:xfrm>
+        </p:spPr>
         <p:txBody>
           <a:bodyPr>
-            <a:normAutofit fontScale="92500" lnSpcReduction="10000"/>
+            <a:normAutofit fontScale="92500" lnSpcReduction="20000"/>
           </a:bodyPr>
           <a:lstStyle/>
           <a:p>
-            <a:pPr marL="0" indent="0" algn="l">
+            <a:pPr marL="0" indent="0" algn="just">
               <a:buNone/>
             </a:pPr>
             <a:r>
-              <a:rPr lang="en-US" sz="1800" b="0" i="0" u="none" strike="noStrike" baseline="0" dirty="0">
+              <a:rPr lang="en-US" sz="2400" b="0" i="0" u="none" strike="noStrike" baseline="0" dirty="0">
                 <a:solidFill>
                   <a:srgbClr val="666666"/>
                 </a:solidFill>
@@ -9047,7 +8947,7 @@
               <a:t>■■ </a:t>
             </a:r>
             <a:r>
-              <a:rPr lang="en-US" sz="1800" b="1" i="0" u="none" strike="noStrike" baseline="0" dirty="0">
+              <a:rPr lang="en-US" sz="2400" b="1" i="0" u="none" strike="noStrike" baseline="0" dirty="0">
                 <a:solidFill>
                   <a:srgbClr val="000000"/>
                 </a:solidFill>
@@ -9056,7 +8956,7 @@
               <a:t>Misconfigured devices </a:t>
             </a:r>
             <a:r>
-              <a:rPr lang="en-US" sz="1800" b="0" i="0" u="none" strike="noStrike" baseline="0" dirty="0">
+              <a:rPr lang="en-US" sz="2400" b="0" i="0" u="none" strike="noStrike" baseline="0" dirty="0">
                 <a:solidFill>
                   <a:srgbClr val="000000"/>
                 </a:solidFill>
@@ -9066,11 +8966,11 @@
             </a:r>
           </a:p>
           <a:p>
-            <a:pPr marL="457200" lvl="1" indent="0">
+            <a:pPr marL="457200" lvl="1" indent="0" algn="just">
               <a:buNone/>
             </a:pPr>
             <a:r>
-              <a:rPr lang="en-US" sz="2000" b="0" i="0" u="none" strike="noStrike" baseline="0" dirty="0">
+              <a:rPr lang="en-US" sz="2800" b="0" i="0" u="none" strike="noStrike" baseline="0" dirty="0">
                 <a:solidFill>
                   <a:srgbClr val="666666"/>
                 </a:solidFill>
@@ -9079,7 +8979,7 @@
               <a:t>■■ </a:t>
             </a:r>
             <a:r>
-              <a:rPr lang="en-US" sz="2000" b="1" i="0" u="none" strike="noStrike" baseline="0" dirty="0">
+              <a:rPr lang="en-US" sz="2800" b="1" i="0" u="none" strike="noStrike" baseline="0" dirty="0">
                 <a:solidFill>
                   <a:srgbClr val="000000"/>
                 </a:solidFill>
@@ -9088,7 +8988,7 @@
               <a:t>Firewall </a:t>
             </a:r>
             <a:r>
-              <a:rPr lang="en-US" sz="2000" b="0" i="0" u="none" strike="noStrike" baseline="0" dirty="0">
+              <a:rPr lang="en-US" sz="2800" b="0" i="0" u="none" strike="noStrike" baseline="0" dirty="0">
                 <a:solidFill>
                   <a:srgbClr val="000000"/>
                 </a:solidFill>
@@ -9098,11 +8998,11 @@
             </a:r>
           </a:p>
           <a:p>
-            <a:pPr marL="457200" lvl="1" indent="0">
+            <a:pPr marL="457200" lvl="1" indent="0" algn="just">
               <a:buNone/>
             </a:pPr>
             <a:r>
-              <a:rPr lang="en-US" sz="2000" b="0" i="0" u="none" strike="noStrike" baseline="0" dirty="0">
+              <a:rPr lang="en-US" sz="2800" b="0" i="0" u="none" strike="noStrike" baseline="0" dirty="0">
                 <a:solidFill>
                   <a:srgbClr val="666666"/>
                 </a:solidFill>
@@ -9111,7 +9011,7 @@
               <a:t>■■ </a:t>
             </a:r>
             <a:r>
-              <a:rPr lang="en-US" sz="2000" b="1" i="0" u="none" strike="noStrike" baseline="0" dirty="0">
+              <a:rPr lang="en-US" sz="2800" b="1" i="0" u="none" strike="noStrike" baseline="0" dirty="0">
                 <a:solidFill>
                   <a:srgbClr val="000000"/>
                 </a:solidFill>
@@ -9120,7 +9020,7 @@
               <a:t>Content filter </a:t>
             </a:r>
             <a:r>
-              <a:rPr lang="en-US" sz="2000" b="0" i="0" u="none" strike="noStrike" baseline="0" dirty="0">
+              <a:rPr lang="en-US" sz="2800" b="0" i="0" u="none" strike="noStrike" baseline="0" dirty="0">
                 <a:solidFill>
                   <a:srgbClr val="000000"/>
                 </a:solidFill>
@@ -9129,7 +9029,7 @@
               <a:t>Content-filtering devices are used to control which content on the Internet employees can access. If content-filtering rules are not configured properly, users could be visiting </a:t>
             </a:r>
             <a:r>
-              <a:rPr lang="en-US" sz="2000" b="0" i="0" u="none" strike="noStrike" baseline="0" dirty="0" err="1">
+              <a:rPr lang="en-US" sz="2800" b="0" i="0" u="none" strike="noStrike" baseline="0" dirty="0" err="1">
                 <a:solidFill>
                   <a:srgbClr val="000000"/>
                 </a:solidFill>
@@ -9138,7 +9038,7 @@
               <a:t>nonsafe</a:t>
             </a:r>
             <a:r>
-              <a:rPr lang="en-US" sz="2000" b="0" i="0" u="none" strike="noStrike" baseline="0" dirty="0">
+              <a:rPr lang="en-US" sz="2800" b="0" i="0" u="none" strike="noStrike" baseline="0" dirty="0">
                 <a:solidFill>
                   <a:srgbClr val="000000"/>
                 </a:solidFill>
@@ -9148,11 +9048,11 @@
             </a:r>
           </a:p>
           <a:p>
-            <a:pPr marL="457200" lvl="1" indent="0">
+            <a:pPr marL="457200" lvl="1" indent="0" algn="just">
               <a:buNone/>
             </a:pPr>
             <a:r>
-              <a:rPr lang="en-US" sz="2000" b="0" i="0" u="none" strike="noStrike" baseline="0" dirty="0">
+              <a:rPr lang="en-US" sz="2800" b="0" i="0" u="none" strike="noStrike" baseline="0" dirty="0">
                 <a:solidFill>
                   <a:srgbClr val="666666"/>
                 </a:solidFill>
@@ -9161,7 +9061,7 @@
               <a:t>■■ </a:t>
             </a:r>
             <a:r>
-              <a:rPr lang="en-US" sz="2000" b="1" i="0" u="none" strike="noStrike" baseline="0" dirty="0">
+              <a:rPr lang="en-US" sz="2800" b="1" i="0" u="none" strike="noStrike" baseline="0" dirty="0">
                 <a:solidFill>
                   <a:srgbClr val="000000"/>
                 </a:solidFill>
@@ -9170,7 +9070,7 @@
               <a:t>Access points </a:t>
             </a:r>
             <a:r>
-              <a:rPr lang="en-US" sz="2000" b="0" i="0" u="none" strike="noStrike" baseline="0" dirty="0">
+              <a:rPr lang="en-US" sz="2800" b="0" i="0" u="none" strike="noStrike" baseline="0" dirty="0">
                 <a:solidFill>
                   <a:srgbClr val="000000"/>
                 </a:solidFill>
@@ -9179,7 +9079,7 @@
               <a:t>Wireless access points and wireless home routers are commonly misconfigured. Be sure to review the configuration of your wireless access points and </a:t>
             </a:r>
             <a:r>
-              <a:rPr lang="en-US" sz="2000" b="0" i="0" u="none" strike="noStrike" baseline="0" dirty="0">
+              <a:rPr lang="en-US" sz="2800" b="0" i="0" u="none" strike="noStrike" baseline="0" dirty="0">
                 <a:solidFill>
                   <a:srgbClr val="00B0F0"/>
                 </a:solidFill>
@@ -9189,11 +9089,11 @@
             </a:r>
           </a:p>
           <a:p>
-            <a:pPr marL="0" indent="0" algn="l">
+            <a:pPr marL="0" indent="0" algn="just">
               <a:buNone/>
             </a:pPr>
             <a:r>
-              <a:rPr lang="en-US" sz="1800" b="0" i="0" u="none" strike="noStrike" baseline="0" dirty="0">
+              <a:rPr lang="en-US" sz="2400" b="0" i="0" u="none" strike="noStrike" baseline="0" dirty="0">
                 <a:solidFill>
                   <a:srgbClr val="666666"/>
                 </a:solidFill>
@@ -9202,7 +9102,7 @@
               <a:t>■■ </a:t>
             </a:r>
             <a:r>
-              <a:rPr lang="en-US" sz="1800" b="1" i="0" u="none" strike="noStrike" baseline="0" dirty="0">
+              <a:rPr lang="en-US" sz="2400" b="1" i="0" u="none" strike="noStrike" baseline="0" dirty="0">
                 <a:solidFill>
                   <a:srgbClr val="000000"/>
                 </a:solidFill>
@@ -9211,7 +9111,7 @@
               <a:t>Weak security configurations </a:t>
             </a:r>
             <a:r>
-              <a:rPr lang="en-US" sz="1800" b="0" i="0" u="none" strike="noStrike" baseline="0" dirty="0">
+              <a:rPr lang="en-US" sz="2400" b="0" i="0" u="none" strike="noStrike" baseline="0" dirty="0">
                 <a:solidFill>
                   <a:srgbClr val="000000"/>
                 </a:solidFill>
@@ -9219,7 +9119,7 @@
               </a:rPr>
               <a:t>A big reason for security incidents is weak security configuration. For example, a network admin may configure encryption on the wireless network but choose a weaker encryption method or maybe use a weak encryption key. Be sure to review all security settings on devices, such as access control lists, passwords, encryption keys, encryption algorithms, and any filtering features that may be available.</a:t>
             </a:r>
-            <a:endParaRPr lang="en-US" sz="2400" dirty="0"/>
+            <a:endParaRPr lang="en-US" sz="3200" dirty="0"/>
           </a:p>
         </p:txBody>
       </p:sp>
@@ -9298,7 +9198,12 @@
             <p:ph type="title"/>
           </p:nvPr>
         </p:nvSpPr>
-        <p:spPr/>
+        <p:spPr>
+          <a:xfrm>
+            <a:off x="838200" y="0"/>
+            <a:ext cx="10515600" cy="1325563"/>
+          </a:xfrm>
+        </p:spPr>
         <p:txBody>
           <a:bodyPr/>
           <a:lstStyle/>
@@ -9332,18 +9237,23 @@
             <p:ph idx="1"/>
           </p:nvPr>
         </p:nvSpPr>
-        <p:spPr/>
+        <p:spPr>
+          <a:xfrm>
+            <a:off x="287357" y="1032410"/>
+            <a:ext cx="11566792" cy="5423473"/>
+          </a:xfrm>
+        </p:spPr>
         <p:txBody>
           <a:bodyPr>
-            <a:normAutofit/>
+            <a:normAutofit lnSpcReduction="10000"/>
           </a:bodyPr>
           <a:lstStyle/>
           <a:p>
-            <a:pPr marL="0" indent="0" algn="l">
+            <a:pPr marL="0" indent="0" algn="just">
               <a:buNone/>
             </a:pPr>
             <a:r>
-              <a:rPr lang="en-US" sz="1800" b="0" i="0" u="none" strike="noStrike" baseline="0" dirty="0">
+              <a:rPr lang="en-US" b="0" i="0" u="none" strike="noStrike" baseline="0" dirty="0">
                 <a:solidFill>
                   <a:srgbClr val="000000"/>
                 </a:solidFill>
@@ -9353,11 +9263,11 @@
             </a:r>
           </a:p>
           <a:p>
-            <a:pPr marL="457200" lvl="1" indent="0">
+            <a:pPr marL="457200" lvl="1" indent="0" algn="just">
               <a:buNone/>
             </a:pPr>
             <a:r>
-              <a:rPr lang="en-US" sz="1800" b="0" i="0" u="none" strike="noStrike" baseline="0" dirty="0">
+              <a:rPr lang="en-US" sz="2800" b="0" i="0" u="none" strike="noStrike" baseline="0" dirty="0">
                 <a:solidFill>
                   <a:srgbClr val="666666"/>
                 </a:solidFill>
@@ -9366,7 +9276,7 @@
               <a:t>■■ </a:t>
             </a:r>
             <a:r>
-              <a:rPr lang="en-US" sz="1800" b="1" i="0" u="none" strike="noStrike" baseline="0" dirty="0">
+              <a:rPr lang="en-US" sz="2800" b="1" i="0" u="none" strike="noStrike" baseline="0" dirty="0">
                 <a:solidFill>
                   <a:srgbClr val="000000"/>
                 </a:solidFill>
@@ -9375,7 +9285,7 @@
               <a:t>Policy violation </a:t>
             </a:r>
             <a:r>
-              <a:rPr lang="en-US" sz="1800" b="0" i="0" u="none" strike="noStrike" baseline="0" dirty="0">
+              <a:rPr lang="en-US" sz="2800" b="0" i="0" u="none" strike="noStrike" baseline="0" dirty="0">
                 <a:solidFill>
                   <a:srgbClr val="000000"/>
                 </a:solidFill>
@@ -9385,11 +9295,11 @@
             </a:r>
           </a:p>
           <a:p>
-            <a:pPr marL="457200" lvl="1" indent="0">
+            <a:pPr marL="457200" lvl="1" indent="0" algn="just">
               <a:buNone/>
             </a:pPr>
             <a:r>
-              <a:rPr lang="en-US" sz="1800" b="0" i="0" u="none" strike="noStrike" baseline="0" dirty="0">
+              <a:rPr lang="en-US" sz="2800" b="0" i="0" u="none" strike="noStrike" baseline="0" dirty="0">
                 <a:solidFill>
                   <a:srgbClr val="666666"/>
                 </a:solidFill>
@@ -9398,7 +9308,7 @@
               <a:t>■■ </a:t>
             </a:r>
             <a:r>
-              <a:rPr lang="en-US" sz="1800" b="1" i="0" u="none" strike="noStrike" baseline="0" dirty="0">
+              <a:rPr lang="en-US" sz="2800" b="1" i="0" u="none" strike="noStrike" baseline="0" dirty="0">
                 <a:solidFill>
                   <a:srgbClr val="000000"/>
                 </a:solidFill>
@@ -9407,7 +9317,7 @@
               <a:t>Insider threat </a:t>
             </a:r>
             <a:r>
-              <a:rPr lang="en-US" sz="1800" b="0" i="0" u="none" strike="noStrike" baseline="0" dirty="0">
+              <a:rPr lang="en-US" sz="2800" b="0" i="0" u="none" strike="noStrike" baseline="0" dirty="0">
                 <a:solidFill>
                   <a:srgbClr val="000000"/>
                 </a:solidFill>
@@ -9415,7 +9325,7 @@
               </a:rPr>
               <a:t>Most companies focus on firewalls as their security protection. That is important, of course, but you also need to protect company assets from insider threats such as disgruntled employees. Be sure to use authentication, permissions, and access control lists to control what employees have access to. Also be sure to implement anti-malware software to protect your internal systems from viruses.</a:t>
             </a:r>
-            <a:endParaRPr lang="en-US" sz="1800" dirty="0"/>
+            <a:endParaRPr lang="en-US" sz="2800" dirty="0"/>
           </a:p>
         </p:txBody>
       </p:sp>
@@ -9494,7 +9404,12 @@
             <p:ph type="title"/>
           </p:nvPr>
         </p:nvSpPr>
-        <p:spPr/>
+        <p:spPr>
+          <a:xfrm>
+            <a:off x="761082" y="0"/>
+            <a:ext cx="10515600" cy="1325563"/>
+          </a:xfrm>
+        </p:spPr>
         <p:txBody>
           <a:bodyPr/>
           <a:lstStyle/>
@@ -9530,10 +9445,15 @@
             <p:ph idx="1"/>
           </p:nvPr>
         </p:nvSpPr>
-        <p:spPr/>
+        <p:spPr>
+          <a:xfrm>
+            <a:off x="320408" y="1043427"/>
+            <a:ext cx="11390522" cy="5390423"/>
+          </a:xfrm>
+        </p:spPr>
         <p:txBody>
           <a:bodyPr>
-            <a:normAutofit/>
+            <a:normAutofit fontScale="92500"/>
           </a:bodyPr>
           <a:lstStyle/>
           <a:p>
@@ -9541,7 +9461,7 @@
               <a:buNone/>
             </a:pPr>
             <a:r>
-              <a:rPr lang="en-US" sz="2000" b="0" i="0" u="none" strike="noStrike" baseline="0" dirty="0">
+              <a:rPr lang="en-US" b="0" i="0" u="none" strike="noStrike" baseline="0" dirty="0">
                 <a:solidFill>
                   <a:srgbClr val="666666"/>
                 </a:solidFill>
@@ -9550,7 +9470,7 @@
               <a:t>■■ </a:t>
             </a:r>
             <a:r>
-              <a:rPr lang="en-US" sz="2000" b="1" i="0" u="none" strike="noStrike" baseline="0" dirty="0">
+              <a:rPr lang="en-US" b="1" i="0" u="none" strike="noStrike" baseline="0" dirty="0">
                 <a:solidFill>
                   <a:srgbClr val="000000"/>
                 </a:solidFill>
@@ -9559,7 +9479,7 @@
               <a:t>Social engineering </a:t>
             </a:r>
             <a:r>
-              <a:rPr lang="en-US" sz="2000" b="0" i="0" u="none" strike="noStrike" baseline="0" dirty="0">
+              <a:rPr lang="en-US" b="0" i="0" u="none" strike="noStrike" baseline="0" dirty="0">
                 <a:solidFill>
                   <a:srgbClr val="000000"/>
                 </a:solidFill>
@@ -9573,7 +9493,7 @@
               <a:buNone/>
             </a:pPr>
             <a:r>
-              <a:rPr lang="en-US" sz="2000" b="0" i="0" u="none" strike="noStrike" baseline="0" dirty="0">
+              <a:rPr lang="en-US" b="0" i="0" u="none" strike="noStrike" baseline="0" dirty="0">
                 <a:solidFill>
                   <a:srgbClr val="666666"/>
                 </a:solidFill>
@@ -9582,7 +9502,7 @@
               <a:t>■■ </a:t>
             </a:r>
             <a:r>
-              <a:rPr lang="en-US" sz="2000" b="1" i="0" u="none" strike="noStrike" baseline="0" dirty="0">
+              <a:rPr lang="en-US" b="1" i="0" u="none" strike="noStrike" baseline="0" dirty="0">
                 <a:solidFill>
                   <a:srgbClr val="000000"/>
                 </a:solidFill>
@@ -9591,7 +9511,7 @@
               <a:t>Social media </a:t>
             </a:r>
             <a:r>
-              <a:rPr lang="en-US" sz="2000" b="0" i="0" u="none" strike="noStrike" baseline="0" dirty="0">
+              <a:rPr lang="en-US" b="0" i="0" u="none" strike="noStrike" baseline="0" dirty="0">
                 <a:solidFill>
                   <a:srgbClr val="000000"/>
                 </a:solidFill>
@@ -9605,7 +9525,7 @@
               <a:buNone/>
             </a:pPr>
             <a:r>
-              <a:rPr lang="en-US" sz="2000" b="0" i="0" u="none" strike="noStrike" baseline="0" dirty="0">
+              <a:rPr lang="en-US" b="0" i="0" u="none" strike="noStrike" baseline="0" dirty="0">
                 <a:solidFill>
                   <a:srgbClr val="666666"/>
                 </a:solidFill>
@@ -9614,7 +9534,7 @@
               <a:t>■■ </a:t>
             </a:r>
             <a:r>
-              <a:rPr lang="en-US" sz="2000" b="1" i="0" u="none" strike="noStrike" baseline="0" dirty="0">
+              <a:rPr lang="en-US" b="1" i="0" u="none" strike="noStrike" baseline="0" dirty="0">
                 <a:solidFill>
                   <a:srgbClr val="000000"/>
                 </a:solidFill>
@@ -9623,7 +9543,7 @@
               <a:t>Personal e-mail </a:t>
             </a:r>
             <a:r>
-              <a:rPr lang="en-US" sz="2000" b="0" i="0" u="none" strike="noStrike" baseline="0" dirty="0">
+              <a:rPr lang="en-US" b="0" i="0" u="none" strike="noStrike" baseline="0" dirty="0">
                 <a:solidFill>
                   <a:srgbClr val="000000"/>
                 </a:solidFill>
@@ -9631,7 +9551,7 @@
               </a:rPr>
               <a:t>Many employees use their personal e-mail account at work and could use this to e-mail company data outside of the company. Be sure to have DLP features in place to protect against data leaks. Also be aware of personal cloud storage that employees may use to transfer data to and from work. You may consider blocking access to these sites on the firewall or content-filtering device.</a:t>
             </a:r>
-            <a:endParaRPr lang="en-US" sz="2000" dirty="0"/>
+            <a:endParaRPr lang="en-US" dirty="0"/>
           </a:p>
         </p:txBody>
       </p:sp>
@@ -9710,7 +9630,12 @@
             <p:ph type="title"/>
           </p:nvPr>
         </p:nvSpPr>
-        <p:spPr/>
+        <p:spPr>
+          <a:xfrm>
+            <a:off x="750065" y="0"/>
+            <a:ext cx="10515600" cy="1325563"/>
+          </a:xfrm>
+        </p:spPr>
         <p:txBody>
           <a:bodyPr/>
           <a:lstStyle/>
@@ -9744,17 +9669,22 @@
             <p:ph idx="1"/>
           </p:nvPr>
         </p:nvSpPr>
-        <p:spPr/>
+        <p:spPr>
+          <a:xfrm>
+            <a:off x="155154" y="1021394"/>
+            <a:ext cx="11555776" cy="5334956"/>
+          </a:xfrm>
+        </p:spPr>
         <p:txBody>
           <a:bodyPr>
-            <a:normAutofit lnSpcReduction="10000"/>
+            <a:normAutofit fontScale="92500"/>
           </a:bodyPr>
           <a:lstStyle/>
           <a:p>
-            <a:pPr marL="0" indent="0" algn="l">
+            <a:pPr marL="0" indent="0" algn="just">
               <a:buNone/>
             </a:pPr>
-            <a:endParaRPr lang="en-US" sz="1800" b="1" i="0" u="none" strike="noStrike" baseline="0" dirty="0">
+            <a:endParaRPr lang="en-US" sz="2000" b="1" i="0" u="none" strike="noStrike" baseline="0" dirty="0">
               <a:solidFill>
                 <a:srgbClr val="000000"/>
               </a:solidFill>
@@ -9762,9 +9692,9 @@
             </a:endParaRPr>
           </a:p>
           <a:p>
-            <a:pPr algn="l"/>
-            <a:r>
-              <a:rPr lang="en-US" sz="2000" b="0" i="0" u="none" strike="noStrike" baseline="0" dirty="0">
+            <a:pPr algn="just"/>
+            <a:r>
+              <a:rPr lang="en-US" sz="2400" b="0" i="0" u="none" strike="noStrike" baseline="0" dirty="0">
                 <a:solidFill>
                   <a:srgbClr val="000000"/>
                 </a:solidFill>
@@ -9774,11 +9704,11 @@
             </a:r>
           </a:p>
           <a:p>
-            <a:pPr marL="457200" lvl="1" indent="0">
+            <a:pPr marL="457200" lvl="1" indent="0" algn="just">
               <a:buNone/>
             </a:pPr>
             <a:r>
-              <a:rPr lang="en-US" sz="2000" b="0" i="0" u="none" strike="noStrike" baseline="0" dirty="0">
+              <a:rPr lang="en-US" b="0" i="0" u="none" strike="noStrike" baseline="0" dirty="0">
                 <a:solidFill>
                   <a:srgbClr val="666666"/>
                 </a:solidFill>
@@ -9787,7 +9717,7 @@
               <a:t>■■ </a:t>
             </a:r>
             <a:r>
-              <a:rPr lang="en-US" sz="2000" b="1" i="0" u="none" strike="noStrike" baseline="0" dirty="0">
+              <a:rPr lang="en-US" b="1" i="0" u="none" strike="noStrike" baseline="0" dirty="0">
                 <a:solidFill>
                   <a:srgbClr val="000000"/>
                 </a:solidFill>
@@ -9796,7 +9726,7 @@
               <a:t>Unauthorized software </a:t>
             </a:r>
             <a:r>
-              <a:rPr lang="en-US" sz="2000" b="0" i="0" u="none" strike="noStrike" baseline="0" dirty="0">
+              <a:rPr lang="en-US" b="0" i="0" u="none" strike="noStrike" baseline="0" dirty="0">
                 <a:solidFill>
                   <a:srgbClr val="000000"/>
                 </a:solidFill>
@@ -9805,7 +9735,7 @@
               <a:t>Organizations should have strict policies in place as to what software is allowed or not allowed to run on company systems. </a:t>
             </a:r>
             <a:r>
-              <a:rPr lang="en-US" sz="2000" b="0" i="1" u="none" strike="noStrike" baseline="0" dirty="0">
+              <a:rPr lang="en-US" b="0" i="1" u="none" strike="noStrike" baseline="0" dirty="0">
                 <a:solidFill>
                   <a:srgbClr val="FF0000"/>
                 </a:solidFill>
@@ -9814,7 +9744,7 @@
               <a:t>Application whitelisting </a:t>
             </a:r>
             <a:r>
-              <a:rPr lang="en-US" sz="2000" b="0" i="0" u="none" strike="noStrike" baseline="0" dirty="0">
+              <a:rPr lang="en-US" b="0" i="0" u="none" strike="noStrike" baseline="0" dirty="0">
                 <a:solidFill>
                   <a:srgbClr val="FF0000"/>
                 </a:solidFill>
@@ -9823,7 +9753,7 @@
               <a:t>refers to defining which software is allowed to run on a system</a:t>
             </a:r>
             <a:r>
-              <a:rPr lang="en-US" sz="2000" b="0" i="0" u="none" strike="noStrike" baseline="0" dirty="0">
+              <a:rPr lang="en-US" b="0" i="0" u="none" strike="noStrike" baseline="0" dirty="0">
                 <a:solidFill>
                   <a:srgbClr val="000000"/>
                 </a:solidFill>
@@ -9832,7 +9762,7 @@
               <a:t>. You can use a tool such as </a:t>
             </a:r>
             <a:r>
-              <a:rPr lang="en-US" sz="2000" b="0" i="0" u="none" strike="noStrike" baseline="0" dirty="0">
+              <a:rPr lang="en-US" b="0" i="0" u="none" strike="noStrike" baseline="0" dirty="0">
                 <a:solidFill>
                   <a:srgbClr val="00B0F0"/>
                 </a:solidFill>
@@ -9841,7 +9771,7 @@
               <a:t>Windows AppLocker </a:t>
             </a:r>
             <a:r>
-              <a:rPr lang="en-US" sz="2000" b="0" i="0" u="none" strike="noStrike" baseline="0" dirty="0">
+              <a:rPr lang="en-US" b="0" i="0" u="none" strike="noStrike" baseline="0" dirty="0">
                 <a:solidFill>
                   <a:srgbClr val="000000"/>
                 </a:solidFill>
@@ -9851,11 +9781,11 @@
             </a:r>
           </a:p>
           <a:p>
-            <a:pPr marL="457200" lvl="1" indent="0">
+            <a:pPr marL="457200" lvl="1" indent="0" algn="just">
               <a:buNone/>
             </a:pPr>
             <a:r>
-              <a:rPr lang="en-US" sz="2000" b="0" i="0" u="none" strike="noStrike" baseline="0" dirty="0">
+              <a:rPr lang="en-US" b="0" i="0" u="none" strike="noStrike" baseline="0" dirty="0">
                 <a:solidFill>
                   <a:srgbClr val="666666"/>
                 </a:solidFill>
@@ -9864,7 +9794,7 @@
               <a:t>■■ </a:t>
             </a:r>
             <a:r>
-              <a:rPr lang="en-US" sz="2000" b="1" i="0" u="none" strike="noStrike" baseline="0" dirty="0">
+              <a:rPr lang="en-US" b="1" i="0" u="none" strike="noStrike" baseline="0" dirty="0">
                 <a:solidFill>
                   <a:srgbClr val="000000"/>
                 </a:solidFill>
@@ -9873,7 +9803,7 @@
               <a:t>Baseline deviation </a:t>
             </a:r>
             <a:r>
-              <a:rPr lang="en-US" sz="2000" b="0" i="0" u="none" strike="noStrike" baseline="0" dirty="0">
+              <a:rPr lang="en-US" b="0" i="0" u="none" strike="noStrike" baseline="0" dirty="0">
                 <a:solidFill>
                   <a:srgbClr val="000000"/>
                 </a:solidFill>
@@ -9882,7 +9812,7 @@
               <a:t>A security baseline is a defined security state that systems must not deviate from. Any modification of a system that may open the system up and make it less secure needs to be vetted first and monitored closely if implemented. </a:t>
             </a:r>
             <a:r>
-              <a:rPr lang="en-US" sz="2000" b="0" i="0" u="none" strike="noStrike" baseline="0" dirty="0">
+              <a:rPr lang="en-US" b="0" i="0" u="none" strike="noStrike" baseline="0" dirty="0">
                 <a:solidFill>
                   <a:srgbClr val="00B0F0"/>
                 </a:solidFill>
@@ -9891,7 +9821,7 @@
               <a:t>Organizations can use technologies like PowerShell Desired State Configuration (DSC) to prevent changes to a system that deviates from the baseline</a:t>
             </a:r>
             <a:r>
-              <a:rPr lang="en-US" sz="2000" b="0" i="0" u="none" strike="noStrike" baseline="0" dirty="0">
+              <a:rPr lang="en-US" b="0" i="0" u="none" strike="noStrike" baseline="0" dirty="0">
                 <a:solidFill>
                   <a:srgbClr val="000000"/>
                 </a:solidFill>
@@ -9901,11 +9831,11 @@
             </a:r>
           </a:p>
           <a:p>
-            <a:pPr marL="457200" lvl="1" indent="0">
+            <a:pPr marL="457200" lvl="1" indent="0" algn="just">
               <a:buNone/>
             </a:pPr>
             <a:r>
-              <a:rPr lang="en-US" sz="2000" b="0" i="0" u="none" strike="noStrike" baseline="0" dirty="0">
+              <a:rPr lang="en-US" b="0" i="0" u="none" strike="noStrike" baseline="0" dirty="0">
                 <a:solidFill>
                   <a:srgbClr val="666666"/>
                 </a:solidFill>
@@ -9914,7 +9844,7 @@
               <a:t>■■ </a:t>
             </a:r>
             <a:r>
-              <a:rPr lang="en-US" sz="2000" b="1" i="0" u="none" strike="noStrike" baseline="0" dirty="0">
+              <a:rPr lang="en-US" b="1" i="0" u="none" strike="noStrike" baseline="0" dirty="0">
                 <a:solidFill>
                   <a:srgbClr val="000000"/>
                 </a:solidFill>
@@ -9923,7 +9853,7 @@
               <a:t>License compliance violation (availability/integrity) </a:t>
             </a:r>
             <a:r>
-              <a:rPr lang="en-US" sz="2000" b="0" i="0" u="none" strike="noStrike" baseline="0" dirty="0">
+              <a:rPr lang="en-US" b="0" i="0" u="none" strike="noStrike" baseline="0" dirty="0">
                 <a:solidFill>
                   <a:srgbClr val="000000"/>
                 </a:solidFill>
@@ -9931,7 +9861,7 @@
               </a:rPr>
               <a:t>Companies can face serious fines if found to be noncompliant with licensing of software. Tools are available that enable you to track installation of software and ensure that you do not exceed the number of licensed installs allowed.</a:t>
             </a:r>
-            <a:endParaRPr lang="en-US" sz="2000" dirty="0"/>
+            <a:endParaRPr lang="en-US" dirty="0"/>
           </a:p>
         </p:txBody>
       </p:sp>
@@ -9996,10 +9926,10 @@
       </p:grpSpPr>
       <p:sp>
         <p:nvSpPr>
-          <p:cNvPr id="2" name="Title 1">
-            <a:extLst>
-              <a:ext uri="{FF2B5EF4-FFF2-40B4-BE49-F238E27FC236}">
-                <a16:creationId xmlns:a16="http://schemas.microsoft.com/office/drawing/2014/main" id="{2516A711-9DF9-779A-CC4D-41AEB00DC3B3}"/>
+          <p:cNvPr id="3" name="Content Placeholder 2">
+            <a:extLst>
+              <a:ext uri="{FF2B5EF4-FFF2-40B4-BE49-F238E27FC236}">
+                <a16:creationId xmlns:a16="http://schemas.microsoft.com/office/drawing/2014/main" id="{A3D85AA8-2A25-082F-1B1A-3016D27D8239}"/>
               </a:ext>
             </a:extLst>
           </p:cNvPr>
@@ -10007,46 +9937,26 @@
             <a:spLocks noGrp="1"/>
           </p:cNvSpPr>
           <p:nvPr>
-            <p:ph type="title"/>
-          </p:nvPr>
-        </p:nvSpPr>
-        <p:spPr/>
-        <p:txBody>
-          <a:bodyPr/>
-          <a:lstStyle/>
-          <a:p>
-            <a:endParaRPr lang="en-US"/>
-          </a:p>
-        </p:txBody>
-      </p:sp>
-      <p:sp>
-        <p:nvSpPr>
-          <p:cNvPr id="3" name="Content Placeholder 2">
-            <a:extLst>
-              <a:ext uri="{FF2B5EF4-FFF2-40B4-BE49-F238E27FC236}">
-                <a16:creationId xmlns:a16="http://schemas.microsoft.com/office/drawing/2014/main" id="{A3D85AA8-2A25-082F-1B1A-3016D27D8239}"/>
-              </a:ext>
-            </a:extLst>
-          </p:cNvPr>
-          <p:cNvSpPr>
-            <a:spLocks noGrp="1"/>
-          </p:cNvSpPr>
-          <p:nvPr>
             <p:ph idx="1"/>
           </p:nvPr>
         </p:nvSpPr>
-        <p:spPr/>
+        <p:spPr>
+          <a:xfrm>
+            <a:off x="397524" y="426482"/>
+            <a:ext cx="11357473" cy="5929867"/>
+          </a:xfrm>
+        </p:spPr>
         <p:txBody>
           <a:bodyPr>
             <a:normAutofit/>
           </a:bodyPr>
           <a:lstStyle/>
           <a:p>
-            <a:pPr marL="0" indent="0" algn="l">
+            <a:pPr marL="0" indent="0" algn="just">
               <a:buNone/>
             </a:pPr>
             <a:r>
-              <a:rPr lang="en-US" sz="2000" b="0" i="0" u="none" strike="noStrike" baseline="0" dirty="0">
+              <a:rPr lang="en-US" b="0" i="0" u="none" strike="noStrike" baseline="0" dirty="0">
                 <a:solidFill>
                   <a:srgbClr val="666666"/>
                 </a:solidFill>
@@ -10055,7 +9965,7 @@
               <a:t>■■ </a:t>
             </a:r>
             <a:r>
-              <a:rPr lang="en-US" sz="2000" b="1" i="0" u="none" strike="noStrike" baseline="0" dirty="0">
+              <a:rPr lang="en-US" b="1" i="0" u="none" strike="noStrike" baseline="0" dirty="0">
                 <a:solidFill>
                   <a:srgbClr val="000000"/>
                 </a:solidFill>
@@ -10064,7 +9974,7 @@
               <a:t>Asset management </a:t>
             </a:r>
             <a:r>
-              <a:rPr lang="en-US" sz="2000" b="0" i="0" u="none" strike="noStrike" baseline="0" dirty="0">
+              <a:rPr lang="en-US" b="0" i="0" u="none" strike="noStrike" baseline="0" dirty="0">
                 <a:solidFill>
                   <a:srgbClr val="000000"/>
                 </a:solidFill>
@@ -10073,7 +9983,7 @@
               <a:t>Once a system is placed into production, you need to maintain that system to keep it secure. Maintaining the systems centrally is the key to success with asset management</a:t>
             </a:r>
             <a:r>
-              <a:rPr lang="en-US" sz="2000" b="0" i="0" u="none" strike="noStrike" baseline="0" dirty="0">
+              <a:rPr lang="en-US" b="0" i="0" u="none" strike="noStrike" baseline="0" dirty="0">
                 <a:solidFill>
                   <a:srgbClr val="00B0F0"/>
                 </a:solidFill>
@@ -10083,11 +9993,11 @@
             </a:r>
           </a:p>
           <a:p>
-            <a:pPr marL="0" indent="0" algn="l">
+            <a:pPr marL="0" indent="0" algn="just">
               <a:buNone/>
             </a:pPr>
             <a:r>
-              <a:rPr lang="en-US" sz="2000" b="0" i="0" u="none" strike="noStrike" baseline="0" dirty="0">
+              <a:rPr lang="en-US" b="0" i="0" u="none" strike="noStrike" baseline="0" dirty="0">
                 <a:solidFill>
                   <a:srgbClr val="666666"/>
                 </a:solidFill>
@@ -10096,7 +10006,7 @@
               <a:t>■■ </a:t>
             </a:r>
             <a:r>
-              <a:rPr lang="en-US" sz="2000" b="1" i="0" u="none" strike="noStrike" baseline="0" dirty="0">
+              <a:rPr lang="en-US" b="1" i="0" u="none" strike="noStrike" baseline="0" dirty="0">
                 <a:solidFill>
                   <a:srgbClr val="000000"/>
                 </a:solidFill>
@@ -10105,7 +10015,7 @@
               <a:t>Authentication issues </a:t>
             </a:r>
             <a:r>
-              <a:rPr lang="en-US" sz="2000" b="0" i="0" u="none" strike="noStrike" baseline="0" dirty="0">
+              <a:rPr lang="en-US" b="0" i="0" u="none" strike="noStrike" baseline="0" dirty="0">
                 <a:solidFill>
                   <a:srgbClr val="000000"/>
                 </a:solidFill>
@@ -10114,7 +10024,7 @@
               <a:t>Make sure that applications are configured for authentication in the most secure manner so that someone cannot tap into the authentication traffic and gain access to the network using credentials used by the application. </a:t>
             </a:r>
             <a:r>
-              <a:rPr lang="en-US" sz="2000" b="0" i="0" u="none" strike="noStrike" baseline="0" dirty="0">
+              <a:rPr lang="en-US" b="0" i="0" u="none" strike="noStrike" baseline="0" dirty="0">
                 <a:solidFill>
                   <a:srgbClr val="00B0F0"/>
                 </a:solidFill>
@@ -10123,7 +10033,7 @@
               <a:t>Ensure that applications are using their own accounts and not default accounts such as the System account or the “</a:t>
             </a:r>
             <a:r>
-              <a:rPr lang="en-US" sz="2000" b="0" i="0" u="none" strike="noStrike" baseline="0" dirty="0" err="1">
+              <a:rPr lang="en-US" b="0" i="0" u="none" strike="noStrike" baseline="0" dirty="0" err="1">
                 <a:solidFill>
                   <a:srgbClr val="00B0F0"/>
                 </a:solidFill>
@@ -10132,7 +10042,7 @@
               <a:t>sa</a:t>
             </a:r>
             <a:r>
-              <a:rPr lang="en-US" sz="2000" b="0" i="0" u="none" strike="noStrike" baseline="0" dirty="0">
+              <a:rPr lang="en-US" b="0" i="0" u="none" strike="noStrike" baseline="0" dirty="0">
                 <a:solidFill>
                   <a:srgbClr val="00B0F0"/>
                 </a:solidFill>
@@ -10140,7 +10050,7 @@
               </a:rPr>
               <a:t>” account when connecting to a database.</a:t>
             </a:r>
-            <a:endParaRPr lang="en-US" sz="2000" dirty="0">
+            <a:endParaRPr lang="en-US" dirty="0">
               <a:solidFill>
                 <a:srgbClr val="00B0F0"/>
               </a:solidFill>
@@ -10987,10 +10897,10 @@
       </p:grpSpPr>
       <p:sp>
         <p:nvSpPr>
-          <p:cNvPr id="2" name="Title 1">
-            <a:extLst>
-              <a:ext uri="{FF2B5EF4-FFF2-40B4-BE49-F238E27FC236}">
-                <a16:creationId xmlns:a16="http://schemas.microsoft.com/office/drawing/2014/main" id="{CEDD13C3-BC15-2223-3959-2423596B09D0}"/>
+          <p:cNvPr id="3" name="Content Placeholder 2">
+            <a:extLst>
+              <a:ext uri="{FF2B5EF4-FFF2-40B4-BE49-F238E27FC236}">
+                <a16:creationId xmlns:a16="http://schemas.microsoft.com/office/drawing/2014/main" id="{8BC877D2-7651-99E6-E7E1-D1317C4778F0}"/>
               </a:ext>
             </a:extLst>
           </p:cNvPr>
@@ -10998,46 +10908,26 @@
             <a:spLocks noGrp="1"/>
           </p:cNvSpPr>
           <p:nvPr>
-            <p:ph type="title"/>
-          </p:nvPr>
-        </p:nvSpPr>
-        <p:spPr/>
-        <p:txBody>
-          <a:bodyPr/>
-          <a:lstStyle/>
-          <a:p>
-            <a:endParaRPr lang="en-US"/>
-          </a:p>
-        </p:txBody>
-      </p:sp>
-      <p:sp>
-        <p:nvSpPr>
-          <p:cNvPr id="3" name="Content Placeholder 2">
-            <a:extLst>
-              <a:ext uri="{FF2B5EF4-FFF2-40B4-BE49-F238E27FC236}">
-                <a16:creationId xmlns:a16="http://schemas.microsoft.com/office/drawing/2014/main" id="{8BC877D2-7651-99E6-E7E1-D1317C4778F0}"/>
-              </a:ext>
-            </a:extLst>
-          </p:cNvPr>
-          <p:cNvSpPr>
-            <a:spLocks noGrp="1"/>
-          </p:cNvSpPr>
-          <p:nvPr>
             <p:ph idx="1"/>
           </p:nvPr>
         </p:nvSpPr>
-        <p:spPr/>
+        <p:spPr>
+          <a:xfrm>
+            <a:off x="463626" y="371398"/>
+            <a:ext cx="11324422" cy="5984951"/>
+          </a:xfrm>
+        </p:spPr>
         <p:txBody>
           <a:bodyPr>
             <a:normAutofit fontScale="92500" lnSpcReduction="10000"/>
           </a:bodyPr>
           <a:lstStyle/>
           <a:p>
-            <a:pPr marL="0" indent="0" algn="l">
+            <a:pPr marL="0" indent="0" algn="just">
               <a:buNone/>
             </a:pPr>
             <a:r>
-              <a:rPr lang="en-US" sz="1800" b="0" i="0" u="none" strike="noStrike" baseline="0" dirty="0">
+              <a:rPr lang="en-US" sz="2400" b="0" i="0" u="none" strike="noStrike" baseline="0" dirty="0">
                 <a:solidFill>
                   <a:srgbClr val="000000"/>
                 </a:solidFill>
@@ -11047,11 +10937,11 @@
             </a:r>
           </a:p>
           <a:p>
-            <a:pPr marL="0" indent="0" algn="l">
+            <a:pPr marL="0" indent="0" algn="just">
               <a:buNone/>
             </a:pPr>
             <a:r>
-              <a:rPr lang="en-US" sz="1800" b="0" i="0" u="none" strike="noStrike" baseline="0" dirty="0">
+              <a:rPr lang="en-US" sz="2400" b="0" i="0" u="none" strike="noStrike" baseline="0" dirty="0">
                 <a:solidFill>
                   <a:srgbClr val="000000"/>
                 </a:solidFill>
@@ -11061,11 +10951,11 @@
             </a:r>
           </a:p>
           <a:p>
-            <a:pPr marL="0" indent="0" algn="l">
+            <a:pPr marL="0" indent="0" algn="just">
               <a:buNone/>
             </a:pPr>
             <a:r>
-              <a:rPr lang="en-US" sz="1800" b="0" i="0" u="none" strike="noStrike" baseline="0" dirty="0">
+              <a:rPr lang="en-US" sz="2400" b="0" i="0" u="none" strike="noStrike" baseline="0" dirty="0">
                 <a:solidFill>
                   <a:srgbClr val="666666"/>
                 </a:solidFill>
@@ -11074,7 +10964,7 @@
               <a:t>■■ </a:t>
             </a:r>
             <a:r>
-              <a:rPr lang="en-US" sz="1800" b="1" i="0" u="none" strike="noStrike" baseline="0" dirty="0">
+              <a:rPr lang="en-US" sz="2400" b="1" i="0" u="none" strike="noStrike" baseline="0" dirty="0">
                 <a:solidFill>
                   <a:srgbClr val="000000"/>
                 </a:solidFill>
@@ -11083,7 +10973,7 @@
               <a:t>HIDS/HIPS </a:t>
             </a:r>
             <a:r>
-              <a:rPr lang="en-US" sz="1800" b="0" i="0" u="none" strike="noStrike" baseline="0" dirty="0">
+              <a:rPr lang="en-US" sz="2400" b="0" i="0" u="none" strike="noStrike" baseline="0" dirty="0">
                 <a:solidFill>
                   <a:srgbClr val="00B0F0"/>
                 </a:solidFill>
@@ -11092,7 +10982,7 @@
               <a:t>A host-based intrusion detection system (HIDS) </a:t>
             </a:r>
             <a:r>
-              <a:rPr lang="en-US" sz="1800" b="0" i="0" u="none" strike="noStrike" baseline="0" dirty="0">
+              <a:rPr lang="en-US" sz="2400" b="0" i="0" u="none" strike="noStrike" baseline="0" dirty="0">
                 <a:solidFill>
                   <a:srgbClr val="000000"/>
                 </a:solidFill>
@@ -11101,7 +10991,7 @@
               <a:t>or </a:t>
             </a:r>
             <a:r>
-              <a:rPr lang="en-US" sz="1800" b="0" i="0" u="none" strike="noStrike" baseline="0" dirty="0">
+              <a:rPr lang="en-US" sz="2400" b="0" i="0" u="none" strike="noStrike" baseline="0" dirty="0">
                 <a:solidFill>
                   <a:srgbClr val="00B0F0"/>
                 </a:solidFill>
@@ -11110,7 +11000,7 @@
               <a:t>host-based intrusion prevention system (HIPS) </a:t>
             </a:r>
             <a:r>
-              <a:rPr lang="en-US" sz="1800" b="0" i="0" u="none" strike="noStrike" baseline="0" dirty="0">
+              <a:rPr lang="en-US" sz="2400" b="0" i="0" u="none" strike="noStrike" baseline="0" dirty="0">
                 <a:solidFill>
                   <a:srgbClr val="000000"/>
                 </a:solidFill>
@@ -11119,7 +11009,7 @@
               <a:t>displays notifications of potential threats within the application or sends them to a designated e-mail address. You review the notification events to identify any suspicious activity on the system. </a:t>
             </a:r>
             <a:r>
-              <a:rPr lang="en-US" sz="1800" b="0" i="0" u="none" strike="noStrike" baseline="0" dirty="0">
+              <a:rPr lang="en-US" sz="2400" b="0" i="0" u="none" strike="noStrike" baseline="0" dirty="0">
                 <a:solidFill>
                   <a:srgbClr val="FF0000"/>
                 </a:solidFill>
@@ -11129,11 +11019,11 @@
             </a:r>
           </a:p>
           <a:p>
-            <a:pPr marL="0" indent="0" algn="l">
+            <a:pPr marL="0" indent="0" algn="just">
               <a:buNone/>
             </a:pPr>
             <a:r>
-              <a:rPr lang="en-US" sz="1800" b="0" i="0" u="none" strike="noStrike" baseline="0" dirty="0">
+              <a:rPr lang="en-US" sz="2400" b="0" i="0" u="none" strike="noStrike" baseline="0" dirty="0">
                 <a:solidFill>
                   <a:srgbClr val="666666"/>
                 </a:solidFill>
@@ -11142,7 +11032,7 @@
               <a:t>■■ </a:t>
             </a:r>
             <a:r>
-              <a:rPr lang="en-US" sz="1800" b="1" i="0" u="none" strike="noStrike" baseline="0" dirty="0">
+              <a:rPr lang="en-US" sz="2400" b="1" i="0" u="none" strike="noStrike" baseline="0" dirty="0">
                 <a:solidFill>
                   <a:srgbClr val="000000"/>
                 </a:solidFill>
@@ -11151,7 +11041,7 @@
               <a:t>Antivirus </a:t>
             </a:r>
             <a:r>
-              <a:rPr lang="en-US" sz="1800" b="0" i="0" u="none" strike="noStrike" baseline="0" dirty="0" err="1">
+              <a:rPr lang="en-US" sz="2400" b="0" i="0" u="none" strike="noStrike" baseline="0" dirty="0" err="1">
                 <a:solidFill>
                   <a:srgbClr val="000000"/>
                 </a:solidFill>
@@ -11160,7 +11050,7 @@
               <a:t>Antivirus</a:t>
             </a:r>
             <a:r>
-              <a:rPr lang="en-US" sz="1800" b="0" i="0" u="none" strike="noStrike" baseline="0" dirty="0">
+              <a:rPr lang="en-US" sz="2400" b="0" i="0" u="none" strike="noStrike" baseline="0" dirty="0">
                 <a:solidFill>
                   <a:srgbClr val="000000"/>
                 </a:solidFill>
@@ -11170,11 +11060,11 @@
             </a:r>
           </a:p>
           <a:p>
-            <a:pPr marL="0" indent="0" algn="l">
+            <a:pPr marL="0" indent="0" algn="just">
               <a:buNone/>
             </a:pPr>
             <a:r>
-              <a:rPr lang="en-US" sz="1800" b="0" i="0" u="none" strike="noStrike" baseline="0" dirty="0">
+              <a:rPr lang="en-US" sz="2400" b="0" i="0" u="none" strike="noStrike" baseline="0" dirty="0">
                 <a:solidFill>
                   <a:srgbClr val="666666"/>
                 </a:solidFill>
@@ -11183,7 +11073,7 @@
               <a:t>■■ </a:t>
             </a:r>
             <a:r>
-              <a:rPr lang="en-US" sz="1800" b="1" i="0" u="none" strike="noStrike" baseline="0" dirty="0">
+              <a:rPr lang="en-US" sz="2400" b="1" i="0" u="none" strike="noStrike" baseline="0" dirty="0">
                 <a:solidFill>
                   <a:srgbClr val="000000"/>
                 </a:solidFill>
@@ -11192,7 +11082,7 @@
               <a:t>File integrity check </a:t>
             </a:r>
             <a:r>
-              <a:rPr lang="en-US" sz="1800" b="0" i="0" u="none" strike="noStrike" baseline="0" dirty="0">
+              <a:rPr lang="en-US" sz="2400" b="0" i="0" u="none" strike="noStrike" baseline="0" dirty="0">
                 <a:solidFill>
                   <a:srgbClr val="000000"/>
                 </a:solidFill>
@@ -11201,7 +11091,7 @@
               <a:t>When you’re running tools that check for file integrity, they will let you know if there have been changes to the file since the hash value of the file was calculated. </a:t>
             </a:r>
             <a:r>
-              <a:rPr lang="en-US" sz="1800" b="0" i="0" u="none" strike="noStrike" baseline="0" dirty="0">
+              <a:rPr lang="en-US" sz="2400" b="0" i="0" u="none" strike="noStrike" baseline="0" dirty="0">
                 <a:solidFill>
                   <a:srgbClr val="FF0000"/>
                 </a:solidFill>
@@ -11210,7 +11100,7 @@
               <a:t>You may receive output from file integrity checks, such as “hash mismatch” or “signature mismatch,” both of which mean the file has been altered</a:t>
             </a:r>
             <a:r>
-              <a:rPr lang="en-US" sz="1800" b="0" i="0" u="none" strike="noStrike" baseline="0" dirty="0">
+              <a:rPr lang="en-US" sz="2400" b="0" i="0" u="none" strike="noStrike" baseline="0" dirty="0">
                 <a:solidFill>
                   <a:srgbClr val="000000"/>
                 </a:solidFill>
@@ -11218,7 +11108,7 @@
               </a:rPr>
               <a:t>. Output such as “hash match,” “hash valid,” or “signature verified” lets you know that the file has not changed.</a:t>
             </a:r>
-            <a:endParaRPr lang="en-US" dirty="0"/>
+            <a:endParaRPr lang="en-US" sz="3600" dirty="0"/>
           </a:p>
         </p:txBody>
       </p:sp>
@@ -11283,10 +11173,10 @@
       </p:grpSpPr>
       <p:sp>
         <p:nvSpPr>
-          <p:cNvPr id="2" name="Title 1">
-            <a:extLst>
-              <a:ext uri="{FF2B5EF4-FFF2-40B4-BE49-F238E27FC236}">
-                <a16:creationId xmlns:a16="http://schemas.microsoft.com/office/drawing/2014/main" id="{2FC253AD-69B2-7A46-86C4-7854F9AC972E}"/>
+          <p:cNvPr id="3" name="Content Placeholder 2">
+            <a:extLst>
+              <a:ext uri="{FF2B5EF4-FFF2-40B4-BE49-F238E27FC236}">
+                <a16:creationId xmlns:a16="http://schemas.microsoft.com/office/drawing/2014/main" id="{FFA7FBD1-E837-0395-3214-6692B68CA40E}"/>
               </a:ext>
             </a:extLst>
           </p:cNvPr>
@@ -11294,46 +11184,26 @@
             <a:spLocks noGrp="1"/>
           </p:cNvSpPr>
           <p:nvPr>
-            <p:ph type="title"/>
-          </p:nvPr>
-        </p:nvSpPr>
-        <p:spPr/>
-        <p:txBody>
-          <a:bodyPr/>
-          <a:lstStyle/>
-          <a:p>
-            <a:endParaRPr lang="en-US"/>
-          </a:p>
-        </p:txBody>
-      </p:sp>
-      <p:sp>
-        <p:nvSpPr>
-          <p:cNvPr id="3" name="Content Placeholder 2">
-            <a:extLst>
-              <a:ext uri="{FF2B5EF4-FFF2-40B4-BE49-F238E27FC236}">
-                <a16:creationId xmlns:a16="http://schemas.microsoft.com/office/drawing/2014/main" id="{FFA7FBD1-E837-0395-3214-6692B68CA40E}"/>
-              </a:ext>
-            </a:extLst>
-          </p:cNvPr>
-          <p:cNvSpPr>
-            <a:spLocks noGrp="1"/>
-          </p:cNvSpPr>
-          <p:nvPr>
             <p:ph idx="1"/>
           </p:nvPr>
         </p:nvSpPr>
-        <p:spPr/>
+        <p:spPr>
+          <a:xfrm>
+            <a:off x="397524" y="437500"/>
+            <a:ext cx="11313405" cy="5918850"/>
+          </a:xfrm>
+        </p:spPr>
         <p:txBody>
           <a:bodyPr>
             <a:normAutofit/>
           </a:bodyPr>
           <a:lstStyle/>
           <a:p>
-            <a:pPr marL="0" indent="0" algn="l">
+            <a:pPr marL="0" indent="0" algn="just">
               <a:buNone/>
             </a:pPr>
             <a:r>
-              <a:rPr lang="en-US" sz="1800" b="0" i="0" u="none" strike="noStrike" baseline="0" dirty="0">
+              <a:rPr lang="en-US" sz="2400" b="0" i="0" u="none" strike="noStrike" baseline="0" dirty="0">
                 <a:solidFill>
                   <a:srgbClr val="666666"/>
                 </a:solidFill>
@@ -11342,7 +11212,7 @@
               <a:t>■■ </a:t>
             </a:r>
             <a:r>
-              <a:rPr lang="en-US" sz="1800" b="1" i="0" u="none" strike="noStrike" baseline="0" dirty="0">
+              <a:rPr lang="en-US" sz="2400" b="1" i="0" u="none" strike="noStrike" baseline="0" dirty="0">
                 <a:solidFill>
                   <a:srgbClr val="000000"/>
                 </a:solidFill>
@@ -11351,7 +11221,7 @@
               <a:t>Host-based firewall </a:t>
             </a:r>
             <a:r>
-              <a:rPr lang="en-US" sz="1800" b="0" i="0" u="none" strike="noStrike" baseline="0" dirty="0">
+              <a:rPr lang="en-US" sz="2400" b="0" i="0" u="none" strike="noStrike" baseline="0" dirty="0">
                 <a:solidFill>
                   <a:srgbClr val="000000"/>
                 </a:solidFill>
@@ -11360,7 +11230,7 @@
               <a:t>Host-based firewalls typically write to logs or display alerts if they drop traffic due to rules configured on the system. </a:t>
             </a:r>
             <a:r>
-              <a:rPr lang="en-US" sz="1800" b="0" i="0" u="none" strike="noStrike" baseline="0" dirty="0">
+              <a:rPr lang="en-US" sz="2400" b="0" i="0" u="none" strike="noStrike" baseline="0" dirty="0">
                 <a:solidFill>
                   <a:srgbClr val="FF0000"/>
                 </a:solidFill>
@@ -11369,7 +11239,7 @@
               <a:t>Look for output containing information such as “dropped packet </a:t>
             </a:r>
             <a:r>
-              <a:rPr lang="en-US" sz="1800" b="0" i="0" u="none" strike="noStrike" baseline="0" dirty="0" err="1">
+              <a:rPr lang="en-US" sz="2400" b="0" i="0" u="none" strike="noStrike" baseline="0" dirty="0" err="1">
                 <a:solidFill>
                   <a:srgbClr val="FF0000"/>
                 </a:solidFill>
@@ -11378,7 +11248,7 @@
               <a:t>src</a:t>
             </a:r>
             <a:r>
-              <a:rPr lang="en-US" sz="1800" b="0" i="0" u="none" strike="noStrike" baseline="0" dirty="0">
+              <a:rPr lang="en-US" sz="2400" b="0" i="0" u="none" strike="noStrike" baseline="0" dirty="0">
                 <a:solidFill>
                   <a:srgbClr val="FF0000"/>
                 </a:solidFill>
@@ -11387,7 +11257,7 @@
               <a:t>=24.35.45.3:63378 TCP </a:t>
             </a:r>
             <a:r>
-              <a:rPr lang="en-US" sz="1800" b="0" i="0" u="none" strike="noStrike" baseline="0" dirty="0" err="1">
+              <a:rPr lang="en-US" sz="2400" b="0" i="0" u="none" strike="noStrike" baseline="0" dirty="0" err="1">
                 <a:solidFill>
                   <a:srgbClr val="FF0000"/>
                 </a:solidFill>
@@ -11396,7 +11266,7 @@
               <a:t>dst</a:t>
             </a:r>
             <a:r>
-              <a:rPr lang="en-US" sz="1800" b="0" i="0" u="none" strike="noStrike" baseline="0" dirty="0">
+              <a:rPr lang="en-US" sz="2400" b="0" i="0" u="none" strike="noStrike" baseline="0" dirty="0">
                 <a:solidFill>
                   <a:srgbClr val="FF0000"/>
                 </a:solidFill>
@@ -11406,11 +11276,11 @@
             </a:r>
           </a:p>
           <a:p>
-            <a:pPr marL="0" indent="0" algn="l">
+            <a:pPr marL="0" indent="0" algn="just">
               <a:buNone/>
             </a:pPr>
             <a:r>
-              <a:rPr lang="en-US" sz="1800" b="0" i="0" u="none" strike="noStrike" baseline="0" dirty="0">
+              <a:rPr lang="en-US" sz="2400" b="0" i="0" u="none" strike="noStrike" baseline="0" dirty="0">
                 <a:solidFill>
                   <a:srgbClr val="666666"/>
                 </a:solidFill>
@@ -11419,7 +11289,7 @@
               <a:t>■■ </a:t>
             </a:r>
             <a:r>
-              <a:rPr lang="en-US" sz="1800" b="1" i="0" u="none" strike="noStrike" baseline="0" dirty="0">
+              <a:rPr lang="en-US" sz="2400" b="1" i="0" u="none" strike="noStrike" baseline="0" dirty="0">
                 <a:solidFill>
                   <a:srgbClr val="000000"/>
                 </a:solidFill>
@@ -11428,7 +11298,7 @@
               <a:t>Application whitelisting </a:t>
             </a:r>
             <a:r>
-              <a:rPr lang="en-US" sz="1800" b="0" i="0" u="none" strike="noStrike" baseline="0" dirty="0">
+              <a:rPr lang="en-US" sz="2400" b="0" i="0" u="none" strike="noStrike" baseline="0" dirty="0">
                 <a:solidFill>
                   <a:srgbClr val="000000"/>
                 </a:solidFill>
@@ -11437,7 +11307,7 @@
               <a:t>Application whitelisting is configuring a system for a list of approved software that is allowed to be used on the system. If someone tries to install or run an application not on the list, they will receive an error message stating that the application is not authorized. </a:t>
             </a:r>
             <a:r>
-              <a:rPr lang="en-US" sz="1800" b="0" i="0" u="none" strike="noStrike" baseline="0" dirty="0">
+              <a:rPr lang="en-US" sz="2400" b="0" i="0" u="none" strike="noStrike" baseline="0" dirty="0">
                 <a:solidFill>
                   <a:srgbClr val="FF0000"/>
                 </a:solidFill>
@@ -11447,11 +11317,11 @@
             </a:r>
           </a:p>
           <a:p>
-            <a:pPr marL="0" indent="0" algn="l">
+            <a:pPr marL="0" indent="0" algn="just">
               <a:buNone/>
             </a:pPr>
             <a:r>
-              <a:rPr lang="en-US" sz="1800" b="0" i="0" u="none" strike="noStrike" baseline="0" dirty="0">
+              <a:rPr lang="en-US" sz="2400" b="0" i="0" u="none" strike="noStrike" baseline="0" dirty="0">
                 <a:solidFill>
                   <a:srgbClr val="666666"/>
                 </a:solidFill>
@@ -11460,7 +11330,7 @@
               <a:t>■■ </a:t>
             </a:r>
             <a:r>
-              <a:rPr lang="en-US" sz="1800" b="1" i="0" u="none" strike="noStrike" baseline="0" dirty="0">
+              <a:rPr lang="en-US" sz="2400" b="1" i="0" u="none" strike="noStrike" baseline="0" dirty="0">
                 <a:solidFill>
                   <a:srgbClr val="000000"/>
                 </a:solidFill>
@@ -11469,7 +11339,7 @@
               <a:t>Removable media control </a:t>
             </a:r>
             <a:r>
-              <a:rPr lang="en-US" sz="1800" b="0" i="0" u="none" strike="noStrike" baseline="0" dirty="0">
+              <a:rPr lang="en-US" sz="2400" b="0" i="0" u="none" strike="noStrike" baseline="0" dirty="0">
                 <a:solidFill>
                   <a:srgbClr val="000000"/>
                 </a:solidFill>
@@ -11477,7 +11347,7 @@
               </a:rPr>
               <a:t>Removable media control is when you control what media can be accessed on a system, such as optical disc drives and removable media (for example, external USB drives). When users try to connect to or access a drive that they are not allowed to use, they typically see a notification appear on the screen that states they are not authorized to access the drive.</a:t>
             </a:r>
-            <a:endParaRPr lang="en-US" dirty="0"/>
+            <a:endParaRPr lang="en-US" sz="3600" dirty="0"/>
           </a:p>
         </p:txBody>
       </p:sp>
@@ -11542,10 +11412,10 @@
       </p:grpSpPr>
       <p:sp>
         <p:nvSpPr>
-          <p:cNvPr id="2" name="Title 1">
-            <a:extLst>
-              <a:ext uri="{FF2B5EF4-FFF2-40B4-BE49-F238E27FC236}">
-                <a16:creationId xmlns:a16="http://schemas.microsoft.com/office/drawing/2014/main" id="{B7F50F1A-8EB1-5457-EAF5-CF0F8DECFB5A}"/>
+          <p:cNvPr id="3" name="Content Placeholder 2">
+            <a:extLst>
+              <a:ext uri="{FF2B5EF4-FFF2-40B4-BE49-F238E27FC236}">
+                <a16:creationId xmlns:a16="http://schemas.microsoft.com/office/drawing/2014/main" id="{CF6BD4D6-323C-7718-E0AD-3F53AD20CA0E}"/>
               </a:ext>
             </a:extLst>
           </p:cNvPr>
@@ -11553,46 +11423,26 @@
             <a:spLocks noGrp="1"/>
           </p:cNvSpPr>
           <p:nvPr>
-            <p:ph type="title"/>
-          </p:nvPr>
-        </p:nvSpPr>
-        <p:spPr/>
-        <p:txBody>
-          <a:bodyPr/>
-          <a:lstStyle/>
-          <a:p>
-            <a:endParaRPr lang="en-US"/>
-          </a:p>
-        </p:txBody>
-      </p:sp>
-      <p:sp>
-        <p:nvSpPr>
-          <p:cNvPr id="3" name="Content Placeholder 2">
-            <a:extLst>
-              <a:ext uri="{FF2B5EF4-FFF2-40B4-BE49-F238E27FC236}">
-                <a16:creationId xmlns:a16="http://schemas.microsoft.com/office/drawing/2014/main" id="{CF6BD4D6-323C-7718-E0AD-3F53AD20CA0E}"/>
-              </a:ext>
-            </a:extLst>
-          </p:cNvPr>
-          <p:cNvSpPr>
-            <a:spLocks noGrp="1"/>
-          </p:cNvSpPr>
-          <p:nvPr>
             <p:ph idx="1"/>
           </p:nvPr>
         </p:nvSpPr>
-        <p:spPr/>
+        <p:spPr>
+          <a:xfrm>
+            <a:off x="441591" y="393432"/>
+            <a:ext cx="11302389" cy="5962918"/>
+          </a:xfrm>
+        </p:spPr>
         <p:txBody>
           <a:bodyPr>
-            <a:normAutofit lnSpcReduction="10000"/>
+            <a:normAutofit fontScale="92500"/>
           </a:bodyPr>
           <a:lstStyle/>
           <a:p>
-            <a:pPr marL="0" indent="0" algn="l">
+            <a:pPr marL="0" indent="0" algn="just">
               <a:buNone/>
             </a:pPr>
             <a:r>
-              <a:rPr lang="en-US" sz="1800" b="0" i="0" u="none" strike="noStrike" baseline="0" dirty="0">
+              <a:rPr lang="en-US" sz="2400" b="0" i="0" u="none" strike="noStrike" baseline="0" dirty="0">
                 <a:solidFill>
                   <a:srgbClr val="666666"/>
                 </a:solidFill>
@@ -11601,7 +11451,7 @@
               <a:t>■■ </a:t>
             </a:r>
             <a:r>
-              <a:rPr lang="en-US" sz="1800" b="1" i="0" u="none" strike="noStrike" baseline="0" dirty="0">
+              <a:rPr lang="en-US" sz="2400" b="1" i="0" u="none" strike="noStrike" baseline="0" dirty="0">
                 <a:solidFill>
                   <a:srgbClr val="000000"/>
                 </a:solidFill>
@@ -11610,7 +11460,7 @@
               <a:t>Advanced malware tools </a:t>
             </a:r>
             <a:r>
-              <a:rPr lang="en-US" sz="1800" b="0" i="0" u="none" strike="noStrike" baseline="0" dirty="0">
+              <a:rPr lang="en-US" sz="2400" b="0" i="0" u="none" strike="noStrike" baseline="0" dirty="0">
                 <a:solidFill>
                   <a:srgbClr val="000000"/>
                 </a:solidFill>
@@ -11620,11 +11470,11 @@
             </a:r>
           </a:p>
           <a:p>
-            <a:pPr marL="0" indent="0" algn="l">
+            <a:pPr marL="0" indent="0" algn="just">
               <a:buNone/>
             </a:pPr>
             <a:r>
-              <a:rPr lang="en-US" sz="1800" b="0" i="0" u="none" strike="noStrike" baseline="0" dirty="0">
+              <a:rPr lang="en-US" sz="2400" b="0" i="0" u="none" strike="noStrike" baseline="0" dirty="0">
                 <a:solidFill>
                   <a:srgbClr val="666666"/>
                 </a:solidFill>
@@ -11633,7 +11483,7 @@
               <a:t>■■ </a:t>
             </a:r>
             <a:r>
-              <a:rPr lang="en-US" sz="1800" b="1" i="0" u="none" strike="noStrike" baseline="0" dirty="0">
+              <a:rPr lang="en-US" sz="2400" b="1" i="0" u="none" strike="noStrike" baseline="0" dirty="0">
                 <a:solidFill>
                   <a:srgbClr val="000000"/>
                 </a:solidFill>
@@ -11642,7 +11492,7 @@
               <a:t>Patch management tools </a:t>
             </a:r>
             <a:r>
-              <a:rPr lang="en-US" sz="1800" b="0" i="0" u="none" strike="noStrike" baseline="0" dirty="0">
+              <a:rPr lang="en-US" sz="2400" b="0" i="0" u="none" strike="noStrike" baseline="0" dirty="0">
                 <a:solidFill>
                   <a:srgbClr val="000000"/>
                 </a:solidFill>
@@ -11652,11 +11502,11 @@
             </a:r>
           </a:p>
           <a:p>
-            <a:pPr marL="0" indent="0" algn="l">
+            <a:pPr marL="0" indent="0" algn="just">
               <a:buNone/>
             </a:pPr>
             <a:r>
-              <a:rPr lang="en-US" sz="1800" b="0" i="0" u="none" strike="noStrike" baseline="0" dirty="0">
+              <a:rPr lang="en-US" sz="2400" b="0" i="0" u="none" strike="noStrike" baseline="0" dirty="0">
                 <a:solidFill>
                   <a:srgbClr val="666666"/>
                 </a:solidFill>
@@ -11665,7 +11515,7 @@
               <a:t>■■ </a:t>
             </a:r>
             <a:r>
-              <a:rPr lang="en-US" sz="1800" b="1" i="0" u="none" strike="noStrike" baseline="0" dirty="0">
+              <a:rPr lang="en-US" sz="2400" b="1" i="0" u="none" strike="noStrike" baseline="0" dirty="0">
                 <a:solidFill>
                   <a:srgbClr val="000000"/>
                 </a:solidFill>
@@ -11674,7 +11524,7 @@
               <a:t>UTM </a:t>
             </a:r>
             <a:r>
-              <a:rPr lang="en-US" sz="1800" b="0" i="0" u="none" strike="noStrike" baseline="0" dirty="0">
+              <a:rPr lang="en-US" sz="2400" b="0" i="0" u="none" strike="noStrike" baseline="0" dirty="0">
                 <a:solidFill>
                   <a:srgbClr val="000000"/>
                 </a:solidFill>
@@ -11683,7 +11533,7 @@
               <a:t>A </a:t>
             </a:r>
             <a:r>
-              <a:rPr lang="en-US" sz="1800" b="0" i="1" u="none" strike="noStrike" baseline="0" dirty="0">
+              <a:rPr lang="en-US" sz="2400" b="0" i="1" u="none" strike="noStrike" baseline="0" dirty="0">
                 <a:solidFill>
                   <a:srgbClr val="000000"/>
                 </a:solidFill>
@@ -11692,7 +11542,7 @@
               <a:t>unified threat management (UTM) </a:t>
             </a:r>
             <a:r>
-              <a:rPr lang="en-US" sz="1800" b="0" i="0" u="none" strike="noStrike" baseline="0" dirty="0">
+              <a:rPr lang="en-US" sz="2400" b="0" i="0" u="none" strike="noStrike" baseline="0" dirty="0">
                 <a:solidFill>
                   <a:srgbClr val="000000"/>
                 </a:solidFill>
@@ -11701,7 +11551,7 @@
               <a:t>system is a device/software that combines a number of security functions such as a firewall, IDS/IPS, gateway antivirus and gateway anti-spam, content filtering, and data loss prevention, to name a few built-in security technologies</a:t>
             </a:r>
             <a:r>
-              <a:rPr lang="en-US" sz="1800" b="0" i="0" u="none" strike="noStrike" baseline="0" dirty="0">
+              <a:rPr lang="en-US" sz="2400" b="0" i="0" u="none" strike="noStrike" baseline="0" dirty="0">
                 <a:solidFill>
                   <a:srgbClr val="FF0000"/>
                 </a:solidFill>
@@ -11711,11 +11561,11 @@
             </a:r>
           </a:p>
           <a:p>
-            <a:pPr marL="0" indent="0" algn="l">
+            <a:pPr marL="0" indent="0" algn="just">
               <a:buNone/>
             </a:pPr>
             <a:r>
-              <a:rPr lang="en-US" sz="1800" b="0" i="0" u="none" strike="noStrike" baseline="0" dirty="0">
+              <a:rPr lang="en-US" sz="2400" b="0" i="0" u="none" strike="noStrike" baseline="0" dirty="0">
                 <a:solidFill>
                   <a:srgbClr val="666666"/>
                 </a:solidFill>
@@ -11724,7 +11574,7 @@
               <a:t>■■ </a:t>
             </a:r>
             <a:r>
-              <a:rPr lang="en-US" sz="1800" b="1" i="0" u="none" strike="noStrike" baseline="0" dirty="0">
+              <a:rPr lang="en-US" sz="2400" b="1" i="0" u="none" strike="noStrike" baseline="0" dirty="0">
                 <a:solidFill>
                   <a:srgbClr val="000000"/>
                 </a:solidFill>
@@ -11733,7 +11583,7 @@
               <a:t>DLP </a:t>
             </a:r>
             <a:r>
-              <a:rPr lang="en-US" sz="1800" b="0" i="0" u="none" strike="noStrike" baseline="0" dirty="0">
+              <a:rPr lang="en-US" sz="2400" b="0" i="0" u="none" strike="noStrike" baseline="0" dirty="0">
                 <a:solidFill>
                   <a:srgbClr val="000000"/>
                 </a:solidFill>
@@ -11741,7 +11591,7 @@
               </a:rPr>
               <a:t>Data loss prevention (DLP) solutions prevent users from being able to send sensitive information outside the company. When a user tries to copy data to a USB drive, they may receive an error message from the DLP solution stating they do not have permissions, or if a user attempts to send an e-mail that contains sensitive information blocked by DLP, the user will typically receive an e-mail stating that the content was not sent due to DLP violation.</a:t>
             </a:r>
-            <a:endParaRPr lang="en-US" dirty="0"/>
+            <a:endParaRPr lang="en-US" sz="3600" dirty="0"/>
           </a:p>
         </p:txBody>
       </p:sp>
@@ -11806,10 +11656,10 @@
       </p:grpSpPr>
       <p:sp>
         <p:nvSpPr>
-          <p:cNvPr id="2" name="Title 1">
-            <a:extLst>
-              <a:ext uri="{FF2B5EF4-FFF2-40B4-BE49-F238E27FC236}">
-                <a16:creationId xmlns:a16="http://schemas.microsoft.com/office/drawing/2014/main" id="{D7148ADD-3EEB-5EC6-2066-45B37E8260C3}"/>
+          <p:cNvPr id="3" name="Content Placeholder 2">
+            <a:extLst>
+              <a:ext uri="{FF2B5EF4-FFF2-40B4-BE49-F238E27FC236}">
+                <a16:creationId xmlns:a16="http://schemas.microsoft.com/office/drawing/2014/main" id="{8ABE1269-4B41-D0A8-46EC-683009500254}"/>
               </a:ext>
             </a:extLst>
           </p:cNvPr>
@@ -11817,46 +11667,26 @@
             <a:spLocks noGrp="1"/>
           </p:cNvSpPr>
           <p:nvPr>
-            <p:ph type="title"/>
-          </p:nvPr>
-        </p:nvSpPr>
-        <p:spPr/>
-        <p:txBody>
-          <a:bodyPr/>
-          <a:lstStyle/>
-          <a:p>
-            <a:endParaRPr lang="en-US"/>
-          </a:p>
-        </p:txBody>
-      </p:sp>
-      <p:sp>
-        <p:nvSpPr>
-          <p:cNvPr id="3" name="Content Placeholder 2">
-            <a:extLst>
-              <a:ext uri="{FF2B5EF4-FFF2-40B4-BE49-F238E27FC236}">
-                <a16:creationId xmlns:a16="http://schemas.microsoft.com/office/drawing/2014/main" id="{8ABE1269-4B41-D0A8-46EC-683009500254}"/>
-              </a:ext>
-            </a:extLst>
-          </p:cNvPr>
-          <p:cNvSpPr>
-            <a:spLocks noGrp="1"/>
-          </p:cNvSpPr>
-          <p:nvPr>
             <p:ph idx="1"/>
           </p:nvPr>
         </p:nvSpPr>
-        <p:spPr/>
+        <p:spPr>
+          <a:xfrm>
+            <a:off x="452610" y="360382"/>
+            <a:ext cx="11236286" cy="5995968"/>
+          </a:xfrm>
+        </p:spPr>
         <p:txBody>
           <a:bodyPr>
             <a:normAutofit/>
           </a:bodyPr>
           <a:lstStyle/>
           <a:p>
-            <a:pPr marL="0" indent="0" algn="l">
+            <a:pPr marL="0" indent="0" algn="just">
               <a:buNone/>
             </a:pPr>
             <a:r>
-              <a:rPr lang="en-US" sz="2000" b="0" i="0" u="none" strike="noStrike" baseline="0" dirty="0">
+              <a:rPr lang="en-US" b="0" i="0" u="none" strike="noStrike" baseline="0" dirty="0">
                 <a:solidFill>
                   <a:srgbClr val="666666"/>
                 </a:solidFill>
@@ -11865,7 +11695,7 @@
               <a:t>■■ </a:t>
             </a:r>
             <a:r>
-              <a:rPr lang="en-US" sz="2000" b="1" i="0" u="none" strike="noStrike" baseline="0" dirty="0">
+              <a:rPr lang="en-US" b="1" i="0" u="none" strike="noStrike" baseline="0" dirty="0">
                 <a:solidFill>
                   <a:srgbClr val="000000"/>
                 </a:solidFill>
@@ -11874,7 +11704,7 @@
               <a:t>Data execution prevention </a:t>
             </a:r>
             <a:r>
-              <a:rPr lang="en-US" sz="2000" b="0" i="0" u="none" strike="noStrike" baseline="0" dirty="0">
+              <a:rPr lang="en-US" b="0" i="0" u="none" strike="noStrike" baseline="0" dirty="0">
                 <a:solidFill>
                   <a:srgbClr val="000000"/>
                 </a:solidFill>
@@ -11883,7 +11713,7 @@
               <a:t>Data execution prevention (DEP) is a feature that can be enabled to prevent application code from executing in areas of memory used to store data (known as data pages). With DEP, blocks of memory not used for executing a program are flagged as nonexecutable pages by the system so that malicious software does not run in that block of memory. </a:t>
             </a:r>
             <a:r>
-              <a:rPr lang="en-US" sz="2000" b="0" i="0" u="none" strike="noStrike" baseline="0" dirty="0">
+              <a:rPr lang="en-US" b="0" i="0" u="none" strike="noStrike" baseline="0" dirty="0">
                 <a:solidFill>
                   <a:srgbClr val="FF0000"/>
                 </a:solidFill>
@@ -11892,7 +11722,7 @@
               <a:t>You can verify that DEP is enabled on your system by going to a command prompt and typing </a:t>
             </a:r>
             <a:r>
-              <a:rPr lang="en-US" sz="2000" b="1" i="0" u="none" strike="noStrike" baseline="0" dirty="0">
+              <a:rPr lang="en-US" b="1" i="0" u="none" strike="noStrike" baseline="0" dirty="0">
                 <a:solidFill>
                   <a:srgbClr val="FF0000"/>
                 </a:solidFill>
@@ -11901,7 +11731,7 @@
               <a:t>wmic OS Get </a:t>
             </a:r>
             <a:r>
-              <a:rPr lang="en-US" sz="2000" b="1" i="0" u="none" strike="noStrike" baseline="0" dirty="0" err="1">
+              <a:rPr lang="en-US" b="1" i="0" u="none" strike="noStrike" baseline="0" dirty="0" err="1">
                 <a:solidFill>
                   <a:srgbClr val="FF0000"/>
                 </a:solidFill>
@@ -11910,7 +11740,7 @@
               <a:t>DataExecutionPrevention_SupportPolicy</a:t>
             </a:r>
             <a:r>
-              <a:rPr lang="en-US" sz="2000" b="0" i="0" u="none" strike="noStrike" baseline="0" dirty="0">
+              <a:rPr lang="en-US" b="0" i="0" u="none" strike="noStrike" baseline="0" dirty="0">
                 <a:solidFill>
                   <a:srgbClr val="FF0000"/>
                 </a:solidFill>
@@ -11920,11 +11750,11 @@
             </a:r>
           </a:p>
           <a:p>
-            <a:pPr marL="0" indent="0" algn="l">
+            <a:pPr marL="0" indent="0" algn="just">
               <a:buNone/>
             </a:pPr>
             <a:r>
-              <a:rPr lang="en-US" sz="2000" b="0" i="0" u="none" strike="noStrike" baseline="0" dirty="0">
+              <a:rPr lang="en-US" b="0" i="0" u="none" strike="noStrike" baseline="0" dirty="0">
                 <a:solidFill>
                   <a:srgbClr val="666666"/>
                 </a:solidFill>
@@ -11933,7 +11763,7 @@
               <a:t>■■ </a:t>
             </a:r>
             <a:r>
-              <a:rPr lang="en-US" sz="2000" b="1" i="0" u="none" strike="noStrike" baseline="0" dirty="0">
+              <a:rPr lang="en-US" b="1" i="0" u="none" strike="noStrike" baseline="0" dirty="0">
                 <a:solidFill>
                   <a:srgbClr val="000000"/>
                 </a:solidFill>
@@ -11942,7 +11772,7 @@
               <a:t>Web application firewall </a:t>
             </a:r>
             <a:r>
-              <a:rPr lang="en-US" sz="2000" b="0" i="0" u="none" strike="noStrike" baseline="0" dirty="0">
+              <a:rPr lang="en-US" b="0" i="0" u="none" strike="noStrike" baseline="0" dirty="0">
                 <a:solidFill>
                   <a:srgbClr val="000000"/>
                 </a:solidFill>
@@ -11950,7 +11780,7 @@
               </a:rPr>
               <a:t>A web application firewall is designed to protect web servers from malicious traffic and only allow traffic to the web application to pass through the firewall. Traffic blocked by the firewall is written to a log file so that the systems administrator can review blocked traffic.</a:t>
             </a:r>
-            <a:endParaRPr lang="en-US" sz="2000" dirty="0"/>
+            <a:endParaRPr lang="en-US" dirty="0"/>
           </a:p>
         </p:txBody>
       </p:sp>
@@ -12375,10 +12205,10 @@
       </p:grpSpPr>
       <p:sp>
         <p:nvSpPr>
-          <p:cNvPr id="2" name="Title 1">
-            <a:extLst>
-              <a:ext uri="{FF2B5EF4-FFF2-40B4-BE49-F238E27FC236}">
-                <a16:creationId xmlns:a16="http://schemas.microsoft.com/office/drawing/2014/main" id="{E37013B9-4A09-FA34-5E18-25A8F331F584}"/>
+          <p:cNvPr id="3" name="Content Placeholder 2">
+            <a:extLst>
+              <a:ext uri="{FF2B5EF4-FFF2-40B4-BE49-F238E27FC236}">
+                <a16:creationId xmlns:a16="http://schemas.microsoft.com/office/drawing/2014/main" id="{021BB1E8-A62D-FAD3-2347-B020B2700054}"/>
               </a:ext>
             </a:extLst>
           </p:cNvPr>
@@ -12386,46 +12216,26 @@
             <a:spLocks noGrp="1"/>
           </p:cNvSpPr>
           <p:nvPr>
-            <p:ph type="title"/>
-          </p:nvPr>
-        </p:nvSpPr>
-        <p:spPr/>
-        <p:txBody>
-          <a:bodyPr/>
-          <a:lstStyle/>
-          <a:p>
-            <a:endParaRPr lang="en-US"/>
-          </a:p>
-        </p:txBody>
-      </p:sp>
-      <p:sp>
-        <p:nvSpPr>
-          <p:cNvPr id="3" name="Content Placeholder 2">
-            <a:extLst>
-              <a:ext uri="{FF2B5EF4-FFF2-40B4-BE49-F238E27FC236}">
-                <a16:creationId xmlns:a16="http://schemas.microsoft.com/office/drawing/2014/main" id="{021BB1E8-A62D-FAD3-2347-B020B2700054}"/>
-              </a:ext>
-            </a:extLst>
-          </p:cNvPr>
-          <p:cNvSpPr>
-            <a:spLocks noGrp="1"/>
-          </p:cNvSpPr>
-          <p:nvPr>
             <p:ph idx="1"/>
           </p:nvPr>
         </p:nvSpPr>
-        <p:spPr/>
+        <p:spPr>
+          <a:xfrm>
+            <a:off x="529728" y="459532"/>
+            <a:ext cx="11225270" cy="5896817"/>
+          </a:xfrm>
+        </p:spPr>
         <p:txBody>
           <a:bodyPr>
-            <a:normAutofit lnSpcReduction="10000"/>
+            <a:normAutofit fontScale="92500"/>
           </a:bodyPr>
           <a:lstStyle/>
           <a:p>
-            <a:pPr marL="0" indent="0" algn="l">
+            <a:pPr marL="0" indent="0" algn="just">
               <a:buNone/>
             </a:pPr>
             <a:r>
-              <a:rPr lang="en-US" sz="1800" b="0" i="0" u="none" strike="noStrike" baseline="0" dirty="0">
+              <a:rPr lang="en-US" sz="2400" b="0" i="0" u="none" strike="noStrike" baseline="0" dirty="0">
                 <a:solidFill>
                   <a:srgbClr val="000000"/>
                 </a:solidFill>
@@ -12435,11 +12245,11 @@
             </a:r>
           </a:p>
           <a:p>
-            <a:pPr marL="0" indent="0" algn="l">
+            <a:pPr marL="0" indent="0" algn="just">
               <a:buNone/>
             </a:pPr>
             <a:r>
-              <a:rPr lang="en-US" sz="1800" b="0" i="0" u="none" strike="noStrike" baseline="0" dirty="0">
+              <a:rPr lang="en-US" sz="2400" b="0" i="0" u="none" strike="noStrike" baseline="0" dirty="0">
                 <a:solidFill>
                   <a:srgbClr val="666666"/>
                 </a:solidFill>
@@ -12448,7 +12258,7 @@
               <a:t>■■ </a:t>
             </a:r>
             <a:r>
-              <a:rPr lang="en-US" sz="1800" b="1" i="0" u="none" strike="noStrike" baseline="0" dirty="0">
+              <a:rPr lang="en-US" sz="2400" b="1" i="0" u="none" strike="noStrike" baseline="0" dirty="0">
                 <a:solidFill>
                   <a:srgbClr val="000000"/>
                 </a:solidFill>
@@ -12457,7 +12267,7 @@
               <a:t>Open ports </a:t>
             </a:r>
             <a:r>
-              <a:rPr lang="en-US" sz="1800" b="0" i="0" u="none" strike="noStrike" baseline="0" dirty="0">
+              <a:rPr lang="en-US" sz="2400" b="0" i="0" u="none" strike="noStrike" baseline="0" dirty="0">
                 <a:solidFill>
                   <a:srgbClr val="000000"/>
                 </a:solidFill>
@@ -12466,7 +12276,7 @@
               <a:t>Ensure that you do not open unnecessary ports on cloud resources such as virtual machines (VMs) or applications. For example, many IT admins will create an Azure VM and then open the Remote Desktop Protocol (RDP) port to remote login into the VM. In this case, </a:t>
             </a:r>
             <a:r>
-              <a:rPr lang="en-US" sz="1800" b="0" i="0" u="none" strike="noStrike" baseline="0" dirty="0">
+              <a:rPr lang="en-US" sz="2400" b="0" i="0" u="none" strike="noStrike" baseline="0" dirty="0">
                 <a:solidFill>
                   <a:srgbClr val="FF0000"/>
                 </a:solidFill>
@@ -12475,7 +12285,7 @@
               <a:t>Azure has a bastion host option available </a:t>
             </a:r>
             <a:r>
-              <a:rPr lang="en-US" sz="1800" b="0" i="0" u="none" strike="noStrike" baseline="0" dirty="0">
+              <a:rPr lang="en-US" sz="2400" b="0" i="0" u="none" strike="noStrike" baseline="0" dirty="0">
                 <a:solidFill>
                   <a:srgbClr val="000000"/>
                 </a:solidFill>
@@ -12484,7 +12294,7 @@
               <a:t>so that you do not need to open the RDP port on each of your VMs</a:t>
             </a:r>
             <a:r>
-              <a:rPr lang="en-US" sz="1800" dirty="0">
+              <a:rPr lang="en-US" sz="2400" dirty="0">
                 <a:solidFill>
                   <a:srgbClr val="000000"/>
                 </a:solidFill>
@@ -12493,7 +12303,7 @@
               <a:t> or even if you open RDP make sure to use list of </a:t>
             </a:r>
             <a:r>
-              <a:rPr lang="en-US" sz="1800" dirty="0" err="1">
+              <a:rPr lang="en-US" sz="2400" dirty="0" err="1">
                 <a:solidFill>
                   <a:srgbClr val="000000"/>
                 </a:solidFill>
@@ -12502,7 +12312,7 @@
               <a:t>ip</a:t>
             </a:r>
             <a:r>
-              <a:rPr lang="en-US" sz="1800" dirty="0">
+              <a:rPr lang="en-US" sz="2400" dirty="0">
                 <a:solidFill>
                   <a:srgbClr val="000000"/>
                 </a:solidFill>
@@ -12510,7 +12320,7 @@
               </a:rPr>
               <a:t> addresses who can access this VM.</a:t>
             </a:r>
-            <a:endParaRPr lang="en-US" sz="1800" b="0" i="0" u="none" strike="noStrike" baseline="0" dirty="0">
+            <a:endParaRPr lang="en-US" sz="2400" b="0" i="0" u="none" strike="noStrike" baseline="0" dirty="0">
               <a:solidFill>
                 <a:srgbClr val="000000"/>
               </a:solidFill>
@@ -12518,11 +12328,11 @@
             </a:endParaRPr>
           </a:p>
           <a:p>
-            <a:pPr marL="0" indent="0" algn="l">
+            <a:pPr marL="0" indent="0" algn="just">
               <a:buNone/>
             </a:pPr>
             <a:r>
-              <a:rPr lang="en-US" sz="1800" b="0" i="0" u="none" strike="noStrike" baseline="0" dirty="0">
+              <a:rPr lang="en-US" sz="2400" b="0" i="0" u="none" strike="noStrike" baseline="0" dirty="0">
                 <a:solidFill>
                   <a:srgbClr val="666666"/>
                 </a:solidFill>
@@ -12531,7 +12341,7 @@
               <a:t>■■ </a:t>
             </a:r>
             <a:r>
-              <a:rPr lang="en-US" sz="1800" b="1" i="0" u="none" strike="noStrike" baseline="0" dirty="0">
+              <a:rPr lang="en-US" sz="2400" b="1" i="0" u="none" strike="noStrike" baseline="0" dirty="0">
                 <a:solidFill>
                   <a:srgbClr val="000000"/>
                 </a:solidFill>
@@ -12540,7 +12350,7 @@
               <a:t>Authentication methods </a:t>
             </a:r>
             <a:r>
-              <a:rPr lang="en-US" sz="1800" b="0" i="0" u="none" strike="noStrike" baseline="0" dirty="0">
+              <a:rPr lang="en-US" sz="2400" b="0" i="0" u="none" strike="noStrike" baseline="0" dirty="0">
                 <a:solidFill>
                   <a:srgbClr val="000000"/>
                 </a:solidFill>
@@ -12550,11 +12360,11 @@
             </a:r>
           </a:p>
           <a:p>
-            <a:pPr marL="0" indent="0" algn="l">
+            <a:pPr marL="0" indent="0" algn="just">
               <a:buNone/>
             </a:pPr>
             <a:r>
-              <a:rPr lang="en-US" sz="1800" b="0" i="0" u="none" strike="noStrike" baseline="0" dirty="0">
+              <a:rPr lang="en-US" sz="2400" b="0" i="0" u="none" strike="noStrike" baseline="0" dirty="0">
                 <a:solidFill>
                   <a:srgbClr val="666666"/>
                 </a:solidFill>
@@ -12563,7 +12373,7 @@
               <a:t>■■ </a:t>
             </a:r>
             <a:r>
-              <a:rPr lang="en-US" sz="1800" b="1" i="0" u="none" strike="noStrike" baseline="0" dirty="0">
+              <a:rPr lang="en-US" sz="2400" b="1" i="0" u="none" strike="noStrike" baseline="0" dirty="0">
                 <a:solidFill>
                   <a:srgbClr val="000000"/>
                 </a:solidFill>
@@ -12572,7 +12382,7 @@
               <a:t>Conditional access policies </a:t>
             </a:r>
             <a:r>
-              <a:rPr lang="en-US" sz="1800" b="0" i="0" u="none" strike="noStrike" baseline="0" dirty="0">
+              <a:rPr lang="en-US" sz="2400" b="0" i="0" u="none" strike="noStrike" baseline="0" dirty="0">
                 <a:solidFill>
                   <a:srgbClr val="000000"/>
                 </a:solidFill>
@@ -12582,11 +12392,11 @@
             </a:r>
           </a:p>
           <a:p>
-            <a:pPr marL="0" indent="0" algn="l">
+            <a:pPr marL="0" indent="0" algn="just">
               <a:buNone/>
             </a:pPr>
             <a:r>
-              <a:rPr lang="en-US" sz="1800" b="0" i="0" u="none" strike="noStrike" baseline="0" dirty="0">
+              <a:rPr lang="en-US" sz="2400" b="0" i="0" u="none" strike="noStrike" baseline="0" dirty="0">
                 <a:solidFill>
                   <a:srgbClr val="666666"/>
                 </a:solidFill>
@@ -12595,7 +12405,7 @@
               <a:t>■■ </a:t>
             </a:r>
             <a:r>
-              <a:rPr lang="en-US" sz="1800" b="1" i="0" u="none" strike="noStrike" baseline="0" dirty="0">
+              <a:rPr lang="en-US" sz="2400" b="1" i="0" u="none" strike="noStrike" baseline="0" dirty="0">
                 <a:solidFill>
                   <a:srgbClr val="000000"/>
                 </a:solidFill>
@@ -12604,7 +12414,7 @@
               <a:t>Too many privileges </a:t>
             </a:r>
             <a:r>
-              <a:rPr lang="en-US" sz="1800" b="0" i="0" u="none" strike="noStrike" baseline="0" dirty="0">
+              <a:rPr lang="en-US" sz="2400" b="0" i="0" u="none" strike="noStrike" baseline="0" dirty="0">
                 <a:solidFill>
                   <a:srgbClr val="000000"/>
                 </a:solidFill>
@@ -12612,7 +12422,7 @@
               </a:rPr>
               <a:t>Watch for users being given too many privileges within the cloud environment (for example, adding unnecessary users to the Global Administrators group).</a:t>
             </a:r>
-            <a:endParaRPr lang="en-US" dirty="0"/>
+            <a:endParaRPr lang="en-US" sz="3600" dirty="0"/>
           </a:p>
         </p:txBody>
       </p:sp>
@@ -13487,7 +13297,12 @@
             <p:ph type="title"/>
           </p:nvPr>
         </p:nvSpPr>
-        <p:spPr/>
+        <p:spPr>
+          <a:xfrm>
+            <a:off x="838200" y="0"/>
+            <a:ext cx="10515600" cy="1325563"/>
+          </a:xfrm>
+        </p:spPr>
         <p:txBody>
           <a:bodyPr>
             <a:normAutofit/>
@@ -13520,61 +13335,66 @@
             <p:ph idx="1"/>
           </p:nvPr>
         </p:nvSpPr>
-        <p:spPr/>
+        <p:spPr>
+          <a:xfrm>
+            <a:off x="364474" y="977326"/>
+            <a:ext cx="11500691" cy="5379023"/>
+          </a:xfrm>
+        </p:spPr>
         <p:txBody>
           <a:bodyPr>
             <a:normAutofit fontScale="92500" lnSpcReduction="10000"/>
           </a:bodyPr>
           <a:lstStyle/>
           <a:p>
-            <a:pPr algn="l"/>
-            <a:r>
-              <a:rPr lang="en-US" sz="1800" b="0" i="0" u="none" strike="noStrike" baseline="0" dirty="0">
+            <a:pPr algn="just"/>
+            <a:r>
+              <a:rPr lang="en-US" sz="2400" b="0" i="0" u="none" strike="noStrike" baseline="0" dirty="0">
                 <a:latin typeface="WarnockPro-Regular"/>
               </a:rPr>
               <a:t>Many physical security threats are posed by lost or stolen equipment, such as a laptop or a mobile device (smart phone, tablet, and so forth).</a:t>
             </a:r>
           </a:p>
           <a:p>
-            <a:pPr algn="l"/>
-            <a:r>
-              <a:rPr lang="en-US" sz="1800" b="0" i="0" u="none" strike="noStrike" baseline="0" dirty="0">
+            <a:pPr algn="just"/>
+            <a:r>
+              <a:rPr lang="en-US" sz="2400" b="0" i="0" u="none" strike="noStrike" baseline="0" dirty="0">
                 <a:latin typeface="WarnockPro-Regular"/>
               </a:rPr>
               <a:t> Many companies have a policy that if an employee leaves a company laptop or mobile device in an automobile, they must not leave it in plain sight, to avoid smash-and-grab theft. In this case, some companies specify in the policy that the employee is responsible for the replacement of the laptop or electronic device.</a:t>
             </a:r>
           </a:p>
           <a:p>
-            <a:pPr algn="l"/>
-            <a:r>
-              <a:rPr lang="en-US" sz="1800" b="0" i="0" u="none" strike="noStrike" baseline="0" dirty="0">
+            <a:pPr algn="just"/>
+            <a:r>
+              <a:rPr lang="en-US" sz="2400" b="0" i="0" u="none" strike="noStrike" baseline="0" dirty="0">
                 <a:latin typeface="WarnockPro-Regular"/>
               </a:rPr>
               <a:t>Employees are encouraged to place all electronic devices locked in the trunk of their car instead of leaving them visible on the passenger seat or in the back seat of the car.</a:t>
             </a:r>
           </a:p>
           <a:p>
-            <a:pPr algn="l"/>
-            <a:r>
-              <a:rPr lang="en-US" sz="1800" b="0" i="0" u="none" strike="noStrike" baseline="0" dirty="0">
+            <a:pPr algn="just"/>
+            <a:r>
+              <a:rPr lang="en-US" sz="2400" b="0" i="0" u="none" strike="noStrike" baseline="0" dirty="0">
                 <a:latin typeface="WarnockPro-Regular"/>
               </a:rPr>
               <a:t> It should be noted that some organizations may reprimand employees for not following such policies to ensure employees see the value of making responsible decisions with company assets.</a:t>
             </a:r>
           </a:p>
           <a:p>
-            <a:pPr algn="l"/>
-            <a:r>
-              <a:rPr lang="en-US" sz="1800" b="0" i="0" u="none" strike="noStrike" baseline="0" dirty="0">
+            <a:pPr algn="just"/>
+            <a:r>
+              <a:rPr lang="en-US" sz="2400" b="0" i="0" u="none" strike="noStrike" baseline="0" dirty="0">
                 <a:latin typeface="WarnockPro-Regular"/>
               </a:rPr>
               <a:t>Within the office, you can help deter theft of equipment such as laptops, flat-screen monitors, projectors, and even desktop computers by using a lockdown cable. </a:t>
             </a:r>
           </a:p>
           <a:p>
-            <a:pPr algn="l"/>
-            <a:r>
-              <a:rPr lang="en-US" sz="1800" b="0" i="0" u="none" strike="noStrike" baseline="0" dirty="0">
+            <a:pPr algn="just"/>
+            <a:r>
+              <a:rPr lang="en-US" sz="2400" b="0" i="0" u="none" strike="noStrike" baseline="0" dirty="0">
                 <a:solidFill>
                   <a:srgbClr val="0070C0"/>
                 </a:solidFill>
@@ -13583,7 +13403,7 @@
               <a:t>A </a:t>
             </a:r>
             <a:r>
-              <a:rPr lang="en-US" sz="1800" b="0" i="1" u="none" strike="noStrike" baseline="0" dirty="0">
+              <a:rPr lang="en-US" sz="2400" b="0" i="1" u="none" strike="noStrike" baseline="0" dirty="0">
                 <a:solidFill>
                   <a:srgbClr val="0070C0"/>
                 </a:solidFill>
@@ -13592,7 +13412,7 @@
               <a:t>lockdown cable </a:t>
             </a:r>
             <a:r>
-              <a:rPr lang="en-US" sz="1800" b="0" i="0" u="none" strike="noStrike" baseline="0" dirty="0">
+              <a:rPr lang="en-US" sz="2400" b="0" i="0" u="none" strike="noStrike" baseline="0" dirty="0">
                 <a:solidFill>
                   <a:srgbClr val="0070C0"/>
                 </a:solidFill>
@@ -13602,14 +13422,14 @@
             </a:r>
           </a:p>
           <a:p>
-            <a:pPr algn="l"/>
-            <a:r>
-              <a:rPr lang="en-US" sz="1800" b="0" i="0" u="none" strike="noStrike" baseline="0" dirty="0">
+            <a:pPr algn="just"/>
+            <a:r>
+              <a:rPr lang="en-US" sz="2400" b="0" i="0" u="none" strike="noStrike" baseline="0" dirty="0">
                 <a:latin typeface="WarnockPro-Regular"/>
               </a:rPr>
               <a:t>These lockdown cables are not going to stop a determined thief from stealing the equipment, but will act as a deterrent and prevent someone from casually walking by and swiping the equipment</a:t>
             </a:r>
-            <a:endParaRPr lang="en-US" dirty="0"/>
+            <a:endParaRPr lang="en-US" sz="3600" dirty="0"/>
           </a:p>
         </p:txBody>
       </p:sp>
@@ -13723,24 +13543,24 @@
           </a:bodyPr>
           <a:lstStyle/>
           <a:p>
-            <a:pPr algn="l"/>
-            <a:r>
-              <a:rPr lang="en-US" sz="2000" b="0" i="0" u="none" strike="noStrike" baseline="0" dirty="0">
+            <a:pPr algn="just"/>
+            <a:r>
+              <a:rPr lang="en-US" sz="3200" b="0" i="0" u="none" strike="noStrike" baseline="0" dirty="0">
                 <a:latin typeface="WarnockPro-Regular"/>
               </a:rPr>
               <a:t>Ensure that employees know the importance of immediately reporting lost or stolen mobile devices so that you can remotely wipe these devices as quickly as possible.</a:t>
             </a:r>
           </a:p>
           <a:p>
-            <a:pPr algn="l"/>
-            <a:r>
-              <a:rPr lang="en-US" sz="2000" b="0" i="0" u="none" strike="noStrike" baseline="0" dirty="0">
+            <a:pPr algn="just"/>
+            <a:r>
+              <a:rPr lang="en-US" sz="3200" b="0" i="0" u="none" strike="noStrike" baseline="0" dirty="0">
                 <a:latin typeface="WarnockPro-Regular"/>
               </a:rPr>
               <a:t> </a:t>
             </a:r>
             <a:r>
-              <a:rPr lang="en-US" sz="2000" b="0" i="0" u="none" strike="noStrike" baseline="0" dirty="0">
+              <a:rPr lang="en-US" sz="3200" b="0" i="0" u="none" strike="noStrike" baseline="0" dirty="0">
                 <a:solidFill>
                   <a:srgbClr val="FF0000"/>
                 </a:solidFill>
@@ -13750,14 +13570,14 @@
             </a:r>
           </a:p>
           <a:p>
-            <a:pPr algn="l"/>
-            <a:r>
-              <a:rPr lang="en-US" sz="2000" b="0" i="0" u="none" strike="noStrike" baseline="0" dirty="0">
+            <a:pPr algn="just"/>
+            <a:r>
+              <a:rPr lang="en-US" sz="3200" b="0" i="0" u="none" strike="noStrike" baseline="0" dirty="0">
                 <a:latin typeface="WarnockPro-Regular"/>
               </a:rPr>
               <a:t> This ensures that a lost or stolen mobile device does not have sensitive information on it</a:t>
             </a:r>
-            <a:endParaRPr lang="en-US" sz="2000" dirty="0"/>
+            <a:endParaRPr lang="en-US" sz="3200" dirty="0"/>
           </a:p>
         </p:txBody>
       </p:sp>
@@ -13836,7 +13656,12 @@
             <p:ph type="title"/>
           </p:nvPr>
         </p:nvSpPr>
-        <p:spPr/>
+        <p:spPr>
+          <a:xfrm>
+            <a:off x="838200" y="0"/>
+            <a:ext cx="10515600" cy="1325563"/>
+          </a:xfrm>
+        </p:spPr>
         <p:txBody>
           <a:bodyPr/>
           <a:lstStyle/>
@@ -13864,97 +13689,61 @@
             <p:ph idx="1"/>
           </p:nvPr>
         </p:nvSpPr>
-        <p:spPr/>
+        <p:spPr>
+          <a:xfrm>
+            <a:off x="342440" y="1164612"/>
+            <a:ext cx="11489675" cy="5191738"/>
+          </a:xfrm>
+        </p:spPr>
         <p:txBody>
           <a:bodyPr>
             <a:normAutofit fontScale="92500" lnSpcReduction="20000"/>
           </a:bodyPr>
           <a:lstStyle/>
           <a:p>
-            <a:pPr algn="l"/>
-            <a:r>
-              <a:rPr lang="en-US" sz="1800" b="0" i="0" u="none" strike="noStrike" baseline="0" dirty="0">
+            <a:pPr algn="just"/>
+            <a:r>
+              <a:rPr lang="en-US" sz="3200" b="0" i="0" u="none" strike="noStrike" baseline="0" dirty="0">
                 <a:latin typeface="WarnockPro-Regular"/>
               </a:rPr>
               <a:t>It is important that you implement safeguards on your mobile equipment so that if it is stolen or lost, you make it as difficult as possible for someone to use the device.</a:t>
             </a:r>
           </a:p>
           <a:p>
-            <a:pPr algn="l"/>
-            <a:r>
-              <a:rPr lang="en-US" sz="1800" b="0" i="0" u="none" strike="noStrike" baseline="0" dirty="0">
+            <a:pPr algn="just"/>
+            <a:r>
+              <a:rPr lang="en-US" sz="3200" b="0" i="0" u="none" strike="noStrike" baseline="0" dirty="0">
                 <a:latin typeface="WarnockPro-Regular"/>
               </a:rPr>
               <a:t>Most devices support setting some form of password or PIN code so that if someone steals the device, they would need to know the access code to use it.</a:t>
             </a:r>
           </a:p>
           <a:p>
-            <a:pPr algn="l"/>
-            <a:r>
-              <a:rPr lang="en-US" sz="1800" b="0" i="0" u="none" strike="noStrike" baseline="0" dirty="0">
+            <a:pPr algn="just"/>
+            <a:r>
+              <a:rPr lang="en-US" sz="3200" b="0" i="0" u="none" strike="noStrike" baseline="0" dirty="0">
                 <a:latin typeface="WarnockPro-Regular"/>
               </a:rPr>
               <a:t> Most mobile devices such as iPhones and Androids support locking the device after a certain period of nonuse (known as autolocking).</a:t>
             </a:r>
           </a:p>
           <a:p>
-            <a:pPr algn="l"/>
-            <a:r>
-              <a:rPr lang="en-US" sz="1800" b="0" i="0" u="none" strike="noStrike" baseline="0" dirty="0">
+            <a:pPr algn="just"/>
+            <a:r>
+              <a:rPr lang="en-US" sz="3200" b="0" i="0" u="none" strike="noStrike" baseline="0" dirty="0">
                 <a:latin typeface="WarnockPro-Regular"/>
               </a:rPr>
               <a:t> This locking feature means that if the device is lost or stolen, someone who finds or steals the device will need to know the unlock code to access it. </a:t>
             </a:r>
           </a:p>
           <a:p>
-            <a:pPr algn="l"/>
-            <a:r>
-              <a:rPr lang="en-US" sz="1800" b="0" i="0" u="none" strike="noStrike" baseline="0" dirty="0">
+            <a:pPr algn="just"/>
+            <a:r>
+              <a:rPr lang="en-US" sz="3200" b="0" i="0" u="none" strike="noStrike" baseline="0" dirty="0">
                 <a:latin typeface="WarnockPro-Regular"/>
               </a:rPr>
               <a:t>You may also want to enable any device-tracking features the device may support so that you can locate the device if it is lost or stolen.</a:t>
             </a:r>
-          </a:p>
-          <a:p>
-            <a:pPr algn="l"/>
-            <a:r>
-              <a:rPr lang="en-US" sz="1800" b="0" i="0" u="none" strike="noStrike" baseline="0" dirty="0">
-                <a:solidFill>
-                  <a:srgbClr val="FF0000"/>
-                </a:solidFill>
-                <a:latin typeface="WarnockPro-Regular"/>
-              </a:rPr>
-              <a:t>When it comes to laptops, be sure to set a BIOS power-on password on the device and also to change the boot order on the laptop so that someone cannot boot from CD-ROM and install their own operating system if they steal the device.</a:t>
-            </a:r>
-          </a:p>
-          <a:p>
-            <a:pPr algn="l"/>
-            <a:r>
-              <a:rPr lang="en-US" sz="1800" b="0" i="0" u="none" strike="noStrike" baseline="0" dirty="0">
-                <a:solidFill>
-                  <a:srgbClr val="FF0000"/>
-                </a:solidFill>
-                <a:latin typeface="WarnockPro-Regular"/>
-              </a:rPr>
-              <a:t> Be sure to set the BIOS admin password so that someone cannot go into the BIOS and make changes such as altering the boot order.</a:t>
-            </a:r>
-          </a:p>
-          <a:p>
-            <a:pPr algn="l"/>
-            <a:r>
-              <a:rPr lang="en-US" sz="1800" b="0" i="0" u="none" strike="noStrike" baseline="0" dirty="0">
-                <a:solidFill>
-                  <a:srgbClr val="FF0000"/>
-                </a:solidFill>
-                <a:latin typeface="WarnockPro-Regular"/>
-              </a:rPr>
-              <a:t>If you cannot set a boot password in the BIOS, consider full drive encryption with a tool such as BitLocker, which is a drive encryption feature built into Windows</a:t>
-            </a:r>
-            <a:endParaRPr lang="en-US" dirty="0">
-              <a:solidFill>
-                <a:srgbClr val="FF0000"/>
-              </a:solidFill>
-            </a:endParaRPr>
           </a:p>
         </p:txBody>
       </p:sp>
@@ -14061,10 +13850,15 @@
             <p:ph idx="1"/>
           </p:nvPr>
         </p:nvSpPr>
-        <p:spPr/>
+        <p:spPr>
+          <a:xfrm>
+            <a:off x="838200" y="1825625"/>
+            <a:ext cx="10515600" cy="4667250"/>
+          </a:xfrm>
+        </p:spPr>
         <p:txBody>
           <a:bodyPr>
-            <a:normAutofit lnSpcReduction="10000"/>
+            <a:normAutofit/>
           </a:bodyPr>
           <a:lstStyle/>
           <a:p>
@@ -14073,10 +13867,20 @@
             </a:pPr>
             <a:r>
               <a:rPr lang="en-US" b="1" dirty="0"/>
-              <a:t>1. Identification</a:t>
-            </a:r>
-            <a:r>
-              <a:rPr lang="en-US" dirty="0"/>
+              <a:t>1</a:t>
+            </a:r>
+            <a:r>
+              <a:rPr lang="en-US" b="1" dirty="0">
+                <a:latin typeface="Arial" panose="020B0604020202020204" pitchFamily="34" charset="0"/>
+                <a:cs typeface="Arial" panose="020B0604020202020204" pitchFamily="34" charset="0"/>
+              </a:rPr>
+              <a:t>. Identification</a:t>
+            </a:r>
+            <a:r>
+              <a:rPr lang="en-US" dirty="0">
+                <a:latin typeface="Arial" panose="020B0604020202020204" pitchFamily="34" charset="0"/>
+                <a:cs typeface="Arial" panose="020B0604020202020204" pitchFamily="34" charset="0"/>
+              </a:rPr>
               <a:t>:</a:t>
             </a:r>
           </a:p>
@@ -14348,10 +14152,10 @@
       </p:grpSpPr>
       <p:sp>
         <p:nvSpPr>
-          <p:cNvPr id="2" name="Title 1">
-            <a:extLst>
-              <a:ext uri="{FF2B5EF4-FFF2-40B4-BE49-F238E27FC236}">
-                <a16:creationId xmlns:a16="http://schemas.microsoft.com/office/drawing/2014/main" id="{1E96F5F4-BF1F-9663-3F2E-35AC6EB9F48B}"/>
+          <p:cNvPr id="3" name="Content Placeholder 2">
+            <a:extLst>
+              <a:ext uri="{FF2B5EF4-FFF2-40B4-BE49-F238E27FC236}">
+                <a16:creationId xmlns:a16="http://schemas.microsoft.com/office/drawing/2014/main" id="{F1280F0E-77A5-4229-BFF5-5D21302238B6}"/>
               </a:ext>
             </a:extLst>
           </p:cNvPr>
@@ -14359,116 +14163,71 @@
             <a:spLocks noGrp="1"/>
           </p:cNvSpPr>
           <p:nvPr>
-            <p:ph type="title"/>
-          </p:nvPr>
-        </p:nvSpPr>
-        <p:spPr/>
-        <p:txBody>
-          <a:bodyPr/>
-          <a:lstStyle/>
-          <a:p>
-            <a:r>
-              <a:rPr lang="en-US" dirty="0"/>
-              <a:t>Data Encryption</a:t>
-            </a:r>
-          </a:p>
-        </p:txBody>
-      </p:sp>
-      <p:sp>
-        <p:nvSpPr>
-          <p:cNvPr id="3" name="Content Placeholder 2">
-            <a:extLst>
-              <a:ext uri="{FF2B5EF4-FFF2-40B4-BE49-F238E27FC236}">
-                <a16:creationId xmlns:a16="http://schemas.microsoft.com/office/drawing/2014/main" id="{A3E53E78-1795-D32D-E56C-AA4D9EF243D8}"/>
-              </a:ext>
-            </a:extLst>
-          </p:cNvPr>
-          <p:cNvSpPr>
-            <a:spLocks noGrp="1"/>
-          </p:cNvSpPr>
-          <p:nvPr>
             <p:ph idx="1"/>
           </p:nvPr>
         </p:nvSpPr>
-        <p:spPr/>
-        <p:txBody>
-          <a:bodyPr/>
-          <a:lstStyle/>
-          <a:p>
-            <a:pPr algn="l"/>
-            <a:r>
-              <a:rPr lang="en-US" sz="1800" b="0" i="0" u="none" strike="noStrike" baseline="0" dirty="0">
+        <p:spPr>
+          <a:xfrm>
+            <a:off x="419558" y="492583"/>
+            <a:ext cx="11258321" cy="6073469"/>
+          </a:xfrm>
+        </p:spPr>
+        <p:txBody>
+          <a:bodyPr>
+            <a:normAutofit/>
+          </a:bodyPr>
+          <a:lstStyle/>
+          <a:p>
+            <a:pPr algn="just"/>
+            <a:r>
+              <a:rPr lang="en-US" sz="3600" b="0" i="0" u="none" strike="noStrike" baseline="0" dirty="0">
+                <a:solidFill>
+                  <a:srgbClr val="FF0000"/>
+                </a:solidFill>
                 <a:latin typeface="WarnockPro-Regular"/>
               </a:rPr>
-              <a:t> </a:t>
-            </a:r>
-            <a:r>
-              <a:rPr lang="en-US" sz="1800" dirty="0">
+              <a:t>When it comes to laptops, be sure to set a BIOS power-on password on the device and also to change the boot order on the laptop so that someone cannot boot from CD-ROM and install their own operating system if they steal the device.</a:t>
+            </a:r>
+          </a:p>
+          <a:p>
+            <a:pPr algn="just"/>
+            <a:r>
+              <a:rPr lang="en-US" sz="3600" b="0" i="0" u="none" strike="noStrike" baseline="0" dirty="0">
+                <a:solidFill>
+                  <a:srgbClr val="FF0000"/>
+                </a:solidFill>
                 <a:latin typeface="WarnockPro-Regular"/>
               </a:rPr>
-              <a:t>I</a:t>
-            </a:r>
-            <a:r>
-              <a:rPr lang="en-US" sz="1800" b="0" i="0" u="none" strike="noStrike" baseline="0" dirty="0">
+              <a:t> Be sure to set the BIOS admin password so that someone cannot go into the BIOS and make changes such as altering the boot order.</a:t>
+            </a:r>
+          </a:p>
+          <a:p>
+            <a:pPr algn="just"/>
+            <a:r>
+              <a:rPr lang="en-US" sz="3600" b="0" i="0" u="none" strike="noStrike" baseline="0" dirty="0">
+                <a:solidFill>
+                  <a:srgbClr val="FF0000"/>
+                </a:solidFill>
                 <a:latin typeface="WarnockPro-Regular"/>
               </a:rPr>
-              <a:t>t is important to note  that a big step to protect your confidential data on a laptop or mobile device is to encrypt that data in case the device is lost or stolen.</a:t>
-            </a:r>
-          </a:p>
-          <a:p>
-            <a:pPr algn="l"/>
-            <a:r>
-              <a:rPr lang="en-US" sz="1800" b="0" i="0" u="none" strike="noStrike" baseline="0" dirty="0">
-                <a:latin typeface="WarnockPro-Regular"/>
-              </a:rPr>
-              <a:t> If the data is encrypted, then you have ensured the safety of the company data even if your device has been lost or stolen.</a:t>
-            </a:r>
-          </a:p>
-          <a:p>
-            <a:pPr algn="l"/>
-            <a:r>
-              <a:rPr lang="en-US" sz="1800" b="0" i="0" u="none" strike="noStrike" baseline="0" dirty="0">
-                <a:latin typeface="WarnockPro-Regular"/>
-              </a:rPr>
-              <a:t> Again, a good example of a technology that could be used to encrypt the entire disk is BitLocker.</a:t>
-            </a:r>
-            <a:endParaRPr lang="en-US" dirty="0"/>
-          </a:p>
-        </p:txBody>
-      </p:sp>
-      <p:sp>
-        <p:nvSpPr>
-          <p:cNvPr id="4" name="Slide Number Placeholder 3">
-            <a:extLst>
-              <a:ext uri="{FF2B5EF4-FFF2-40B4-BE49-F238E27FC236}">
-                <a16:creationId xmlns:a16="http://schemas.microsoft.com/office/drawing/2014/main" id="{D711582A-ADD5-BCF2-239E-B395F48917ED}"/>
-              </a:ext>
-            </a:extLst>
-          </p:cNvPr>
-          <p:cNvSpPr>
-            <a:spLocks noGrp="1"/>
-          </p:cNvSpPr>
-          <p:nvPr>
-            <p:ph type="sldNum" sz="quarter" idx="12"/>
-          </p:nvPr>
-        </p:nvSpPr>
-        <p:spPr/>
-        <p:txBody>
-          <a:bodyPr/>
-          <a:lstStyle/>
-          <a:p>
-            <a:fld id="{3A86846E-68FB-4C71-8989-BC9D227DD11A}" type="slidenum">
-              <a:rPr lang="en-US" smtClean="0"/>
-              <a:t>40</a:t>
-            </a:fld>
-            <a:endParaRPr lang="en-US"/>
+              <a:t>If you cannot set a boot password in the BIOS, consider full drive encryption with a tool such as BitLocker, which is a drive encryption feature built into Windows</a:t>
+            </a:r>
+            <a:endParaRPr lang="en-US" sz="3600" dirty="0">
+              <a:solidFill>
+                <a:srgbClr val="FF0000"/>
+              </a:solidFill>
+            </a:endParaRPr>
+          </a:p>
+          <a:p>
+            <a:pPr algn="just"/>
+            <a:endParaRPr lang="en-US" sz="3600" dirty="0"/>
           </a:p>
         </p:txBody>
       </p:sp>
     </p:spTree>
     <p:extLst>
       <p:ext uri="{BB962C8B-B14F-4D97-AF65-F5344CB8AC3E}">
-        <p14:creationId xmlns:p14="http://schemas.microsoft.com/office/powerpoint/2010/main" val="2832878805"/>
+        <p14:creationId xmlns:p14="http://schemas.microsoft.com/office/powerpoint/2010/main" val="2355941627"/>
       </p:ext>
     </p:extLst>
   </p:cSld>
@@ -14500,7 +14259,7 @@
           <p:cNvPr id="2" name="Title 1">
             <a:extLst>
               <a:ext uri="{FF2B5EF4-FFF2-40B4-BE49-F238E27FC236}">
-                <a16:creationId xmlns:a16="http://schemas.microsoft.com/office/drawing/2014/main" id="{B17FE224-2A67-46A6-FD44-6F88ABEE7422}"/>
+                <a16:creationId xmlns:a16="http://schemas.microsoft.com/office/drawing/2014/main" id="{1E96F5F4-BF1F-9663-3F2E-35AC6EB9F48B}"/>
               </a:ext>
             </a:extLst>
           </p:cNvPr>
@@ -14518,7 +14277,7 @@
           <a:p>
             <a:r>
               <a:rPr lang="en-US" dirty="0"/>
-              <a:t>Human Error</a:t>
+              <a:t>Data Encryption</a:t>
             </a:r>
           </a:p>
         </p:txBody>
@@ -14528,7 +14287,7 @@
           <p:cNvPr id="3" name="Content Placeholder 2">
             <a:extLst>
               <a:ext uri="{FF2B5EF4-FFF2-40B4-BE49-F238E27FC236}">
-                <a16:creationId xmlns:a16="http://schemas.microsoft.com/office/drawing/2014/main" id="{1665ADA7-47C1-82C7-243D-23F3BC788837}"/>
+                <a16:creationId xmlns:a16="http://schemas.microsoft.com/office/drawing/2014/main" id="{A3E53E78-1795-D32D-E56C-AA4D9EF243D8}"/>
               </a:ext>
             </a:extLst>
           </p:cNvPr>
@@ -14541,77 +14300,49 @@
         </p:nvSpPr>
         <p:spPr/>
         <p:txBody>
-          <a:bodyPr/>
-          <a:lstStyle/>
-          <a:p>
-            <a:pPr algn="l"/>
-            <a:r>
-              <a:rPr lang="en-US" sz="1800" b="0" i="0" u="none" strike="noStrike" baseline="0" dirty="0">
+          <a:bodyPr>
+            <a:normAutofit/>
+          </a:bodyPr>
+          <a:lstStyle/>
+          <a:p>
+            <a:pPr algn="just"/>
+            <a:r>
+              <a:rPr lang="en-US" sz="3200" b="0" i="0" u="none" strike="noStrike" baseline="0" dirty="0">
                 <a:latin typeface="WarnockPro-Regular"/>
               </a:rPr>
-              <a:t>Another important physical security threat against systems that you should be aware of is human error.</a:t>
-            </a:r>
-          </a:p>
-          <a:p>
-            <a:pPr algn="l"/>
-            <a:r>
-              <a:rPr lang="en-US" sz="1800" b="0" i="0" u="none" strike="noStrike" baseline="0" dirty="0">
+              <a:t> </a:t>
+            </a:r>
+            <a:r>
+              <a:rPr lang="en-US" sz="3200" dirty="0">
                 <a:latin typeface="WarnockPro-Regular"/>
               </a:rPr>
-              <a:t> For example, an employee trying to perform an upgrade to a system— maybe adding memory or replacing a hard drive—could fry the motherboard of the system through </a:t>
-            </a:r>
-            <a:r>
-              <a:rPr lang="en-US" sz="1800" b="0" i="1" u="none" strike="noStrike" baseline="0" dirty="0">
-                <a:latin typeface="WarnockPro-It"/>
-              </a:rPr>
-              <a:t>electrostatic discharge (ESD).</a:t>
-            </a:r>
-          </a:p>
-          <a:p>
-            <a:pPr algn="l"/>
-            <a:r>
-              <a:rPr lang="en-US" sz="1800" b="0" i="1" u="none" strike="noStrike" baseline="0" dirty="0">
-                <a:latin typeface="WarnockPro-It"/>
-              </a:rPr>
-              <a:t> </a:t>
-            </a:r>
-            <a:r>
-              <a:rPr lang="en-US" sz="1800" b="0" i="0" u="none" strike="noStrike" baseline="0" dirty="0">
+              <a:t>I</a:t>
+            </a:r>
+            <a:r>
+              <a:rPr lang="en-US" sz="3200" b="0" i="0" u="none" strike="noStrike" baseline="0" dirty="0">
                 <a:latin typeface="WarnockPro-Regular"/>
               </a:rPr>
-              <a:t>ESD is the buildup of static electricity on yourself that is transferred to another object such as a computer component when you touch it. </a:t>
-            </a:r>
-          </a:p>
-          <a:p>
-            <a:pPr algn="l"/>
-            <a:r>
-              <a:rPr lang="en-US" sz="1800" b="0" i="0" u="none" strike="noStrike" baseline="0" dirty="0">
+              <a:t>t is important to note  that a big step to protect your confidential data on a laptop or mobile device is to encrypt that data in case the device is lost or stolen.</a:t>
+            </a:r>
+          </a:p>
+          <a:p>
+            <a:pPr algn="just"/>
+            <a:r>
+              <a:rPr lang="en-US" sz="3200" b="0" i="0" u="none" strike="noStrike" baseline="0" dirty="0">
                 <a:latin typeface="WarnockPro-Regular"/>
               </a:rPr>
-              <a:t>This</a:t>
-            </a:r>
-            <a:r>
-              <a:rPr lang="en-US" sz="1800" dirty="0">
+              <a:t> If the data is encrypted, then you have ensured the safety of the company data even if your device has been lost or stolen.</a:t>
+            </a:r>
+          </a:p>
+          <a:p>
+            <a:pPr algn="just"/>
+            <a:r>
+              <a:rPr lang="en-US" sz="3200" b="0" i="0" u="none" strike="noStrike" baseline="0" dirty="0">
                 <a:latin typeface="WarnockPro-Regular"/>
               </a:rPr>
-              <a:t> </a:t>
-            </a:r>
-            <a:r>
-              <a:rPr lang="en-US" sz="1800" b="0" i="0" u="none" strike="noStrike" baseline="0" dirty="0">
-                <a:latin typeface="WarnockPro-Regular"/>
-              </a:rPr>
-              <a:t>transfer of static electricity is enough to kill or seriously damage computer components.</a:t>
-            </a:r>
-          </a:p>
-          <a:p>
-            <a:pPr algn="l"/>
-            <a:r>
-              <a:rPr lang="en-US" sz="1800" b="0" i="0" u="none" strike="noStrike" baseline="0" dirty="0">
-                <a:latin typeface="WarnockPro-Regular"/>
-              </a:rPr>
-              <a:t>To prevent this type of situation, educate the desktop support team on ESD and on using an antistatic wrist strap in order to always ground themselves before servicing the systems.</a:t>
-            </a:r>
-            <a:endParaRPr lang="en-US" dirty="0"/>
+              <a:t> Again, a good example of a technology that could be used to encrypt the entire disk is BitLocker.</a:t>
+            </a:r>
+            <a:endParaRPr lang="en-US" sz="4400" dirty="0"/>
           </a:p>
         </p:txBody>
       </p:sp>
@@ -14620,7 +14351,7 @@
           <p:cNvPr id="4" name="Slide Number Placeholder 3">
             <a:extLst>
               <a:ext uri="{FF2B5EF4-FFF2-40B4-BE49-F238E27FC236}">
-                <a16:creationId xmlns:a16="http://schemas.microsoft.com/office/drawing/2014/main" id="{B3226AF9-F604-4CC6-E4EE-D6A889C6E39E}"/>
+                <a16:creationId xmlns:a16="http://schemas.microsoft.com/office/drawing/2014/main" id="{D711582A-ADD5-BCF2-239E-B395F48917ED}"/>
               </a:ext>
             </a:extLst>
           </p:cNvPr>
@@ -14647,7 +14378,7 @@
     </p:spTree>
     <p:extLst>
       <p:ext uri="{BB962C8B-B14F-4D97-AF65-F5344CB8AC3E}">
-        <p14:creationId xmlns:p14="http://schemas.microsoft.com/office/powerpoint/2010/main" val="3018524767"/>
+        <p14:creationId xmlns:p14="http://schemas.microsoft.com/office/powerpoint/2010/main" val="2832878805"/>
       </p:ext>
     </p:extLst>
   </p:cSld>
@@ -14679,7 +14410,7 @@
           <p:cNvPr id="2" name="Title 1">
             <a:extLst>
               <a:ext uri="{FF2B5EF4-FFF2-40B4-BE49-F238E27FC236}">
-                <a16:creationId xmlns:a16="http://schemas.microsoft.com/office/drawing/2014/main" id="{185225DE-DE89-024A-7237-F0A2D0E01B51}"/>
+                <a16:creationId xmlns:a16="http://schemas.microsoft.com/office/drawing/2014/main" id="{B17FE224-2A67-46A6-FD44-6F88ABEE7422}"/>
               </a:ext>
             </a:extLst>
           </p:cNvPr>
@@ -14690,14 +14421,19 @@
             <p:ph type="title"/>
           </p:nvPr>
         </p:nvSpPr>
-        <p:spPr/>
+        <p:spPr>
+          <a:xfrm>
+            <a:off x="838200" y="0"/>
+            <a:ext cx="10515600" cy="1325563"/>
+          </a:xfrm>
+        </p:spPr>
         <p:txBody>
           <a:bodyPr/>
           <a:lstStyle/>
           <a:p>
             <a:r>
               <a:rPr lang="en-US" dirty="0"/>
-              <a:t>Sabotage</a:t>
+              <a:t>Human Error</a:t>
             </a:r>
           </a:p>
         </p:txBody>
@@ -14707,7 +14443,7 @@
           <p:cNvPr id="3" name="Content Placeholder 2">
             <a:extLst>
               <a:ext uri="{FF2B5EF4-FFF2-40B4-BE49-F238E27FC236}">
-                <a16:creationId xmlns:a16="http://schemas.microsoft.com/office/drawing/2014/main" id="{411CE314-C779-D5C9-6B38-E4E8494A1E7C}"/>
+                <a16:creationId xmlns:a16="http://schemas.microsoft.com/office/drawing/2014/main" id="{1665ADA7-47C1-82C7-243D-23F3BC788837}"/>
               </a:ext>
             </a:extLst>
           </p:cNvPr>
@@ -14718,58 +14454,86 @@
             <p:ph idx="1"/>
           </p:nvPr>
         </p:nvSpPr>
-        <p:spPr/>
-        <p:txBody>
-          <a:bodyPr/>
-          <a:lstStyle/>
-          <a:p>
-            <a:pPr algn="l"/>
-            <a:r>
-              <a:rPr lang="en-US" sz="1800" b="0" i="0" u="none" strike="noStrike" baseline="0" dirty="0">
+        <p:spPr>
+          <a:xfrm>
+            <a:off x="364474" y="1120546"/>
+            <a:ext cx="11346456" cy="5335338"/>
+          </a:xfrm>
+        </p:spPr>
+        <p:txBody>
+          <a:bodyPr>
+            <a:normAutofit/>
+          </a:bodyPr>
+          <a:lstStyle/>
+          <a:p>
+            <a:pPr algn="just"/>
+            <a:r>
+              <a:rPr lang="en-US" b="0" i="0" u="none" strike="noStrike" baseline="0" dirty="0">
                 <a:latin typeface="WarnockPro-Regular"/>
               </a:rPr>
-              <a:t>Another common threat against systems is sabotage, which is typically, but not always, the result of a disgruntled employee.</a:t>
-            </a:r>
-          </a:p>
-          <a:p>
-            <a:pPr algn="l"/>
-            <a:r>
-              <a:rPr lang="en-US" sz="1800" b="0" i="0" u="none" strike="noStrike" baseline="0" dirty="0">
+              <a:t>Another important physical security threat against systems that you should be aware of is human error.</a:t>
+            </a:r>
+          </a:p>
+          <a:p>
+            <a:pPr algn="just"/>
+            <a:r>
+              <a:rPr lang="en-US" b="0" i="0" u="none" strike="noStrike" baseline="0" dirty="0">
                 <a:latin typeface="WarnockPro-Regular"/>
               </a:rPr>
-              <a:t> It is important to identify situations where company assets are vulnerable to sabotage. </a:t>
-            </a:r>
-          </a:p>
-          <a:p>
-            <a:pPr algn="l"/>
-            <a:r>
-              <a:rPr lang="en-US" sz="1800" b="0" i="0" u="none" strike="noStrike" baseline="0" dirty="0">
+              <a:t> For example, an employee trying to perform an upgrade to a system— maybe adding memory or replacing a hard drive—could fry the motherboard of the system through </a:t>
+            </a:r>
+            <a:r>
+              <a:rPr lang="en-US" b="0" i="1" u="none" strike="noStrike" baseline="0" dirty="0">
+                <a:latin typeface="WarnockPro-It"/>
+              </a:rPr>
+              <a:t>electrostatic discharge (ESD).</a:t>
+            </a:r>
+          </a:p>
+          <a:p>
+            <a:pPr algn="just"/>
+            <a:r>
+              <a:rPr lang="en-US" b="0" i="1" u="none" strike="noStrike" baseline="0" dirty="0">
+                <a:latin typeface="WarnockPro-It"/>
+              </a:rPr>
+              <a:t> </a:t>
+            </a:r>
+            <a:r>
+              <a:rPr lang="en-US" b="0" i="0" u="none" strike="noStrike" baseline="0" dirty="0">
                 <a:latin typeface="WarnockPro-Regular"/>
               </a:rPr>
-              <a:t>You need to identify systems that are susceptible to sabotage and be sure to have a recovery plan in place for those systems. </a:t>
-            </a:r>
-          </a:p>
-          <a:p>
-            <a:pPr algn="l"/>
-            <a:r>
-              <a:rPr lang="en-US" sz="1800" b="0" i="0" u="none" strike="noStrike" baseline="0" dirty="0">
+              <a:t>ESD is the buildup of static electricity on yourself that is transferred to another object such as a computer component when you touch it. </a:t>
+            </a:r>
+          </a:p>
+          <a:p>
+            <a:pPr algn="just"/>
+            <a:r>
+              <a:rPr lang="en-US" b="0" i="0" u="none" strike="noStrike" baseline="0" dirty="0">
                 <a:latin typeface="WarnockPro-Regular"/>
               </a:rPr>
-              <a:t>A </a:t>
-            </a:r>
-            <a:r>
-              <a:rPr lang="en-US" sz="1800" b="0" i="1" u="none" strike="noStrike" baseline="0" dirty="0">
-                <a:latin typeface="WarnockPro-It"/>
-              </a:rPr>
-              <a:t>recovery plan </a:t>
-            </a:r>
-            <a:r>
-              <a:rPr lang="en-US" sz="1800" b="0" i="0" u="none" strike="noStrike" baseline="0" dirty="0">
+              <a:t>This</a:t>
+            </a:r>
+            <a:r>
+              <a:rPr lang="en-US" dirty="0">
                 <a:latin typeface="WarnockPro-Regular"/>
               </a:rPr>
-              <a:t>involves step-by-step procedures to recover the system, but also ensures that you have adequate spare parts on the shelf in the server room.</a:t>
-            </a:r>
-            <a:endParaRPr lang="en-US" dirty="0"/>
+              <a:t> </a:t>
+            </a:r>
+            <a:r>
+              <a:rPr lang="en-US" b="0" i="0" u="none" strike="noStrike" baseline="0" dirty="0">
+                <a:latin typeface="WarnockPro-Regular"/>
+              </a:rPr>
+              <a:t>transfer of static electricity is enough to kill or seriously damage computer components.</a:t>
+            </a:r>
+          </a:p>
+          <a:p>
+            <a:pPr algn="just"/>
+            <a:r>
+              <a:rPr lang="en-US" b="0" i="0" u="none" strike="noStrike" baseline="0" dirty="0">
+                <a:latin typeface="WarnockPro-Regular"/>
+              </a:rPr>
+              <a:t>To prevent this type of situation, educate the desktop support team on ESD and on using an antistatic wrist strap in order to always ground themselves before servicing the systems.</a:t>
+            </a:r>
+            <a:endParaRPr lang="en-US" sz="4000" dirty="0"/>
           </a:p>
         </p:txBody>
       </p:sp>
@@ -14778,7 +14542,7 @@
           <p:cNvPr id="4" name="Slide Number Placeholder 3">
             <a:extLst>
               <a:ext uri="{FF2B5EF4-FFF2-40B4-BE49-F238E27FC236}">
-                <a16:creationId xmlns:a16="http://schemas.microsoft.com/office/drawing/2014/main" id="{4701CBB7-A301-437B-293D-98B90F86DA08}"/>
+                <a16:creationId xmlns:a16="http://schemas.microsoft.com/office/drawing/2014/main" id="{B3226AF9-F604-4CC6-E4EE-D6A889C6E39E}"/>
               </a:ext>
             </a:extLst>
           </p:cNvPr>
@@ -14797,6 +14561,166 @@
             <a:fld id="{3A86846E-68FB-4C71-8989-BC9D227DD11A}" type="slidenum">
               <a:rPr lang="en-US" smtClean="0"/>
               <a:t>42</a:t>
+            </a:fld>
+            <a:endParaRPr lang="en-US"/>
+          </a:p>
+        </p:txBody>
+      </p:sp>
+    </p:spTree>
+    <p:extLst>
+      <p:ext uri="{BB962C8B-B14F-4D97-AF65-F5344CB8AC3E}">
+        <p14:creationId xmlns:p14="http://schemas.microsoft.com/office/powerpoint/2010/main" val="3018524767"/>
+      </p:ext>
+    </p:extLst>
+  </p:cSld>
+  <p:clrMapOvr>
+    <a:masterClrMapping/>
+  </p:clrMapOvr>
+</p:sld>
+</file>
+
+<file path=ppt/slides/slide43.xml><?xml version="1.0" encoding="utf-8"?>
+<p:sld xmlns:a="http://schemas.openxmlformats.org/drawingml/2006/main" xmlns:r="http://schemas.openxmlformats.org/officeDocument/2006/relationships" xmlns:p="http://schemas.openxmlformats.org/presentationml/2006/main">
+  <p:cSld>
+    <p:spTree>
+      <p:nvGrpSpPr>
+        <p:cNvPr id="1" name=""/>
+        <p:cNvGrpSpPr/>
+        <p:nvPr/>
+      </p:nvGrpSpPr>
+      <p:grpSpPr>
+        <a:xfrm>
+          <a:off x="0" y="0"/>
+          <a:ext cx="0" cy="0"/>
+          <a:chOff x="0" y="0"/>
+          <a:chExt cx="0" cy="0"/>
+        </a:xfrm>
+      </p:grpSpPr>
+      <p:sp>
+        <p:nvSpPr>
+          <p:cNvPr id="2" name="Title 1">
+            <a:extLst>
+              <a:ext uri="{FF2B5EF4-FFF2-40B4-BE49-F238E27FC236}">
+                <a16:creationId xmlns:a16="http://schemas.microsoft.com/office/drawing/2014/main" id="{185225DE-DE89-024A-7237-F0A2D0E01B51}"/>
+              </a:ext>
+            </a:extLst>
+          </p:cNvPr>
+          <p:cNvSpPr>
+            <a:spLocks noGrp="1"/>
+          </p:cNvSpPr>
+          <p:nvPr>
+            <p:ph type="title"/>
+          </p:nvPr>
+        </p:nvSpPr>
+        <p:spPr/>
+        <p:txBody>
+          <a:bodyPr/>
+          <a:lstStyle/>
+          <a:p>
+            <a:r>
+              <a:rPr lang="en-US" dirty="0"/>
+              <a:t>Sabotage</a:t>
+            </a:r>
+          </a:p>
+        </p:txBody>
+      </p:sp>
+      <p:sp>
+        <p:nvSpPr>
+          <p:cNvPr id="3" name="Content Placeholder 2">
+            <a:extLst>
+              <a:ext uri="{FF2B5EF4-FFF2-40B4-BE49-F238E27FC236}">
+                <a16:creationId xmlns:a16="http://schemas.microsoft.com/office/drawing/2014/main" id="{411CE314-C779-D5C9-6B38-E4E8494A1E7C}"/>
+              </a:ext>
+            </a:extLst>
+          </p:cNvPr>
+          <p:cNvSpPr>
+            <a:spLocks noGrp="1"/>
+          </p:cNvSpPr>
+          <p:nvPr>
+            <p:ph idx="1"/>
+          </p:nvPr>
+        </p:nvSpPr>
+        <p:spPr/>
+        <p:txBody>
+          <a:bodyPr>
+            <a:normAutofit fontScale="92500"/>
+          </a:bodyPr>
+          <a:lstStyle/>
+          <a:p>
+            <a:pPr algn="just"/>
+            <a:r>
+              <a:rPr lang="en-US" sz="3200" b="0" i="0" u="none" strike="noStrike" baseline="0" dirty="0">
+                <a:latin typeface="WarnockPro-Regular"/>
+              </a:rPr>
+              <a:t>Another common threat against systems is sabotage, which is typically, but not always, the result of a disgruntled employee.</a:t>
+            </a:r>
+          </a:p>
+          <a:p>
+            <a:pPr algn="just"/>
+            <a:r>
+              <a:rPr lang="en-US" sz="3200" b="0" i="0" u="none" strike="noStrike" baseline="0" dirty="0">
+                <a:latin typeface="WarnockPro-Regular"/>
+              </a:rPr>
+              <a:t> It is important to identify situations where company assets are vulnerable to sabotage. </a:t>
+            </a:r>
+          </a:p>
+          <a:p>
+            <a:pPr algn="just"/>
+            <a:r>
+              <a:rPr lang="en-US" sz="3200" b="0" i="0" u="none" strike="noStrike" baseline="0" dirty="0">
+                <a:latin typeface="WarnockPro-Regular"/>
+              </a:rPr>
+              <a:t>You need to identify systems that are susceptible to sabotage and be sure to have a recovery plan in place for those systems. </a:t>
+            </a:r>
+          </a:p>
+          <a:p>
+            <a:pPr algn="just"/>
+            <a:r>
+              <a:rPr lang="en-US" sz="3200" b="0" i="0" u="none" strike="noStrike" baseline="0" dirty="0">
+                <a:latin typeface="WarnockPro-Regular"/>
+              </a:rPr>
+              <a:t>A </a:t>
+            </a:r>
+            <a:r>
+              <a:rPr lang="en-US" sz="3200" b="0" i="1" u="none" strike="noStrike" baseline="0" dirty="0">
+                <a:latin typeface="WarnockPro-It"/>
+              </a:rPr>
+              <a:t>recovery plan </a:t>
+            </a:r>
+            <a:r>
+              <a:rPr lang="en-US" sz="3200" b="0" i="0" u="none" strike="noStrike" baseline="0" dirty="0">
+                <a:latin typeface="WarnockPro-Regular"/>
+              </a:rPr>
+              <a:t>involves step-by-step procedures to recover the system, but also ensures that you have adequate spare parts on the shelf in the server room.</a:t>
+            </a:r>
+            <a:endParaRPr lang="en-US" sz="4400" dirty="0"/>
+          </a:p>
+        </p:txBody>
+      </p:sp>
+      <p:sp>
+        <p:nvSpPr>
+          <p:cNvPr id="4" name="Slide Number Placeholder 3">
+            <a:extLst>
+              <a:ext uri="{FF2B5EF4-FFF2-40B4-BE49-F238E27FC236}">
+                <a16:creationId xmlns:a16="http://schemas.microsoft.com/office/drawing/2014/main" id="{4701CBB7-A301-437B-293D-98B90F86DA08}"/>
+              </a:ext>
+            </a:extLst>
+          </p:cNvPr>
+          <p:cNvSpPr>
+            <a:spLocks noGrp="1"/>
+          </p:cNvSpPr>
+          <p:nvPr>
+            <p:ph type="sldNum" sz="quarter" idx="12"/>
+          </p:nvPr>
+        </p:nvSpPr>
+        <p:spPr/>
+        <p:txBody>
+          <a:bodyPr/>
+          <a:lstStyle/>
+          <a:p>
+            <a:fld id="{3A86846E-68FB-4C71-8989-BC9D227DD11A}" type="slidenum">
+              <a:rPr lang="en-US" smtClean="0"/>
+              <a:t>43</a:t>
             </a:fld>
             <a:endParaRPr lang="en-US"/>
           </a:p>
@@ -14815,7 +14739,7 @@
 </p:sld>
 </file>
 
-<file path=ppt/slides/slide43.xml><?xml version="1.0" encoding="utf-8"?>
+<file path=ppt/slides/slide44.xml><?xml version="1.0" encoding="utf-8"?>
 <p:sld xmlns:a="http://schemas.openxmlformats.org/drawingml/2006/main" xmlns:r="http://schemas.openxmlformats.org/officeDocument/2006/relationships" xmlns:p="http://schemas.openxmlformats.org/presentationml/2006/main">
   <p:cSld>
     <p:bg>
@@ -15474,7 +15398,7 @@
                   <a:spcPts val="600"/>
                 </a:spcAft>
               </a:pPr>
-              <a:t>43</a:t>
+              <a:t>44</a:t>
             </a:fld>
             <a:endParaRPr lang="en-US" sz="1100">
               <a:solidFill>
@@ -15488,153 +15412,6 @@
     <p:extLst>
       <p:ext uri="{BB962C8B-B14F-4D97-AF65-F5344CB8AC3E}">
         <p14:creationId xmlns:p14="http://schemas.microsoft.com/office/powerpoint/2010/main" val="4170243826"/>
-      </p:ext>
-    </p:extLst>
-  </p:cSld>
-  <p:clrMapOvr>
-    <a:masterClrMapping/>
-  </p:clrMapOvr>
-</p:sld>
-</file>
-
-<file path=ppt/slides/slide44.xml><?xml version="1.0" encoding="utf-8"?>
-<p:sld xmlns:a="http://schemas.openxmlformats.org/drawingml/2006/main" xmlns:r="http://schemas.openxmlformats.org/officeDocument/2006/relationships" xmlns:p="http://schemas.openxmlformats.org/presentationml/2006/main">
-  <p:cSld>
-    <p:spTree>
-      <p:nvGrpSpPr>
-        <p:cNvPr id="1" name=""/>
-        <p:cNvGrpSpPr/>
-        <p:nvPr/>
-      </p:nvGrpSpPr>
-      <p:grpSpPr>
-        <a:xfrm>
-          <a:off x="0" y="0"/>
-          <a:ext cx="0" cy="0"/>
-          <a:chOff x="0" y="0"/>
-          <a:chExt cx="0" cy="0"/>
-        </a:xfrm>
-      </p:grpSpPr>
-      <p:sp>
-        <p:nvSpPr>
-          <p:cNvPr id="2" name="Title 1">
-            <a:extLst>
-              <a:ext uri="{FF2B5EF4-FFF2-40B4-BE49-F238E27FC236}">
-                <a16:creationId xmlns:a16="http://schemas.microsoft.com/office/drawing/2014/main" id="{E20FA08A-B2CF-AAD1-ADA6-86918405C95A}"/>
-              </a:ext>
-            </a:extLst>
-          </p:cNvPr>
-          <p:cNvSpPr>
-            <a:spLocks noGrp="1"/>
-          </p:cNvSpPr>
-          <p:nvPr>
-            <p:ph type="title"/>
-          </p:nvPr>
-        </p:nvSpPr>
-        <p:spPr/>
-        <p:txBody>
-          <a:bodyPr/>
-          <a:lstStyle/>
-          <a:p>
-            <a:r>
-              <a:rPr lang="en-US" dirty="0"/>
-              <a:t>Overview</a:t>
-            </a:r>
-          </a:p>
-        </p:txBody>
-      </p:sp>
-      <p:sp>
-        <p:nvSpPr>
-          <p:cNvPr id="3" name="Content Placeholder 2">
-            <a:extLst>
-              <a:ext uri="{FF2B5EF4-FFF2-40B4-BE49-F238E27FC236}">
-                <a16:creationId xmlns:a16="http://schemas.microsoft.com/office/drawing/2014/main" id="{6AC6D268-173F-A74F-42C5-55222AE258BD}"/>
-              </a:ext>
-            </a:extLst>
-          </p:cNvPr>
-          <p:cNvSpPr>
-            <a:spLocks noGrp="1"/>
-          </p:cNvSpPr>
-          <p:nvPr>
-            <p:ph idx="1"/>
-          </p:nvPr>
-        </p:nvSpPr>
-        <p:spPr/>
-        <p:txBody>
-          <a:bodyPr>
-            <a:normAutofit fontScale="77500" lnSpcReduction="20000"/>
-          </a:bodyPr>
-          <a:lstStyle/>
-          <a:p>
-            <a:r>
-              <a:rPr lang="en-US" dirty="0"/>
-              <a:t>Vulnerability management life cycle starts by defining the effectiveness of the current security policies and procedures.</a:t>
-            </a:r>
-          </a:p>
-          <a:p>
-            <a:r>
-              <a:rPr lang="en-US" dirty="0"/>
-              <a:t> If a company has already set up an information security management system, it is important to establish any risks that may be associated with the implementation of current security procedures and what may have been overlooked. </a:t>
-            </a:r>
-          </a:p>
-          <a:p>
-            <a:r>
-              <a:rPr lang="en-US" dirty="0"/>
-              <a:t>Try to see what the organization looks like from an outsider’s perspective, as well as from an insider’s standpoint.</a:t>
-            </a:r>
-          </a:p>
-          <a:p>
-            <a:r>
-              <a:rPr lang="en-US" dirty="0"/>
-              <a:t> Work with management to set goals with start dates and end dates.</a:t>
-            </a:r>
-          </a:p>
-          <a:p>
-            <a:r>
-              <a:rPr lang="en-US" dirty="0"/>
-              <a:t> Determine which systems to begin with, set up testing standards, get approval in writing form, and keep management informed on the progress: what you are doing, how you will do it, and the timing for each phase of the project.</a:t>
-            </a:r>
-          </a:p>
-          <a:p>
-            <a:r>
-              <a:rPr lang="en-US" dirty="0"/>
-              <a:t> The following steps describe the vulnerability management life cycle that security professionals use to find and remediate security weakness before any attack and/ or implement security controls.</a:t>
-            </a:r>
-          </a:p>
-        </p:txBody>
-      </p:sp>
-      <p:sp>
-        <p:nvSpPr>
-          <p:cNvPr id="4" name="Slide Number Placeholder 3">
-            <a:extLst>
-              <a:ext uri="{FF2B5EF4-FFF2-40B4-BE49-F238E27FC236}">
-                <a16:creationId xmlns:a16="http://schemas.microsoft.com/office/drawing/2014/main" id="{348B8509-CB60-080C-1CFA-F11E1BAD5A29}"/>
-              </a:ext>
-            </a:extLst>
-          </p:cNvPr>
-          <p:cNvSpPr>
-            <a:spLocks noGrp="1"/>
-          </p:cNvSpPr>
-          <p:nvPr>
-            <p:ph type="sldNum" sz="quarter" idx="12"/>
-          </p:nvPr>
-        </p:nvSpPr>
-        <p:spPr/>
-        <p:txBody>
-          <a:bodyPr/>
-          <a:lstStyle/>
-          <a:p>
-            <a:fld id="{3A86846E-68FB-4C71-8989-BC9D227DD11A}" type="slidenum">
-              <a:rPr lang="en-US" smtClean="0"/>
-              <a:t>44</a:t>
-            </a:fld>
-            <a:endParaRPr lang="en-US"/>
-          </a:p>
-        </p:txBody>
-      </p:sp>
-    </p:spTree>
-    <p:extLst>
-      <p:ext uri="{BB962C8B-B14F-4D97-AF65-F5344CB8AC3E}">
-        <p14:creationId xmlns:p14="http://schemas.microsoft.com/office/powerpoint/2010/main" val="1599427579"/>
       </p:ext>
     </p:extLst>
   </p:cSld>
@@ -15663,10 +15440,10 @@
       </p:grpSpPr>
       <p:sp>
         <p:nvSpPr>
-          <p:cNvPr id="4" name="Title 3">
-            <a:extLst>
-              <a:ext uri="{FF2B5EF4-FFF2-40B4-BE49-F238E27FC236}">
-                <a16:creationId xmlns:a16="http://schemas.microsoft.com/office/drawing/2014/main" id="{18E9EBAB-9CD8-A1F4-D2E8-C4E792A1FB2D}"/>
+          <p:cNvPr id="2" name="Title 1">
+            <a:extLst>
+              <a:ext uri="{FF2B5EF4-FFF2-40B4-BE49-F238E27FC236}">
+                <a16:creationId xmlns:a16="http://schemas.microsoft.com/office/drawing/2014/main" id="{E20FA08A-B2CF-AAD1-ADA6-86918405C95A}"/>
               </a:ext>
             </a:extLst>
           </p:cNvPr>
@@ -15677,21 +15454,29 @@
             <p:ph type="title"/>
           </p:nvPr>
         </p:nvSpPr>
-        <p:spPr/>
+        <p:spPr>
+          <a:xfrm>
+            <a:off x="838200" y="0"/>
+            <a:ext cx="10515600" cy="1325563"/>
+          </a:xfrm>
+        </p:spPr>
         <p:txBody>
           <a:bodyPr/>
           <a:lstStyle/>
           <a:p>
-            <a:endParaRPr lang="en-US"/>
-          </a:p>
-        </p:txBody>
-      </p:sp>
-      <p:sp>
-        <p:nvSpPr>
-          <p:cNvPr id="5" name="Content Placeholder 4">
-            <a:extLst>
-              <a:ext uri="{FF2B5EF4-FFF2-40B4-BE49-F238E27FC236}">
-                <a16:creationId xmlns:a16="http://schemas.microsoft.com/office/drawing/2014/main" id="{175197A1-0719-6C01-3242-CCA528ABC0CD}"/>
+            <a:r>
+              <a:rPr lang="en-US" dirty="0"/>
+              <a:t>Overview</a:t>
+            </a:r>
+          </a:p>
+        </p:txBody>
+      </p:sp>
+      <p:sp>
+        <p:nvSpPr>
+          <p:cNvPr id="3" name="Content Placeholder 2">
+            <a:extLst>
+              <a:ext uri="{FF2B5EF4-FFF2-40B4-BE49-F238E27FC236}">
+                <a16:creationId xmlns:a16="http://schemas.microsoft.com/office/drawing/2014/main" id="{6AC6D268-173F-A74F-42C5-55222AE258BD}"/>
               </a:ext>
             </a:extLst>
           </p:cNvPr>
@@ -15699,108 +15484,70 @@
             <a:spLocks noGrp="1"/>
           </p:cNvSpPr>
           <p:nvPr>
-            <p:ph sz="half" idx="1"/>
-          </p:nvPr>
-        </p:nvSpPr>
-        <p:spPr/>
+            <p:ph idx="1"/>
+          </p:nvPr>
+        </p:nvSpPr>
+        <p:spPr>
+          <a:xfrm>
+            <a:off x="430575" y="1120544"/>
+            <a:ext cx="11269338" cy="5235805"/>
+          </a:xfrm>
+        </p:spPr>
         <p:txBody>
           <a:bodyPr>
             <a:normAutofit fontScale="92500" lnSpcReduction="20000"/>
           </a:bodyPr>
           <a:lstStyle/>
           <a:p>
-            <a:pPr marL="514350" indent="-514350">
-              <a:buAutoNum type="arabicPeriod"/>
-            </a:pPr>
-            <a:r>
-              <a:rPr lang="en-US" b="1" dirty="0"/>
-              <a:t>Creating Baseline</a:t>
-            </a:r>
-          </a:p>
-          <a:p>
-            <a:pPr lvl="1"/>
+            <a:pPr algn="just"/>
             <a:r>
               <a:rPr lang="en-US" dirty="0"/>
-              <a:t> In this phase, the following activities take place:</a:t>
-            </a:r>
-          </a:p>
-          <a:p>
-            <a:pPr marL="971550" lvl="1" indent="-514350">
-              <a:buFont typeface="+mj-lt"/>
-              <a:buAutoNum type="romanLcPeriod"/>
-            </a:pPr>
+              <a:t>Vulnerability management life cycle starts by defining the effectiveness of the current security policies and procedures.</a:t>
+            </a:r>
+          </a:p>
+          <a:p>
+            <a:pPr algn="just"/>
             <a:r>
               <a:rPr lang="en-US" dirty="0"/>
-              <a:t>Defining the effectiveness of the current security measures and procedures, </a:t>
-            </a:r>
-          </a:p>
-          <a:p>
-            <a:pPr marL="971550" lvl="1" indent="-514350">
-              <a:buFont typeface="+mj-lt"/>
-              <a:buAutoNum type="romanLcPeriod"/>
-            </a:pPr>
+              <a:t> If a company has already set up an information security management system, it is important to establish any risks that may be associated with the implementation of current security procedures and what may have been overlooked. </a:t>
+            </a:r>
+          </a:p>
+          <a:p>
+            <a:pPr algn="just"/>
             <a:r>
               <a:rPr lang="en-US" dirty="0"/>
-              <a:t>Ensuring that nothing in the scope of information security management system is overlooked,</a:t>
-            </a:r>
-          </a:p>
-          <a:p>
-            <a:pPr marL="971550" lvl="1" indent="-514350">
-              <a:buFont typeface="+mj-lt"/>
-              <a:buAutoNum type="romanLcPeriod"/>
-            </a:pPr>
+              <a:t>Try to see what the organization looks like from an outsider’s perspective, as well as from an insider’s standpoint.</a:t>
+            </a:r>
+          </a:p>
+          <a:p>
+            <a:pPr algn="just"/>
             <a:r>
               <a:rPr lang="en-US" dirty="0"/>
-              <a:t> Working with management to set goals with a timeframe to complete them,</a:t>
-            </a:r>
-          </a:p>
-          <a:p>
-            <a:pPr marL="971550" lvl="1" indent="-514350">
-              <a:buFont typeface="+mj-lt"/>
-              <a:buAutoNum type="romanLcPeriod"/>
-            </a:pPr>
+              <a:t> Work with management to set goals with start dates and end dates.</a:t>
+            </a:r>
+          </a:p>
+          <a:p>
+            <a:pPr algn="just"/>
             <a:r>
               <a:rPr lang="en-US" dirty="0"/>
-              <a:t> and getting written approval prior to beginning any assessment activity.</a:t>
-            </a:r>
-          </a:p>
-        </p:txBody>
-      </p:sp>
-      <p:pic>
-        <p:nvPicPr>
-          <p:cNvPr id="8" name="Content Placeholder 7">
-            <a:extLst>
-              <a:ext uri="{FF2B5EF4-FFF2-40B4-BE49-F238E27FC236}">
-                <a16:creationId xmlns:a16="http://schemas.microsoft.com/office/drawing/2014/main" id="{870B7089-31A1-93EC-3B34-F85827CC7EA7}"/>
-              </a:ext>
-            </a:extLst>
-          </p:cNvPr>
-          <p:cNvPicPr>
-            <a:picLocks noGrp="1" noChangeAspect="1"/>
-          </p:cNvPicPr>
-          <p:nvPr>
-            <p:ph sz="half" idx="2"/>
-          </p:nvPr>
-        </p:nvPicPr>
-        <p:blipFill>
-          <a:blip r:embed="rId2"/>
-          <a:stretch>
-            <a:fillRect/>
-          </a:stretch>
-        </p:blipFill>
-        <p:spPr>
-          <a:xfrm>
-            <a:off x="6439672" y="1825625"/>
-            <a:ext cx="4646656" cy="4351338"/>
-          </a:xfrm>
-        </p:spPr>
-      </p:pic>
-      <p:sp>
-        <p:nvSpPr>
-          <p:cNvPr id="2" name="Slide Number Placeholder 1">
-            <a:extLst>
-              <a:ext uri="{FF2B5EF4-FFF2-40B4-BE49-F238E27FC236}">
-                <a16:creationId xmlns:a16="http://schemas.microsoft.com/office/drawing/2014/main" id="{92375C01-6129-2F09-C118-7CC94DA13C6F}"/>
+              <a:t> Determine which systems to begin with, set up testing standards, get approval in writing form, and keep management informed on the progress: what you are doing, how you will do it, and the timing for each phase of the project.</a:t>
+            </a:r>
+          </a:p>
+          <a:p>
+            <a:pPr algn="just"/>
+            <a:r>
+              <a:rPr lang="en-US" dirty="0"/>
+              <a:t> The following steps describe the vulnerability management life cycle that security professionals use to find and remediate security weakness before any attack and/ or implement security controls.</a:t>
+            </a:r>
+          </a:p>
+        </p:txBody>
+      </p:sp>
+      <p:sp>
+        <p:nvSpPr>
+          <p:cNvPr id="4" name="Slide Number Placeholder 3">
+            <a:extLst>
+              <a:ext uri="{FF2B5EF4-FFF2-40B4-BE49-F238E27FC236}">
+                <a16:creationId xmlns:a16="http://schemas.microsoft.com/office/drawing/2014/main" id="{348B8509-CB60-080C-1CFA-F11E1BAD5A29}"/>
               </a:ext>
             </a:extLst>
           </p:cNvPr>
@@ -15827,7 +15574,7 @@
     </p:spTree>
     <p:extLst>
       <p:ext uri="{BB962C8B-B14F-4D97-AF65-F5344CB8AC3E}">
-        <p14:creationId xmlns:p14="http://schemas.microsoft.com/office/powerpoint/2010/main" val="2049149996"/>
+        <p14:creationId xmlns:p14="http://schemas.microsoft.com/office/powerpoint/2010/main" val="1599427579"/>
       </p:ext>
     </p:extLst>
   </p:cSld>
@@ -15856,10 +15603,10 @@
       </p:grpSpPr>
       <p:sp>
         <p:nvSpPr>
-          <p:cNvPr id="2" name="Title 1">
-            <a:extLst>
-              <a:ext uri="{FF2B5EF4-FFF2-40B4-BE49-F238E27FC236}">
-                <a16:creationId xmlns:a16="http://schemas.microsoft.com/office/drawing/2014/main" id="{E109B801-E3EE-6ACC-52A3-11569990788C}"/>
+          <p:cNvPr id="5" name="Content Placeholder 4">
+            <a:extLst>
+              <a:ext uri="{FF2B5EF4-FFF2-40B4-BE49-F238E27FC236}">
+                <a16:creationId xmlns:a16="http://schemas.microsoft.com/office/drawing/2014/main" id="{175197A1-0719-6C01-3242-CCA528ABC0CD}"/>
               </a:ext>
             </a:extLst>
           </p:cNvPr>
@@ -15867,95 +15614,84 @@
             <a:spLocks noGrp="1"/>
           </p:cNvSpPr>
           <p:nvPr>
-            <p:ph type="title"/>
-          </p:nvPr>
-        </p:nvSpPr>
-        <p:spPr/>
-        <p:txBody>
-          <a:bodyPr/>
-          <a:lstStyle/>
-          <a:p>
-            <a:endParaRPr lang="en-US"/>
-          </a:p>
-        </p:txBody>
-      </p:sp>
-      <p:sp>
-        <p:nvSpPr>
-          <p:cNvPr id="3" name="Content Placeholder 2">
-            <a:extLst>
-              <a:ext uri="{FF2B5EF4-FFF2-40B4-BE49-F238E27FC236}">
-                <a16:creationId xmlns:a16="http://schemas.microsoft.com/office/drawing/2014/main" id="{56CE0133-6D2A-5D08-8D6D-92FDE68AB4DE}"/>
-              </a:ext>
-            </a:extLst>
-          </p:cNvPr>
-          <p:cNvSpPr>
-            <a:spLocks noGrp="1"/>
-          </p:cNvSpPr>
-          <p:nvPr>
             <p:ph sz="half" idx="1"/>
           </p:nvPr>
         </p:nvSpPr>
-        <p:spPr/>
+        <p:spPr>
+          <a:xfrm>
+            <a:off x="570728" y="613769"/>
+            <a:ext cx="5868943" cy="5563193"/>
+          </a:xfrm>
+        </p:spPr>
         <p:txBody>
           <a:bodyPr>
             <a:normAutofit/>
           </a:bodyPr>
           <a:lstStyle/>
           <a:p>
-            <a:pPr marL="0" indent="0">
-              <a:buNone/>
+            <a:pPr marL="514350" indent="-514350">
+              <a:buAutoNum type="arabicPeriod"/>
             </a:pPr>
             <a:r>
+              <a:rPr lang="en-US" b="1" dirty="0"/>
+              <a:t>Creating Baseline</a:t>
+            </a:r>
+          </a:p>
+          <a:p>
+            <a:pPr lvl="1"/>
+            <a:r>
               <a:rPr lang="en-US" dirty="0"/>
-              <a:t>2. </a:t>
-            </a:r>
-            <a:r>
-              <a:rPr lang="en-US" b="1" dirty="0"/>
-              <a:t>Vulnerability Assessment</a:t>
-            </a:r>
-          </a:p>
-          <a:p>
-            <a:pPr marL="457200" lvl="1" indent="0">
-              <a:buNone/>
+              <a:t> In this phase, the following activities take place:</a:t>
+            </a:r>
+          </a:p>
+          <a:p>
+            <a:pPr marL="971550" lvl="1" indent="-514350">
+              <a:buFont typeface="+mj-lt"/>
+              <a:buAutoNum type="romanLcPeriod"/>
             </a:pPr>
             <a:r>
               <a:rPr lang="en-US" dirty="0"/>
-              <a:t> In this phase, a vulnerability scan will be performed to identify vulnerabilities in the OS, web application, webserver, and other services. </a:t>
-            </a:r>
-          </a:p>
-          <a:p>
-            <a:pPr marL="457200" lvl="1" indent="0">
-              <a:buNone/>
+              <a:t>Defining the effectiveness of the current security measures and procedures, </a:t>
+            </a:r>
+          </a:p>
+          <a:p>
+            <a:pPr marL="971550" lvl="1" indent="-514350">
+              <a:buFont typeface="+mj-lt"/>
+              <a:buAutoNum type="romanLcPeriod"/>
             </a:pPr>
             <a:r>
               <a:rPr lang="en-US" dirty="0"/>
-              <a:t>This phase helps identify the category and criticality of the vulnerability and minimizes the level of risk. </a:t>
-            </a:r>
-          </a:p>
-          <a:p>
-            <a:pPr marL="457200" lvl="1" indent="0">
-              <a:buNone/>
+              <a:t>Ensuring that nothing in the scope of information security management system is overlooked,</a:t>
+            </a:r>
+          </a:p>
+          <a:p>
+            <a:pPr marL="971550" lvl="1" indent="-514350">
+              <a:buFont typeface="+mj-lt"/>
+              <a:buAutoNum type="romanLcPeriod"/>
             </a:pPr>
             <a:r>
-              <a:rPr lang="en-US" dirty="0">
-                <a:solidFill>
-                  <a:schemeClr val="tx2">
-                    <a:lumMod val="50000"/>
-                    <a:lumOff val="50000"/>
-                  </a:schemeClr>
-                </a:solidFill>
-              </a:rPr>
-              <a:t>This is the step where penetration testing begins. </a:t>
+              <a:rPr lang="en-US" dirty="0"/>
+              <a:t> Working with management to set goals with a timeframe to complete them,</a:t>
+            </a:r>
+          </a:p>
+          <a:p>
+            <a:pPr marL="971550" lvl="1" indent="-514350">
+              <a:buFont typeface="+mj-lt"/>
+              <a:buAutoNum type="romanLcPeriod"/>
+            </a:pPr>
+            <a:r>
+              <a:rPr lang="en-US" dirty="0"/>
+              <a:t> and getting written approval prior to beginning any assessment activity.</a:t>
             </a:r>
           </a:p>
         </p:txBody>
       </p:sp>
       <p:pic>
         <p:nvPicPr>
-          <p:cNvPr id="5" name="Content Placeholder 7">
-            <a:extLst>
-              <a:ext uri="{FF2B5EF4-FFF2-40B4-BE49-F238E27FC236}">
-                <a16:creationId xmlns:a16="http://schemas.microsoft.com/office/drawing/2014/main" id="{876E637C-B8F0-E8D0-3025-1D90B9C9AEAB}"/>
+          <p:cNvPr id="8" name="Content Placeholder 7">
+            <a:extLst>
+              <a:ext uri="{FF2B5EF4-FFF2-40B4-BE49-F238E27FC236}">
+                <a16:creationId xmlns:a16="http://schemas.microsoft.com/office/drawing/2014/main" id="{870B7089-31A1-93EC-3B34-F85827CC7EA7}"/>
               </a:ext>
             </a:extLst>
           </p:cNvPr>
@@ -15981,10 +15717,10 @@
       </p:pic>
       <p:sp>
         <p:nvSpPr>
-          <p:cNvPr id="4" name="Slide Number Placeholder 3">
-            <a:extLst>
-              <a:ext uri="{FF2B5EF4-FFF2-40B4-BE49-F238E27FC236}">
-                <a16:creationId xmlns:a16="http://schemas.microsoft.com/office/drawing/2014/main" id="{9F522A22-6312-BA84-2E55-B80DC7BA584D}"/>
+          <p:cNvPr id="2" name="Slide Number Placeholder 1">
+            <a:extLst>
+              <a:ext uri="{FF2B5EF4-FFF2-40B4-BE49-F238E27FC236}">
+                <a16:creationId xmlns:a16="http://schemas.microsoft.com/office/drawing/2014/main" id="{92375C01-6129-2F09-C118-7CC94DA13C6F}"/>
               </a:ext>
             </a:extLst>
           </p:cNvPr>
@@ -16011,7 +15747,7 @@
     </p:spTree>
     <p:extLst>
       <p:ext uri="{BB962C8B-B14F-4D97-AF65-F5344CB8AC3E}">
-        <p14:creationId xmlns:p14="http://schemas.microsoft.com/office/powerpoint/2010/main" val="4115875753"/>
+        <p14:creationId xmlns:p14="http://schemas.microsoft.com/office/powerpoint/2010/main" val="2049149996"/>
       </p:ext>
     </p:extLst>
   </p:cSld>
@@ -16040,10 +15776,10 @@
       </p:grpSpPr>
       <p:sp>
         <p:nvSpPr>
-          <p:cNvPr id="2" name="Title 1">
-            <a:extLst>
-              <a:ext uri="{FF2B5EF4-FFF2-40B4-BE49-F238E27FC236}">
-                <a16:creationId xmlns:a16="http://schemas.microsoft.com/office/drawing/2014/main" id="{AC3BABD2-1ABF-9351-7454-0741A0DF59EC}"/>
+          <p:cNvPr id="3" name="Content Placeholder 2">
+            <a:extLst>
+              <a:ext uri="{FF2B5EF4-FFF2-40B4-BE49-F238E27FC236}">
+                <a16:creationId xmlns:a16="http://schemas.microsoft.com/office/drawing/2014/main" id="{56CE0133-6D2A-5D08-8D6D-92FDE68AB4DE}"/>
               </a:ext>
             </a:extLst>
           </p:cNvPr>
@@ -16051,68 +15787,65 @@
             <a:spLocks noGrp="1"/>
           </p:cNvSpPr>
           <p:nvPr>
-            <p:ph type="title"/>
-          </p:nvPr>
-        </p:nvSpPr>
-        <p:spPr/>
-        <p:txBody>
-          <a:bodyPr/>
-          <a:lstStyle/>
-          <a:p>
-            <a:endParaRPr lang="en-US"/>
-          </a:p>
-        </p:txBody>
-      </p:sp>
-      <p:sp>
-        <p:nvSpPr>
-          <p:cNvPr id="3" name="Content Placeholder 2">
-            <a:extLst>
-              <a:ext uri="{FF2B5EF4-FFF2-40B4-BE49-F238E27FC236}">
-                <a16:creationId xmlns:a16="http://schemas.microsoft.com/office/drawing/2014/main" id="{ED8EE624-24F4-CA19-4717-6BB9A9E34BF5}"/>
-              </a:ext>
-            </a:extLst>
-          </p:cNvPr>
-          <p:cNvSpPr>
-            <a:spLocks noGrp="1"/>
-          </p:cNvSpPr>
-          <p:nvPr>
             <p:ph sz="half" idx="1"/>
           </p:nvPr>
         </p:nvSpPr>
-        <p:spPr/>
+        <p:spPr>
+          <a:xfrm>
+            <a:off x="474643" y="448515"/>
+            <a:ext cx="5705820" cy="5728447"/>
+          </a:xfrm>
+        </p:spPr>
         <p:txBody>
           <a:bodyPr>
             <a:normAutofit/>
           </a:bodyPr>
           <a:lstStyle/>
           <a:p>
-            <a:pPr marL="0" indent="0">
+            <a:pPr marL="0" indent="0" algn="just">
               <a:buNone/>
             </a:pPr>
             <a:r>
-              <a:rPr lang="en-US" b="1" dirty="0"/>
-              <a:t>3. Risk Assessment</a:t>
-            </a:r>
-          </a:p>
-          <a:p>
-            <a:pPr lvl="1"/>
-            <a:r>
-              <a:rPr lang="en-US" dirty="0"/>
-              <a:t> In this phase, risks are identified, characterized, and classified with risk control techniques.</a:t>
-            </a:r>
-          </a:p>
-          <a:p>
-            <a:pPr lvl="1"/>
-            <a:r>
-              <a:rPr lang="en-US" dirty="0"/>
-              <a:t>Vulnerabilities are categorized based on impact level (like Low, Medium, High). </a:t>
-            </a:r>
-          </a:p>
-          <a:p>
-            <a:pPr lvl="1"/>
-            <a:r>
-              <a:rPr lang="en-US" dirty="0"/>
-              <a:t>This is where you have to present reports that identify problems and the risk treatment plan to protect the information. </a:t>
+              <a:rPr lang="en-US" sz="3200" dirty="0"/>
+              <a:t>2. </a:t>
+            </a:r>
+            <a:r>
+              <a:rPr lang="en-US" sz="3200" b="1" dirty="0"/>
+              <a:t>Vulnerability Assessment</a:t>
+            </a:r>
+          </a:p>
+          <a:p>
+            <a:pPr marL="457200" lvl="1" indent="0" algn="just">
+              <a:buNone/>
+            </a:pPr>
+            <a:r>
+              <a:rPr lang="en-US" sz="2800" dirty="0"/>
+              <a:t> In this phase, a vulnerability scan will be performed to identify vulnerabilities in the OS, web application, webserver, and other services. </a:t>
+            </a:r>
+          </a:p>
+          <a:p>
+            <a:pPr marL="457200" lvl="1" indent="0" algn="just">
+              <a:buNone/>
+            </a:pPr>
+            <a:r>
+              <a:rPr lang="en-US" sz="2800" dirty="0"/>
+              <a:t>This phase helps identify the category and criticality of the vulnerability and minimizes the level of risk. </a:t>
+            </a:r>
+          </a:p>
+          <a:p>
+            <a:pPr marL="457200" lvl="1" indent="0" algn="just">
+              <a:buNone/>
+            </a:pPr>
+            <a:r>
+              <a:rPr lang="en-US" sz="2800" dirty="0">
+                <a:solidFill>
+                  <a:schemeClr val="tx2">
+                    <a:lumMod val="50000"/>
+                    <a:lumOff val="50000"/>
+                  </a:schemeClr>
+                </a:solidFill>
+              </a:rPr>
+              <a:t>This is the step where penetration testing begins. </a:t>
             </a:r>
           </a:p>
         </p:txBody>
@@ -16122,7 +15855,7 @@
           <p:cNvPr id="5" name="Content Placeholder 7">
             <a:extLst>
               <a:ext uri="{FF2B5EF4-FFF2-40B4-BE49-F238E27FC236}">
-                <a16:creationId xmlns:a16="http://schemas.microsoft.com/office/drawing/2014/main" id="{56B679C6-2020-1467-1A22-A6D4226DC9DC}"/>
+                <a16:creationId xmlns:a16="http://schemas.microsoft.com/office/drawing/2014/main" id="{876E637C-B8F0-E8D0-3025-1D90B9C9AEAB}"/>
               </a:ext>
             </a:extLst>
           </p:cNvPr>
@@ -16151,7 +15884,7 @@
           <p:cNvPr id="4" name="Slide Number Placeholder 3">
             <a:extLst>
               <a:ext uri="{FF2B5EF4-FFF2-40B4-BE49-F238E27FC236}">
-                <a16:creationId xmlns:a16="http://schemas.microsoft.com/office/drawing/2014/main" id="{3D237562-0C92-CB6C-72C7-241923126665}"/>
+                <a16:creationId xmlns:a16="http://schemas.microsoft.com/office/drawing/2014/main" id="{9F522A22-6312-BA84-2E55-B80DC7BA584D}"/>
               </a:ext>
             </a:extLst>
           </p:cNvPr>
@@ -16178,7 +15911,7 @@
     </p:spTree>
     <p:extLst>
       <p:ext uri="{BB962C8B-B14F-4D97-AF65-F5344CB8AC3E}">
-        <p14:creationId xmlns:p14="http://schemas.microsoft.com/office/powerpoint/2010/main" val="2250853586"/>
+        <p14:creationId xmlns:p14="http://schemas.microsoft.com/office/powerpoint/2010/main" val="4115875753"/>
       </p:ext>
     </p:extLst>
   </p:cSld>
@@ -16207,10 +15940,10 @@
       </p:grpSpPr>
       <p:sp>
         <p:nvSpPr>
-          <p:cNvPr id="2" name="Title 1">
-            <a:extLst>
-              <a:ext uri="{FF2B5EF4-FFF2-40B4-BE49-F238E27FC236}">
-                <a16:creationId xmlns:a16="http://schemas.microsoft.com/office/drawing/2014/main" id="{9FFF2CBA-39D7-9630-5B61-11B8FB2209F3}"/>
+          <p:cNvPr id="3" name="Content Placeholder 2">
+            <a:extLst>
+              <a:ext uri="{FF2B5EF4-FFF2-40B4-BE49-F238E27FC236}">
+                <a16:creationId xmlns:a16="http://schemas.microsoft.com/office/drawing/2014/main" id="{ED8EE624-24F4-CA19-4717-6BB9A9E34BF5}"/>
               </a:ext>
             </a:extLst>
           </p:cNvPr>
@@ -16218,75 +15951,48 @@
             <a:spLocks noGrp="1"/>
           </p:cNvSpPr>
           <p:nvPr>
-            <p:ph type="title"/>
-          </p:nvPr>
-        </p:nvSpPr>
-        <p:spPr/>
-        <p:txBody>
-          <a:bodyPr/>
-          <a:lstStyle/>
-          <a:p>
-            <a:endParaRPr lang="en-US"/>
-          </a:p>
-        </p:txBody>
-      </p:sp>
-      <p:sp>
-        <p:nvSpPr>
-          <p:cNvPr id="3" name="Content Placeholder 2">
-            <a:extLst>
-              <a:ext uri="{FF2B5EF4-FFF2-40B4-BE49-F238E27FC236}">
-                <a16:creationId xmlns:a16="http://schemas.microsoft.com/office/drawing/2014/main" id="{9C7222B2-FE73-DAE9-F09B-4FD3F657BA97}"/>
-              </a:ext>
-            </a:extLst>
-          </p:cNvPr>
-          <p:cNvSpPr>
-            <a:spLocks noGrp="1"/>
-          </p:cNvSpPr>
-          <p:nvPr>
             <p:ph sz="half" idx="1"/>
           </p:nvPr>
         </p:nvSpPr>
-        <p:spPr/>
-        <p:txBody>
-          <a:bodyPr/>
-          <a:lstStyle/>
-          <a:p>
-            <a:pPr marL="0" indent="0">
+        <p:spPr>
+          <a:xfrm>
+            <a:off x="570728" y="426482"/>
+            <a:ext cx="5525271" cy="5929868"/>
+          </a:xfrm>
+        </p:spPr>
+        <p:txBody>
+          <a:bodyPr>
+            <a:normAutofit/>
+          </a:bodyPr>
+          <a:lstStyle/>
+          <a:p>
+            <a:pPr marL="0" indent="0" algn="just">
               <a:buNone/>
             </a:pPr>
             <a:r>
-              <a:rPr lang="en-US" dirty="0"/>
-              <a:t>4. </a:t>
-            </a:r>
-            <a:r>
-              <a:rPr lang="en-US" b="1" dirty="0"/>
-              <a:t>Remediation</a:t>
-            </a:r>
-            <a:r>
-              <a:rPr lang="en-US" dirty="0"/>
-              <a:t> </a:t>
-            </a:r>
-          </a:p>
-          <a:p>
-            <a:pPr marL="457200" lvl="1" indent="0">
-              <a:buNone/>
-            </a:pPr>
-            <a:r>
-              <a:rPr lang="en-US" dirty="0"/>
-              <a:t>Refer to performing the steps that are used to mitigate the founded vulnerabilities according to impact level. </a:t>
-            </a:r>
-          </a:p>
-          <a:p>
-            <a:pPr marL="457200" lvl="1" indent="0">
-              <a:buNone/>
-            </a:pPr>
-            <a:r>
-              <a:rPr lang="en-US" dirty="0">
-                <a:solidFill>
-                  <a:srgbClr val="00B0F0"/>
-                </a:solidFill>
-              </a:rPr>
-              <a:t>In this phase, the response team designs mitigation processes to cover vulnerabilities. </a:t>
+              <a:rPr lang="en-US" sz="3200" b="1" dirty="0"/>
+              <a:t>3. Risk Assessment</a:t>
+            </a:r>
+          </a:p>
+          <a:p>
+            <a:pPr lvl="1" algn="just"/>
+            <a:r>
+              <a:rPr lang="en-US" sz="2800" dirty="0"/>
+              <a:t> In this phase, risks are identified, characterized, and classified with risk control techniques.</a:t>
+            </a:r>
+          </a:p>
+          <a:p>
+            <a:pPr lvl="1" algn="just"/>
+            <a:r>
+              <a:rPr lang="en-US" sz="2800" dirty="0"/>
+              <a:t>Vulnerabilities are categorized based on impact level (like Low, Medium, High). </a:t>
+            </a:r>
+          </a:p>
+          <a:p>
+            <a:pPr lvl="1" algn="just"/>
+            <a:r>
+              <a:rPr lang="en-US" sz="2800" dirty="0"/>
+              <a:t>This is where you have to present reports that identify problems and the risk treatment plan to protect the information. </a:t>
             </a:r>
           </a:p>
         </p:txBody>
@@ -16296,7 +16002,7 @@
           <p:cNvPr id="5" name="Content Placeholder 7">
             <a:extLst>
               <a:ext uri="{FF2B5EF4-FFF2-40B4-BE49-F238E27FC236}">
-                <a16:creationId xmlns:a16="http://schemas.microsoft.com/office/drawing/2014/main" id="{76F03872-AD46-785A-8041-EC47EABF9D94}"/>
+                <a16:creationId xmlns:a16="http://schemas.microsoft.com/office/drawing/2014/main" id="{56B679C6-2020-1467-1A22-A6D4226DC9DC}"/>
               </a:ext>
             </a:extLst>
           </p:cNvPr>
@@ -16325,7 +16031,7 @@
           <p:cNvPr id="4" name="Slide Number Placeholder 3">
             <a:extLst>
               <a:ext uri="{FF2B5EF4-FFF2-40B4-BE49-F238E27FC236}">
-                <a16:creationId xmlns:a16="http://schemas.microsoft.com/office/drawing/2014/main" id="{18DB9949-1E69-8C77-2237-7F292916337E}"/>
+                <a16:creationId xmlns:a16="http://schemas.microsoft.com/office/drawing/2014/main" id="{3D237562-0C92-CB6C-72C7-241923126665}"/>
               </a:ext>
             </a:extLst>
           </p:cNvPr>
@@ -16352,7 +16058,7 @@
     </p:spTree>
     <p:extLst>
       <p:ext uri="{BB962C8B-B14F-4D97-AF65-F5344CB8AC3E}">
-        <p14:creationId xmlns:p14="http://schemas.microsoft.com/office/powerpoint/2010/main" val="701127111"/>
+        <p14:creationId xmlns:p14="http://schemas.microsoft.com/office/powerpoint/2010/main" val="2250853586"/>
       </p:ext>
     </p:extLst>
   </p:cSld>
@@ -16381,10 +16087,10 @@
       </p:grpSpPr>
       <p:sp>
         <p:nvSpPr>
-          <p:cNvPr id="2" name="Title 1">
-            <a:extLst>
-              <a:ext uri="{FF2B5EF4-FFF2-40B4-BE49-F238E27FC236}">
-                <a16:creationId xmlns:a16="http://schemas.microsoft.com/office/drawing/2014/main" id="{E2B8EDA2-933A-FF20-95D6-8814CE84D710}"/>
+          <p:cNvPr id="3" name="Content Placeholder 2">
+            <a:extLst>
+              <a:ext uri="{FF2B5EF4-FFF2-40B4-BE49-F238E27FC236}">
+                <a16:creationId xmlns:a16="http://schemas.microsoft.com/office/drawing/2014/main" id="{9C7222B2-FE73-DAE9-F09B-4FD3F657BA97}"/>
               </a:ext>
             </a:extLst>
           </p:cNvPr>
@@ -16392,87 +16098,57 @@
             <a:spLocks noGrp="1"/>
           </p:cNvSpPr>
           <p:nvPr>
-            <p:ph type="title"/>
-          </p:nvPr>
-        </p:nvSpPr>
-        <p:spPr/>
-        <p:txBody>
-          <a:bodyPr/>
-          <a:lstStyle/>
-          <a:p>
-            <a:endParaRPr lang="en-US"/>
-          </a:p>
-        </p:txBody>
-      </p:sp>
-      <p:sp>
-        <p:nvSpPr>
-          <p:cNvPr id="3" name="Content Placeholder 2">
-            <a:extLst>
-              <a:ext uri="{FF2B5EF4-FFF2-40B4-BE49-F238E27FC236}">
-                <a16:creationId xmlns:a16="http://schemas.microsoft.com/office/drawing/2014/main" id="{1C13578C-5350-98F7-D84C-455DA7126FA8}"/>
-              </a:ext>
-            </a:extLst>
-          </p:cNvPr>
-          <p:cNvSpPr>
-            <a:spLocks noGrp="1"/>
-          </p:cNvSpPr>
-          <p:nvPr>
             <p:ph sz="half" idx="1"/>
           </p:nvPr>
         </p:nvSpPr>
-        <p:spPr/>
-        <p:txBody>
-          <a:bodyPr/>
-          <a:lstStyle/>
-          <a:p>
-            <a:pPr marL="0" indent="0">
+        <p:spPr>
+          <a:xfrm>
+            <a:off x="570729" y="470549"/>
+            <a:ext cx="5741936" cy="5706413"/>
+          </a:xfrm>
+        </p:spPr>
+        <p:txBody>
+          <a:bodyPr>
+            <a:normAutofit/>
+          </a:bodyPr>
+          <a:lstStyle/>
+          <a:p>
+            <a:pPr marL="0" indent="0" algn="just">
               <a:buNone/>
             </a:pPr>
             <a:r>
-              <a:rPr lang="en-US" dirty="0"/>
-              <a:t>5. </a:t>
-            </a:r>
-            <a:r>
-              <a:rPr lang="en-US" b="1" dirty="0"/>
-              <a:t>Verification:</a:t>
-            </a:r>
-          </a:p>
-          <a:p>
-            <a:pPr marL="457200" lvl="1" indent="0">
+              <a:rPr lang="en-US" sz="3600" dirty="0"/>
+              <a:t>4. </a:t>
+            </a:r>
+            <a:r>
+              <a:rPr lang="en-US" sz="3600" b="1" dirty="0"/>
+              <a:t>Remediation</a:t>
+            </a:r>
+            <a:r>
+              <a:rPr lang="en-US" sz="3600" dirty="0"/>
+              <a:t> </a:t>
+            </a:r>
+          </a:p>
+          <a:p>
+            <a:pPr marL="457200" lvl="1" indent="0" algn="just">
               <a:buNone/>
             </a:pPr>
             <a:r>
-              <a:rPr lang="en-US" dirty="0"/>
-              <a:t> This phase helps verify whether all the previous phases were properly employed or not. </a:t>
-            </a:r>
-          </a:p>
-          <a:p>
-            <a:pPr marL="457200" lvl="1" indent="0">
+              <a:rPr lang="en-US" sz="3200" dirty="0"/>
+              <a:t>Refer to performing the steps that are used to mitigate the founded vulnerabilities according to impact level. </a:t>
+            </a:r>
+          </a:p>
+          <a:p>
+            <a:pPr marL="457200" lvl="1" indent="0" algn="just">
               <a:buNone/>
             </a:pPr>
             <a:r>
-              <a:rPr lang="en-US" dirty="0"/>
-              <a:t>It is also where the verification of remedies is performed.</a:t>
-            </a:r>
-          </a:p>
-          <a:p>
-            <a:pPr marL="457200" lvl="1" indent="0">
-              <a:buNone/>
-            </a:pPr>
-            <a:r>
-              <a:rPr lang="en-US" dirty="0">
-                <a:solidFill>
-                  <a:schemeClr val="tx2">
-                    <a:lumMod val="50000"/>
-                    <a:lumOff val="50000"/>
-                  </a:schemeClr>
-                </a:solidFill>
-              </a:rPr>
-              <a:t>This is where you show verifiable evidence that your risk treatment plan was effective and corrected issues</a:t>
-            </a:r>
-            <a:r>
-              <a:rPr lang="en-US" dirty="0"/>
-              <a:t>.</a:t>
+              <a:rPr lang="en-US" sz="3200" dirty="0">
+                <a:solidFill>
+                  <a:srgbClr val="00B0F0"/>
+                </a:solidFill>
+              </a:rPr>
+              <a:t>In this phase, the response team designs mitigation processes to cover vulnerabilities. </a:t>
             </a:r>
           </a:p>
         </p:txBody>
@@ -16482,7 +16158,7 @@
           <p:cNvPr id="5" name="Content Placeholder 7">
             <a:extLst>
               <a:ext uri="{FF2B5EF4-FFF2-40B4-BE49-F238E27FC236}">
-                <a16:creationId xmlns:a16="http://schemas.microsoft.com/office/drawing/2014/main" id="{F8946CFF-A554-6B45-AF1F-66872AA7BC0A}"/>
+                <a16:creationId xmlns:a16="http://schemas.microsoft.com/office/drawing/2014/main" id="{76F03872-AD46-785A-8041-EC47EABF9D94}"/>
               </a:ext>
             </a:extLst>
           </p:cNvPr>
@@ -16511,7 +16187,7 @@
           <p:cNvPr id="4" name="Slide Number Placeholder 3">
             <a:extLst>
               <a:ext uri="{FF2B5EF4-FFF2-40B4-BE49-F238E27FC236}">
-                <a16:creationId xmlns:a16="http://schemas.microsoft.com/office/drawing/2014/main" id="{DC9951B2-343F-71F4-B9F6-67D704C36844}"/>
+                <a16:creationId xmlns:a16="http://schemas.microsoft.com/office/drawing/2014/main" id="{18DB9949-1E69-8C77-2237-7F292916337E}"/>
               </a:ext>
             </a:extLst>
           </p:cNvPr>
@@ -16538,7 +16214,7 @@
     </p:spTree>
     <p:extLst>
       <p:ext uri="{BB962C8B-B14F-4D97-AF65-F5344CB8AC3E}">
-        <p14:creationId xmlns:p14="http://schemas.microsoft.com/office/powerpoint/2010/main" val="2287252037"/>
+        <p14:creationId xmlns:p14="http://schemas.microsoft.com/office/powerpoint/2010/main" val="701127111"/>
       </p:ext>
     </p:extLst>
   </p:cSld>
@@ -16567,10 +16243,10 @@
       </p:grpSpPr>
       <p:sp>
         <p:nvSpPr>
-          <p:cNvPr id="2" name="Title 1">
-            <a:extLst>
-              <a:ext uri="{FF2B5EF4-FFF2-40B4-BE49-F238E27FC236}">
-                <a16:creationId xmlns:a16="http://schemas.microsoft.com/office/drawing/2014/main" id="{097071C4-2BF7-2DC7-9896-C06A89D2B873}"/>
+          <p:cNvPr id="3" name="Content Placeholder 2">
+            <a:extLst>
+              <a:ext uri="{FF2B5EF4-FFF2-40B4-BE49-F238E27FC236}">
+                <a16:creationId xmlns:a16="http://schemas.microsoft.com/office/drawing/2014/main" id="{FF48B335-794A-76B1-AE92-4C4DBFD178A5}"/>
               </a:ext>
             </a:extLst>
           </p:cNvPr>
@@ -16578,112 +16254,94 @@
             <a:spLocks noGrp="1"/>
           </p:cNvSpPr>
           <p:nvPr>
-            <p:ph type="title"/>
-          </p:nvPr>
-        </p:nvSpPr>
-        <p:spPr/>
-        <p:txBody>
-          <a:bodyPr/>
-          <a:lstStyle/>
-          <a:p>
-            <a:endParaRPr lang="en-US"/>
-          </a:p>
-        </p:txBody>
-      </p:sp>
-      <p:sp>
-        <p:nvSpPr>
-          <p:cNvPr id="3" name="Content Placeholder 2">
-            <a:extLst>
-              <a:ext uri="{FF2B5EF4-FFF2-40B4-BE49-F238E27FC236}">
-                <a16:creationId xmlns:a16="http://schemas.microsoft.com/office/drawing/2014/main" id="{FF48B335-794A-76B1-AE92-4C4DBFD178A5}"/>
-              </a:ext>
-            </a:extLst>
-          </p:cNvPr>
-          <p:cNvSpPr>
-            <a:spLocks noGrp="1"/>
-          </p:cNvSpPr>
-          <p:nvPr>
             <p:ph idx="1"/>
           </p:nvPr>
         </p:nvSpPr>
-        <p:spPr/>
-        <p:txBody>
-          <a:bodyPr/>
-          <a:lstStyle/>
-          <a:p>
-            <a:pPr marL="0" indent="0">
+        <p:spPr>
+          <a:xfrm>
+            <a:off x="419558" y="415465"/>
+            <a:ext cx="11313405" cy="6029401"/>
+          </a:xfrm>
+        </p:spPr>
+        <p:txBody>
+          <a:bodyPr>
+            <a:normAutofit/>
+          </a:bodyPr>
+          <a:lstStyle/>
+          <a:p>
+            <a:pPr marL="0" indent="0" algn="just">
               <a:buNone/>
             </a:pPr>
             <a:r>
-              <a:rPr lang="en-US" b="1" dirty="0"/>
+              <a:rPr lang="en-US" sz="3600" b="1" dirty="0"/>
               <a:t>4. Reporting:</a:t>
             </a:r>
           </a:p>
           <a:p>
-            <a:pPr lvl="1"/>
-            <a:r>
-              <a:rPr lang="en-US" dirty="0"/>
+            <a:pPr lvl="1" algn="just"/>
+            <a:r>
+              <a:rPr lang="en-US" sz="3200" dirty="0"/>
               <a:t>Generating detailed reports that </a:t>
             </a:r>
             <a:r>
-              <a:rPr lang="en-US" dirty="0" err="1"/>
+              <a:rPr lang="en-US" sz="3200" dirty="0" err="1"/>
               <a:t>include:Identified</a:t>
             </a:r>
             <a:r>
-              <a:rPr lang="en-US" dirty="0"/>
+              <a:rPr lang="en-US" sz="3200" dirty="0"/>
               <a:t> vulnerabilities.</a:t>
             </a:r>
           </a:p>
           <a:p>
-            <a:pPr lvl="1"/>
-            <a:r>
-              <a:rPr lang="en-US" dirty="0"/>
+            <a:pPr lvl="1" algn="just"/>
+            <a:r>
+              <a:rPr lang="en-US" sz="3200" dirty="0"/>
               <a:t>Their severity.</a:t>
             </a:r>
           </a:p>
           <a:p>
-            <a:pPr lvl="1"/>
-            <a:r>
-              <a:rPr lang="en-US" dirty="0"/>
+            <a:pPr lvl="1" algn="just"/>
+            <a:r>
+              <a:rPr lang="en-US" sz="3200" dirty="0"/>
               <a:t>Potential impact.</a:t>
             </a:r>
           </a:p>
           <a:p>
-            <a:pPr lvl="1"/>
-            <a:r>
-              <a:rPr lang="en-US" dirty="0"/>
+            <a:pPr lvl="1" algn="just"/>
+            <a:r>
+              <a:rPr lang="en-US" sz="3200" dirty="0"/>
               <a:t>Recommended mitigation strategies.</a:t>
             </a:r>
           </a:p>
           <a:p>
-            <a:pPr marL="0" indent="0">
+            <a:pPr marL="0" indent="0" algn="just">
               <a:buNone/>
             </a:pPr>
             <a:r>
-              <a:rPr lang="en-US" b="1" dirty="0"/>
+              <a:rPr lang="en-US" sz="3600" b="1" dirty="0"/>
               <a:t>5. Remediation:</a:t>
             </a:r>
           </a:p>
           <a:p>
-            <a:pPr marL="457200" lvl="1" indent="0">
+            <a:pPr marL="457200" lvl="1" indent="0" algn="just">
               <a:buNone/>
             </a:pPr>
             <a:r>
-              <a:rPr lang="en-US" dirty="0"/>
+              <a:rPr lang="en-US" sz="3200" dirty="0"/>
               <a:t>Taking corrective actions such as patching, configuration changes, or implementing additional security controls to address vulnerabilities.</a:t>
             </a:r>
           </a:p>
           <a:p>
-            <a:pPr marL="457200" lvl="1" indent="0">
+            <a:pPr marL="457200" lvl="1" indent="0" algn="just">
               <a:buNone/>
             </a:pPr>
-            <a:endParaRPr lang="en-US" b="1" dirty="0"/>
-          </a:p>
-          <a:p>
-            <a:pPr marL="0" indent="0">
+            <a:endParaRPr lang="en-US" sz="3200" b="1" dirty="0"/>
+          </a:p>
+          <a:p>
+            <a:pPr marL="0" indent="0" algn="just">
               <a:buNone/>
             </a:pPr>
-            <a:endParaRPr lang="en-US" dirty="0"/>
+            <a:endParaRPr lang="en-US" sz="3600" dirty="0"/>
           </a:p>
         </p:txBody>
       </p:sp>
@@ -16719,10 +16377,10 @@
       </p:grpSpPr>
       <p:sp>
         <p:nvSpPr>
-          <p:cNvPr id="2" name="Title 1">
-            <a:extLst>
-              <a:ext uri="{FF2B5EF4-FFF2-40B4-BE49-F238E27FC236}">
-                <a16:creationId xmlns:a16="http://schemas.microsoft.com/office/drawing/2014/main" id="{A5F23369-8B37-CA1B-3DD9-BC5EBA4147B5}"/>
+          <p:cNvPr id="3" name="Content Placeholder 2">
+            <a:extLst>
+              <a:ext uri="{FF2B5EF4-FFF2-40B4-BE49-F238E27FC236}">
+                <a16:creationId xmlns:a16="http://schemas.microsoft.com/office/drawing/2014/main" id="{1C13578C-5350-98F7-D84C-455DA7126FA8}"/>
               </a:ext>
             </a:extLst>
           </p:cNvPr>
@@ -16730,71 +16388,69 @@
             <a:spLocks noGrp="1"/>
           </p:cNvSpPr>
           <p:nvPr>
-            <p:ph type="title"/>
-          </p:nvPr>
-        </p:nvSpPr>
-        <p:spPr/>
-        <p:txBody>
-          <a:bodyPr/>
-          <a:lstStyle/>
-          <a:p>
-            <a:endParaRPr lang="en-US"/>
-          </a:p>
-        </p:txBody>
-      </p:sp>
-      <p:sp>
-        <p:nvSpPr>
-          <p:cNvPr id="3" name="Content Placeholder 2">
-            <a:extLst>
-              <a:ext uri="{FF2B5EF4-FFF2-40B4-BE49-F238E27FC236}">
-                <a16:creationId xmlns:a16="http://schemas.microsoft.com/office/drawing/2014/main" id="{7F048FB9-85BD-0D94-1B4A-27760E07E2A2}"/>
-              </a:ext>
-            </a:extLst>
-          </p:cNvPr>
-          <p:cNvSpPr>
-            <a:spLocks noGrp="1"/>
-          </p:cNvSpPr>
-          <p:nvPr>
             <p:ph sz="half" idx="1"/>
           </p:nvPr>
         </p:nvSpPr>
-        <p:spPr/>
-        <p:txBody>
-          <a:bodyPr/>
-          <a:lstStyle/>
-          <a:p>
-            <a:pPr marL="0" indent="0">
+        <p:spPr>
+          <a:xfrm>
+            <a:off x="570728" y="492583"/>
+            <a:ext cx="5675835" cy="5684379"/>
+          </a:xfrm>
+        </p:spPr>
+        <p:txBody>
+          <a:bodyPr>
+            <a:normAutofit/>
+          </a:bodyPr>
+          <a:lstStyle/>
+          <a:p>
+            <a:pPr marL="0" indent="0" algn="just">
               <a:buNone/>
             </a:pPr>
             <a:r>
-              <a:rPr lang="en-US" dirty="0"/>
-              <a:t>6. </a:t>
-            </a:r>
-            <a:r>
-              <a:rPr lang="en-US" b="1" dirty="0"/>
-              <a:t>Monitor</a:t>
-            </a:r>
-            <a:r>
-              <a:rPr lang="en-US" dirty="0"/>
-              <a:t> </a:t>
-            </a:r>
-          </a:p>
-          <a:p>
-            <a:pPr marL="457200" lvl="1" indent="0">
+              <a:rPr lang="en-US" sz="3600" dirty="0"/>
+              <a:t>5. </a:t>
+            </a:r>
+            <a:r>
+              <a:rPr lang="en-US" sz="3600" b="1" dirty="0"/>
+              <a:t>Verification:</a:t>
+            </a:r>
+          </a:p>
+          <a:p>
+            <a:pPr marL="457200" lvl="1" indent="0" algn="just">
               <a:buNone/>
             </a:pPr>
             <a:r>
-              <a:rPr lang="en-US" dirty="0"/>
-              <a:t>It’s important to remember that after a while, measures that protected the company need to be closely monitored and kept up to date via a regular vulnerability management plan.</a:t>
-            </a:r>
-          </a:p>
-          <a:p>
-            <a:pPr marL="457200" lvl="1" indent="0">
+              <a:rPr lang="en-US" sz="3200" dirty="0"/>
+              <a:t> This phase helps verify whether all the previous phases were properly employed or not. </a:t>
+            </a:r>
+          </a:p>
+          <a:p>
+            <a:pPr marL="457200" lvl="1" indent="0" algn="just">
               <a:buNone/>
             </a:pPr>
             <a:r>
-              <a:rPr lang="en-US" dirty="0"/>
-              <a:t> Incident monitoring is performed using firewall, IDS/IPS, or SIEM tools</a:t>
+              <a:rPr lang="en-US" sz="3200" dirty="0"/>
+              <a:t>It is also where the verification of remedies is performed.</a:t>
+            </a:r>
+          </a:p>
+          <a:p>
+            <a:pPr marL="457200" lvl="1" indent="0" algn="just">
+              <a:buNone/>
+            </a:pPr>
+            <a:r>
+              <a:rPr lang="en-US" sz="3200" dirty="0">
+                <a:solidFill>
+                  <a:schemeClr val="tx2">
+                    <a:lumMod val="50000"/>
+                    <a:lumOff val="50000"/>
+                  </a:schemeClr>
+                </a:solidFill>
+              </a:rPr>
+              <a:t>This is where you show verifiable evidence that your risk treatment plan was effective and corrected issues</a:t>
+            </a:r>
+            <a:r>
+              <a:rPr lang="en-US" sz="3200" dirty="0"/>
+              <a:t>.</a:t>
             </a:r>
           </a:p>
         </p:txBody>
@@ -16804,7 +16460,7 @@
           <p:cNvPr id="5" name="Content Placeholder 7">
             <a:extLst>
               <a:ext uri="{FF2B5EF4-FFF2-40B4-BE49-F238E27FC236}">
-                <a16:creationId xmlns:a16="http://schemas.microsoft.com/office/drawing/2014/main" id="{543E9D7F-F9A1-F541-E3CB-0950744A196A}"/>
+                <a16:creationId xmlns:a16="http://schemas.microsoft.com/office/drawing/2014/main" id="{F8946CFF-A554-6B45-AF1F-66872AA7BC0A}"/>
               </a:ext>
             </a:extLst>
           </p:cNvPr>
@@ -16833,7 +16489,7 @@
           <p:cNvPr id="4" name="Slide Number Placeholder 3">
             <a:extLst>
               <a:ext uri="{FF2B5EF4-FFF2-40B4-BE49-F238E27FC236}">
-                <a16:creationId xmlns:a16="http://schemas.microsoft.com/office/drawing/2014/main" id="{31BD8068-08E3-2B77-E3ED-D07D5A03586E}"/>
+                <a16:creationId xmlns:a16="http://schemas.microsoft.com/office/drawing/2014/main" id="{DC9951B2-343F-71F4-B9F6-67D704C36844}"/>
               </a:ext>
             </a:extLst>
           </p:cNvPr>
@@ -16852,6 +16508,158 @@
             <a:fld id="{3A86846E-68FB-4C71-8989-BC9D227DD11A}" type="slidenum">
               <a:rPr lang="en-US" smtClean="0"/>
               <a:t>50</a:t>
+            </a:fld>
+            <a:endParaRPr lang="en-US"/>
+          </a:p>
+        </p:txBody>
+      </p:sp>
+    </p:spTree>
+    <p:extLst>
+      <p:ext uri="{BB962C8B-B14F-4D97-AF65-F5344CB8AC3E}">
+        <p14:creationId xmlns:p14="http://schemas.microsoft.com/office/powerpoint/2010/main" val="2287252037"/>
+      </p:ext>
+    </p:extLst>
+  </p:cSld>
+  <p:clrMapOvr>
+    <a:masterClrMapping/>
+  </p:clrMapOvr>
+</p:sld>
+</file>
+
+<file path=ppt/slides/slide51.xml><?xml version="1.0" encoding="utf-8"?>
+<p:sld xmlns:a="http://schemas.openxmlformats.org/drawingml/2006/main" xmlns:r="http://schemas.openxmlformats.org/officeDocument/2006/relationships" xmlns:p="http://schemas.openxmlformats.org/presentationml/2006/main">
+  <p:cSld>
+    <p:spTree>
+      <p:nvGrpSpPr>
+        <p:cNvPr id="1" name=""/>
+        <p:cNvGrpSpPr/>
+        <p:nvPr/>
+      </p:nvGrpSpPr>
+      <p:grpSpPr>
+        <a:xfrm>
+          <a:off x="0" y="0"/>
+          <a:ext cx="0" cy="0"/>
+          <a:chOff x="0" y="0"/>
+          <a:chExt cx="0" cy="0"/>
+        </a:xfrm>
+      </p:grpSpPr>
+      <p:sp>
+        <p:nvSpPr>
+          <p:cNvPr id="3" name="Content Placeholder 2">
+            <a:extLst>
+              <a:ext uri="{FF2B5EF4-FFF2-40B4-BE49-F238E27FC236}">
+                <a16:creationId xmlns:a16="http://schemas.microsoft.com/office/drawing/2014/main" id="{7F048FB9-85BD-0D94-1B4A-27760E07E2A2}"/>
+              </a:ext>
+            </a:extLst>
+          </p:cNvPr>
+          <p:cNvSpPr>
+            <a:spLocks noGrp="1"/>
+          </p:cNvSpPr>
+          <p:nvPr>
+            <p:ph sz="half" idx="1"/>
+          </p:nvPr>
+        </p:nvSpPr>
+        <p:spPr>
+          <a:xfrm>
+            <a:off x="452610" y="426482"/>
+            <a:ext cx="5643390" cy="5929867"/>
+          </a:xfrm>
+        </p:spPr>
+        <p:txBody>
+          <a:bodyPr>
+            <a:normAutofit/>
+          </a:bodyPr>
+          <a:lstStyle/>
+          <a:p>
+            <a:pPr marL="0" indent="0" algn="just">
+              <a:buNone/>
+            </a:pPr>
+            <a:r>
+              <a:rPr lang="en-US" sz="3600" dirty="0"/>
+              <a:t>6. </a:t>
+            </a:r>
+            <a:r>
+              <a:rPr lang="en-US" sz="3600" b="1" dirty="0"/>
+              <a:t>Monitor</a:t>
+            </a:r>
+            <a:r>
+              <a:rPr lang="en-US" sz="3600" dirty="0"/>
+              <a:t> </a:t>
+            </a:r>
+          </a:p>
+          <a:p>
+            <a:pPr marL="457200" lvl="1" indent="0" algn="just">
+              <a:buNone/>
+            </a:pPr>
+            <a:r>
+              <a:rPr lang="en-US" sz="3200" dirty="0"/>
+              <a:t>It’s important to remember that after a while, measures that protected the company need to be closely monitored and kept up to date via a regular vulnerability management plan.</a:t>
+            </a:r>
+          </a:p>
+          <a:p>
+            <a:pPr marL="457200" lvl="1" indent="0" algn="just">
+              <a:buNone/>
+            </a:pPr>
+            <a:r>
+              <a:rPr lang="en-US" sz="3200" dirty="0"/>
+              <a:t> Incident monitoring is performed using firewall, IDS/IPS, or SIEM tools</a:t>
+            </a:r>
+          </a:p>
+        </p:txBody>
+      </p:sp>
+      <p:pic>
+        <p:nvPicPr>
+          <p:cNvPr id="5" name="Content Placeholder 7">
+            <a:extLst>
+              <a:ext uri="{FF2B5EF4-FFF2-40B4-BE49-F238E27FC236}">
+                <a16:creationId xmlns:a16="http://schemas.microsoft.com/office/drawing/2014/main" id="{543E9D7F-F9A1-F541-E3CB-0950744A196A}"/>
+              </a:ext>
+            </a:extLst>
+          </p:cNvPr>
+          <p:cNvPicPr>
+            <a:picLocks noGrp="1" noChangeAspect="1"/>
+          </p:cNvPicPr>
+          <p:nvPr>
+            <p:ph sz="half" idx="2"/>
+          </p:nvPr>
+        </p:nvPicPr>
+        <p:blipFill>
+          <a:blip r:embed="rId2"/>
+          <a:stretch>
+            <a:fillRect/>
+          </a:stretch>
+        </p:blipFill>
+        <p:spPr>
+          <a:xfrm>
+            <a:off x="6439672" y="1825625"/>
+            <a:ext cx="4646656" cy="4351338"/>
+          </a:xfrm>
+        </p:spPr>
+      </p:pic>
+      <p:sp>
+        <p:nvSpPr>
+          <p:cNvPr id="4" name="Slide Number Placeholder 3">
+            <a:extLst>
+              <a:ext uri="{FF2B5EF4-FFF2-40B4-BE49-F238E27FC236}">
+                <a16:creationId xmlns:a16="http://schemas.microsoft.com/office/drawing/2014/main" id="{31BD8068-08E3-2B77-E3ED-D07D5A03586E}"/>
+              </a:ext>
+            </a:extLst>
+          </p:cNvPr>
+          <p:cNvSpPr>
+            <a:spLocks noGrp="1"/>
+          </p:cNvSpPr>
+          <p:nvPr>
+            <p:ph type="sldNum" sz="quarter" idx="12"/>
+          </p:nvPr>
+        </p:nvSpPr>
+        <p:spPr/>
+        <p:txBody>
+          <a:bodyPr/>
+          <a:lstStyle/>
+          <a:p>
+            <a:fld id="{3A86846E-68FB-4C71-8989-BC9D227DD11A}" type="slidenum">
+              <a:rPr lang="en-US" smtClean="0"/>
+              <a:t>51</a:t>
             </a:fld>
             <a:endParaRPr lang="en-US"/>
           </a:p>
@@ -16870,7 +16678,7 @@
 </p:sld>
 </file>
 
-<file path=ppt/slides/slide51.xml><?xml version="1.0" encoding="utf-8"?>
+<file path=ppt/slides/slide52.xml><?xml version="1.0" encoding="utf-8"?>
 <p:sld xmlns:a="http://schemas.openxmlformats.org/drawingml/2006/main" xmlns:r="http://schemas.openxmlformats.org/officeDocument/2006/relationships" xmlns:p="http://schemas.openxmlformats.org/presentationml/2006/main">
   <p:cSld>
     <p:bg>
@@ -17567,7 +17375,7 @@
                   <a:spcPts val="600"/>
                 </a:spcAft>
               </a:pPr>
-              <a:t>51</a:t>
+              <a:t>52</a:t>
             </a:fld>
             <a:endParaRPr lang="en-US" sz="1100">
               <a:solidFill>
@@ -17682,183 +17490,6 @@
 </p:sld>
 </file>
 
-<file path=ppt/slides/slide52.xml><?xml version="1.0" encoding="utf-8"?>
-<p:sld xmlns:a="http://schemas.openxmlformats.org/drawingml/2006/main" xmlns:r="http://schemas.openxmlformats.org/officeDocument/2006/relationships" xmlns:p="http://schemas.openxmlformats.org/presentationml/2006/main">
-  <p:cSld>
-    <p:spTree>
-      <p:nvGrpSpPr>
-        <p:cNvPr id="1" name=""/>
-        <p:cNvGrpSpPr/>
-        <p:nvPr/>
-      </p:nvGrpSpPr>
-      <p:grpSpPr>
-        <a:xfrm>
-          <a:off x="0" y="0"/>
-          <a:ext cx="0" cy="0"/>
-          <a:chOff x="0" y="0"/>
-          <a:chExt cx="0" cy="0"/>
-        </a:xfrm>
-      </p:grpSpPr>
-      <p:sp>
-        <p:nvSpPr>
-          <p:cNvPr id="3" name="Title 2">
-            <a:extLst>
-              <a:ext uri="{FF2B5EF4-FFF2-40B4-BE49-F238E27FC236}">
-                <a16:creationId xmlns:a16="http://schemas.microsoft.com/office/drawing/2014/main" id="{65FD6CEA-0BB7-A2A5-7810-0ED13F808C30}"/>
-              </a:ext>
-            </a:extLst>
-          </p:cNvPr>
-          <p:cNvSpPr>
-            <a:spLocks noGrp="1"/>
-          </p:cNvSpPr>
-          <p:nvPr>
-            <p:ph type="title"/>
-          </p:nvPr>
-        </p:nvSpPr>
-        <p:spPr/>
-        <p:txBody>
-          <a:bodyPr/>
-          <a:lstStyle/>
-          <a:p>
-            <a:r>
-              <a:rPr lang="en-US" dirty="0"/>
-              <a:t>Overview</a:t>
-            </a:r>
-          </a:p>
-        </p:txBody>
-      </p:sp>
-      <p:sp>
-        <p:nvSpPr>
-          <p:cNvPr id="4" name="Content Placeholder 3">
-            <a:extLst>
-              <a:ext uri="{FF2B5EF4-FFF2-40B4-BE49-F238E27FC236}">
-                <a16:creationId xmlns:a16="http://schemas.microsoft.com/office/drawing/2014/main" id="{CC07D859-2E40-09B4-0FCB-2029FE95E58A}"/>
-              </a:ext>
-            </a:extLst>
-          </p:cNvPr>
-          <p:cNvSpPr>
-            <a:spLocks noGrp="1"/>
-          </p:cNvSpPr>
-          <p:nvPr>
-            <p:ph idx="1"/>
-          </p:nvPr>
-        </p:nvSpPr>
-        <p:spPr/>
-        <p:txBody>
-          <a:bodyPr/>
-          <a:lstStyle/>
-          <a:p>
-            <a:pPr algn="l"/>
-            <a:r>
-              <a:rPr lang="en-US" b="0" i="0" dirty="0">
-                <a:solidFill>
-                  <a:srgbClr val="141E2D"/>
-                </a:solidFill>
-                <a:effectLst/>
-                <a:latin typeface="Plus Jakarta"/>
-              </a:rPr>
-              <a:t> A </a:t>
-            </a:r>
-            <a:r>
-              <a:rPr lang="en-US" b="0" i="0" u="sng" dirty="0">
-                <a:solidFill>
-                  <a:srgbClr val="141E2D"/>
-                </a:solidFill>
-                <a:effectLst/>
-                <a:latin typeface="Plus Jakarta"/>
-              </a:rPr>
-              <a:t>vulnerability assessment</a:t>
-            </a:r>
-            <a:r>
-              <a:rPr lang="en-US" b="0" i="0" dirty="0">
-                <a:solidFill>
-                  <a:srgbClr val="141E2D"/>
-                </a:solidFill>
-                <a:effectLst/>
-                <a:latin typeface="Plus Jakarta"/>
-              </a:rPr>
-              <a:t> is one of the most important pieces of an enterprise’s vulnerability management lifecycle because you can</a:t>
-            </a:r>
-            <a:r>
-              <a:rPr lang="en-US" dirty="0">
-                <a:solidFill>
-                  <a:srgbClr val="141E2D"/>
-                </a:solidFill>
-                <a:latin typeface="Plus Jakarta"/>
-              </a:rPr>
-              <a:t>not</a:t>
-            </a:r>
-            <a:r>
-              <a:rPr lang="en-US" b="0" i="0" dirty="0">
-                <a:solidFill>
-                  <a:srgbClr val="141E2D"/>
-                </a:solidFill>
-                <a:effectLst/>
-                <a:latin typeface="Plus Jakarta"/>
-              </a:rPr>
-              <a:t> fix security vulnerabilities you know nothing about.</a:t>
-            </a:r>
-          </a:p>
-          <a:p>
-            <a:pPr algn="l"/>
-            <a:r>
-              <a:rPr lang="en-US" b="0" i="0" dirty="0">
-                <a:solidFill>
-                  <a:srgbClr val="141E2D"/>
-                </a:solidFill>
-                <a:effectLst/>
-                <a:latin typeface="Plus Jakarta"/>
-              </a:rPr>
-              <a:t>Through the vulnerability assessment process, networks and assets are scanned and newly discovered vulnerabilities are analyzed and scored based on risk.</a:t>
-            </a:r>
-          </a:p>
-          <a:p>
-            <a:endParaRPr lang="en-US" dirty="0"/>
-          </a:p>
-        </p:txBody>
-      </p:sp>
-      <p:sp>
-        <p:nvSpPr>
-          <p:cNvPr id="2" name="Slide Number Placeholder 1">
-            <a:extLst>
-              <a:ext uri="{FF2B5EF4-FFF2-40B4-BE49-F238E27FC236}">
-                <a16:creationId xmlns:a16="http://schemas.microsoft.com/office/drawing/2014/main" id="{525775C2-DBE5-E15F-5674-A8C235966270}"/>
-              </a:ext>
-            </a:extLst>
-          </p:cNvPr>
-          <p:cNvSpPr>
-            <a:spLocks noGrp="1"/>
-          </p:cNvSpPr>
-          <p:nvPr>
-            <p:ph type="sldNum" sz="quarter" idx="12"/>
-          </p:nvPr>
-        </p:nvSpPr>
-        <p:spPr/>
-        <p:txBody>
-          <a:bodyPr/>
-          <a:lstStyle/>
-          <a:p>
-            <a:fld id="{3A86846E-68FB-4C71-8989-BC9D227DD11A}" type="slidenum">
-              <a:rPr lang="en-US" smtClean="0"/>
-              <a:t>52</a:t>
-            </a:fld>
-            <a:endParaRPr lang="en-US"/>
-          </a:p>
-        </p:txBody>
-      </p:sp>
-    </p:spTree>
-    <p:extLst>
-      <p:ext uri="{BB962C8B-B14F-4D97-AF65-F5344CB8AC3E}">
-        <p14:creationId xmlns:p14="http://schemas.microsoft.com/office/powerpoint/2010/main" val="3954503290"/>
-      </p:ext>
-    </p:extLst>
-  </p:cSld>
-  <p:clrMapOvr>
-    <a:masterClrMapping/>
-  </p:clrMapOvr>
-</p:sld>
-</file>
-
 <file path=ppt/slides/slide53.xml><?xml version="1.0" encoding="utf-8"?>
 <p:sld xmlns:a="http://schemas.openxmlformats.org/drawingml/2006/main" xmlns:r="http://schemas.openxmlformats.org/officeDocument/2006/relationships" xmlns:p="http://schemas.openxmlformats.org/presentationml/2006/main">
   <p:cSld>
@@ -17878,10 +17509,10 @@
       </p:grpSpPr>
       <p:sp>
         <p:nvSpPr>
-          <p:cNvPr id="2" name="Title 1">
-            <a:extLst>
-              <a:ext uri="{FF2B5EF4-FFF2-40B4-BE49-F238E27FC236}">
-                <a16:creationId xmlns:a16="http://schemas.microsoft.com/office/drawing/2014/main" id="{8B7F4AB0-BCEA-5652-A938-25EA5598A7F2}"/>
+          <p:cNvPr id="3" name="Title 2">
+            <a:extLst>
+              <a:ext uri="{FF2B5EF4-FFF2-40B4-BE49-F238E27FC236}">
+                <a16:creationId xmlns:a16="http://schemas.microsoft.com/office/drawing/2014/main" id="{65FD6CEA-0BB7-A2A5-7810-0ED13F808C30}"/>
               </a:ext>
             </a:extLst>
           </p:cNvPr>
@@ -17894,58 +17525,58 @@
         </p:nvSpPr>
         <p:spPr/>
         <p:txBody>
-          <a:bodyPr>
-            <a:normAutofit fontScale="90000"/>
-          </a:bodyPr>
-          <a:lstStyle/>
-          <a:p>
-            <a:r>
-              <a:rPr lang="en-US" b="1" i="0" dirty="0">
+          <a:bodyPr/>
+          <a:lstStyle/>
+          <a:p>
+            <a:r>
+              <a:rPr lang="en-US" dirty="0"/>
+              <a:t>Overview</a:t>
+            </a:r>
+          </a:p>
+        </p:txBody>
+      </p:sp>
+      <p:sp>
+        <p:nvSpPr>
+          <p:cNvPr id="4" name="Content Placeholder 3">
+            <a:extLst>
+              <a:ext uri="{FF2B5EF4-FFF2-40B4-BE49-F238E27FC236}">
+                <a16:creationId xmlns:a16="http://schemas.microsoft.com/office/drawing/2014/main" id="{CC07D859-2E40-09B4-0FCB-2029FE95E58A}"/>
+              </a:ext>
+            </a:extLst>
+          </p:cNvPr>
+          <p:cNvSpPr>
+            <a:spLocks noGrp="1"/>
+          </p:cNvSpPr>
+          <p:nvPr>
+            <p:ph idx="1"/>
+          </p:nvPr>
+        </p:nvSpPr>
+        <p:spPr/>
+        <p:txBody>
+          <a:bodyPr/>
+          <a:lstStyle/>
+          <a:p>
+            <a:pPr algn="l"/>
+            <a:r>
+              <a:rPr lang="en-US" b="0" i="0" dirty="0">
                 <a:solidFill>
                   <a:srgbClr val="141E2D"/>
                 </a:solidFill>
                 <a:effectLst/>
                 <a:latin typeface="Plus Jakarta"/>
               </a:rPr>
-              <a:t>Step 1: Define Parameters and Plan Assessment</a:t>
-            </a:r>
-            <a:br>
-              <a:rPr lang="en-US" b="1" i="0" dirty="0">
+              <a:t> A </a:t>
+            </a:r>
+            <a:r>
+              <a:rPr lang="en-US" b="0" i="0" u="sng" dirty="0">
                 <a:solidFill>
                   <a:srgbClr val="141E2D"/>
                 </a:solidFill>
                 <a:effectLst/>
                 <a:latin typeface="Plus Jakarta"/>
               </a:rPr>
-            </a:br>
-            <a:endParaRPr lang="en-US" dirty="0"/>
-          </a:p>
-        </p:txBody>
-      </p:sp>
-      <p:sp>
-        <p:nvSpPr>
-          <p:cNvPr id="3" name="Content Placeholder 2">
-            <a:extLst>
-              <a:ext uri="{FF2B5EF4-FFF2-40B4-BE49-F238E27FC236}">
-                <a16:creationId xmlns:a16="http://schemas.microsoft.com/office/drawing/2014/main" id="{D91B098D-E631-847A-189F-EC91B5B9ADA0}"/>
-              </a:ext>
-            </a:extLst>
-          </p:cNvPr>
-          <p:cNvSpPr>
-            <a:spLocks noGrp="1"/>
-          </p:cNvSpPr>
-          <p:nvPr>
-            <p:ph idx="1"/>
-          </p:nvPr>
-        </p:nvSpPr>
-        <p:spPr/>
-        <p:txBody>
-          <a:bodyPr>
-            <a:normAutofit fontScale="85000" lnSpcReduction="10000"/>
-          </a:bodyPr>
-          <a:lstStyle/>
-          <a:p>
-            <a:pPr algn="l"/>
+              <a:t>vulnerability assessment</a:t>
+            </a:r>
             <a:r>
               <a:rPr lang="en-US" b="0" i="0" dirty="0">
                 <a:solidFill>
@@ -17954,11 +17585,17 @@
                 <a:effectLst/>
                 <a:latin typeface="Plus Jakarta"/>
               </a:rPr>
-              <a:t>Before you can start the assessment process, you need to first determine the scope of your assessment and the exact components of your network that need to be assessed, such as hardware, user devices, applications, and network infrastructure.</a:t>
-            </a:r>
-          </a:p>
-          <a:p>
-            <a:pPr algn="l"/>
+              <a:t> is one of the most important pieces of an enterprise’s vulnerability management lifecycle because you can</a:t>
+            </a:r>
+            <a:r>
+              <a:rPr lang="en-US" dirty="0">
+                <a:solidFill>
+                  <a:srgbClr val="141E2D"/>
+                </a:solidFill>
+                <a:latin typeface="Plus Jakarta"/>
+              </a:rPr>
+              <a:t>not</a:t>
+            </a:r>
             <a:r>
               <a:rPr lang="en-US" b="0" i="0" dirty="0">
                 <a:solidFill>
@@ -17967,7 +17604,7 @@
                 <a:effectLst/>
                 <a:latin typeface="Plus Jakarta"/>
               </a:rPr>
-              <a:t>An important part of the planning process will be an initial discovery phase, where you identify assets and determine baselines for their individual security capabilities, risk tolerance, user permissions, configuration, and other factors.</a:t>
+              <a:t> fix security vulnerabilities you know nothing about.</a:t>
             </a:r>
           </a:p>
           <a:p>
@@ -17980,20 +17617,7 @@
                 <a:effectLst/>
                 <a:latin typeface="Plus Jakarta"/>
               </a:rPr>
-              <a:t>Now, you’ll need to determine who will be involved in the assessment process, what tools you’ll be using, the timeline for assessment and remediation, and how frequently these assessments need to be completed. </a:t>
-            </a:r>
-          </a:p>
-          <a:p>
-            <a:pPr algn="l"/>
-            <a:r>
-              <a:rPr lang="en-US" b="0" i="0" dirty="0">
-                <a:solidFill>
-                  <a:srgbClr val="141E2D"/>
-                </a:solidFill>
-                <a:effectLst/>
-                <a:latin typeface="Plus Jakarta"/>
-              </a:rPr>
-              <a:t>If you are not already using third-party tools to scan and analyze vulnerabilities, now is the time to research the market and determine if you have all the resources you need for a successful assessment.</a:t>
+              <a:t>Through the vulnerability assessment process, networks and assets are scanned and newly discovered vulnerabilities are analyzed and scored based on risk.</a:t>
             </a:r>
           </a:p>
           <a:p>
@@ -18003,10 +17627,10 @@
       </p:sp>
       <p:sp>
         <p:nvSpPr>
-          <p:cNvPr id="4" name="Slide Number Placeholder 3">
-            <a:extLst>
-              <a:ext uri="{FF2B5EF4-FFF2-40B4-BE49-F238E27FC236}">
-                <a16:creationId xmlns:a16="http://schemas.microsoft.com/office/drawing/2014/main" id="{AC2D7B1A-0EFF-DF3A-2CD3-16389FE409CF}"/>
+          <p:cNvPr id="2" name="Slide Number Placeholder 1">
+            <a:extLst>
+              <a:ext uri="{FF2B5EF4-FFF2-40B4-BE49-F238E27FC236}">
+                <a16:creationId xmlns:a16="http://schemas.microsoft.com/office/drawing/2014/main" id="{525775C2-DBE5-E15F-5674-A8C235966270}"/>
               </a:ext>
             </a:extLst>
           </p:cNvPr>
@@ -18033,7 +17657,7 @@
     </p:spTree>
     <p:extLst>
       <p:ext uri="{BB962C8B-B14F-4D97-AF65-F5344CB8AC3E}">
-        <p14:creationId xmlns:p14="http://schemas.microsoft.com/office/powerpoint/2010/main" val="740802756"/>
+        <p14:creationId xmlns:p14="http://schemas.microsoft.com/office/powerpoint/2010/main" val="3954503290"/>
       </p:ext>
     </p:extLst>
   </p:cSld>
@@ -18065,7 +17689,7 @@
           <p:cNvPr id="2" name="Title 1">
             <a:extLst>
               <a:ext uri="{FF2B5EF4-FFF2-40B4-BE49-F238E27FC236}">
-                <a16:creationId xmlns:a16="http://schemas.microsoft.com/office/drawing/2014/main" id="{5FF501AC-55F8-26E1-6B3F-9E79D1174CBB}"/>
+                <a16:creationId xmlns:a16="http://schemas.microsoft.com/office/drawing/2014/main" id="{8B7F4AB0-BCEA-5652-A938-25EA5598A7F2}"/>
               </a:ext>
             </a:extLst>
           </p:cNvPr>
@@ -18078,7 +17702,9 @@
         </p:nvSpPr>
         <p:spPr/>
         <p:txBody>
-          <a:bodyPr/>
+          <a:bodyPr>
+            <a:normAutofit fontScale="90000"/>
+          </a:bodyPr>
           <a:lstStyle/>
           <a:p>
             <a:r>
@@ -18089,7 +17715,7 @@
                 <a:effectLst/>
                 <a:latin typeface="Plus Jakarta"/>
               </a:rPr>
-              <a:t>Step 2: Scan Network for Vulnerabilities</a:t>
+              <a:t>Step 1: Define Parameters and Plan Assessment</a:t>
             </a:r>
             <a:br>
               <a:rPr lang="en-US" b="1" i="0" dirty="0">
@@ -18109,7 +17735,7 @@
           <p:cNvPr id="3" name="Content Placeholder 2">
             <a:extLst>
               <a:ext uri="{FF2B5EF4-FFF2-40B4-BE49-F238E27FC236}">
-                <a16:creationId xmlns:a16="http://schemas.microsoft.com/office/drawing/2014/main" id="{D320F7F9-ABB6-5ABA-02E0-D8A079E9A397}"/>
+                <a16:creationId xmlns:a16="http://schemas.microsoft.com/office/drawing/2014/main" id="{D91B098D-E631-847A-189F-EC91B5B9ADA0}"/>
               </a:ext>
             </a:extLst>
           </p:cNvPr>
@@ -18123,7 +17749,7 @@
         <p:spPr/>
         <p:txBody>
           <a:bodyPr>
-            <a:normAutofit fontScale="92500" lnSpcReduction="10000"/>
+            <a:normAutofit fontScale="85000" lnSpcReduction="10000"/>
           </a:bodyPr>
           <a:lstStyle/>
           <a:p>
@@ -18136,18 +17762,24 @@
                 <a:effectLst/>
                 <a:latin typeface="Plus Jakarta"/>
               </a:rPr>
-              <a:t>Now, it’s time to scan your network for security vulnerabilities, either manually or via automated </a:t>
-            </a:r>
-            <a:r>
-              <a:rPr lang="en-US" b="0" i="0" u="sng" dirty="0">
+              <a:t>Before you can start the assessment process, you need to first determine the scope of your assessment and the exact components of your network that need to be assessed, such as hardware, user devices, applications, and network infrastructure.</a:t>
+            </a:r>
+          </a:p>
+          <a:p>
+            <a:pPr algn="l"/>
+            <a:r>
+              <a:rPr lang="en-US" b="0" i="0" dirty="0">
                 <a:solidFill>
                   <a:srgbClr val="141E2D"/>
                 </a:solidFill>
                 <a:effectLst/>
                 <a:latin typeface="Plus Jakarta"/>
               </a:rPr>
-              <a:t>vulnerability scanner tools</a:t>
-            </a:r>
+              <a:t>An important part of the planning process will be an initial discovery phase, where you identify assets and determine baselines for their individual security capabilities, risk tolerance, user permissions, configuration, and other factors.</a:t>
+            </a:r>
+          </a:p>
+          <a:p>
+            <a:pPr algn="l"/>
             <a:r>
               <a:rPr lang="en-US" b="0" i="0" dirty="0">
                 <a:solidFill>
@@ -18156,7 +17788,7 @@
                 <a:effectLst/>
                 <a:latin typeface="Plus Jakarta"/>
               </a:rPr>
-              <a:t>.</a:t>
+              <a:t>Now, you’ll need to determine who will be involved in the assessment process, what tools you’ll be using, the timeline for assessment and remediation, and how frequently these assessments need to be completed. </a:t>
             </a:r>
           </a:p>
           <a:p>
@@ -18169,73 +17801,7 @@
                 <a:effectLst/>
                 <a:latin typeface="Plus Jakarta"/>
               </a:rPr>
-              <a:t> Although some enterprise-level vulnerability scanners can be incredibly expensive, there are also </a:t>
-            </a:r>
-            <a:r>
-              <a:rPr lang="en-US" b="0" i="0" u="sng" dirty="0">
-                <a:solidFill>
-                  <a:srgbClr val="141E2D"/>
-                </a:solidFill>
-                <a:effectLst/>
-                <a:latin typeface="Plus Jakarta"/>
-              </a:rPr>
-              <a:t>free and open-source solutions</a:t>
-            </a:r>
-            <a:r>
-              <a:rPr lang="en-US" b="0" i="0" dirty="0">
-                <a:solidFill>
-                  <a:srgbClr val="141E2D"/>
-                </a:solidFill>
-                <a:effectLst/>
-                <a:latin typeface="Plus Jakarta"/>
-              </a:rPr>
-              <a:t> that might be a fit for your organization.</a:t>
-            </a:r>
-          </a:p>
-          <a:p>
-            <a:pPr algn="l"/>
-            <a:r>
-              <a:rPr lang="en-US" b="0" i="0" dirty="0">
-                <a:solidFill>
-                  <a:srgbClr val="141E2D"/>
-                </a:solidFill>
-                <a:effectLst/>
-                <a:latin typeface="Plus Jakarta"/>
-              </a:rPr>
-              <a:t>Alongside the actual scan, you’ll use </a:t>
-            </a:r>
-            <a:r>
-              <a:rPr lang="en-US" b="0" i="0" u="sng" dirty="0">
-                <a:solidFill>
-                  <a:srgbClr val="141E2D"/>
-                </a:solidFill>
-                <a:effectLst/>
-                <a:latin typeface="Plus Jakarta"/>
-              </a:rPr>
-              <a:t>threat intelligence</a:t>
-            </a:r>
-            <a:r>
-              <a:rPr lang="en-US" b="0" i="0" dirty="0">
-                <a:solidFill>
-                  <a:srgbClr val="141E2D"/>
-                </a:solidFill>
-                <a:effectLst/>
-                <a:latin typeface="Plus Jakarta"/>
-              </a:rPr>
-              <a:t> and vulnerability databases to identify security flaws and weaknesses and filter out false positives.</a:t>
-            </a:r>
-          </a:p>
-          <a:p>
-            <a:pPr algn="l"/>
-            <a:r>
-              <a:rPr lang="en-US" b="0" i="0" dirty="0">
-                <a:solidFill>
-                  <a:srgbClr val="141E2D"/>
-                </a:solidFill>
-                <a:effectLst/>
-                <a:latin typeface="Plus Jakarta"/>
-              </a:rPr>
-              <a:t> Don’t be too concerned if your scan’s results show numerous network vulnerabilities; that’s to be expected, especially the first time your organization starts to focus on vulnerability management and remediation.</a:t>
+              <a:t>If you are not already using third-party tools to scan and analyze vulnerabilities, now is the time to research the market and determine if you have all the resources you need for a successful assessment.</a:t>
             </a:r>
           </a:p>
           <a:p>
@@ -18248,7 +17814,7 @@
           <p:cNvPr id="4" name="Slide Number Placeholder 3">
             <a:extLst>
               <a:ext uri="{FF2B5EF4-FFF2-40B4-BE49-F238E27FC236}">
-                <a16:creationId xmlns:a16="http://schemas.microsoft.com/office/drawing/2014/main" id="{4392F061-D28A-A8C1-6B28-6B9D3FA10873}"/>
+                <a16:creationId xmlns:a16="http://schemas.microsoft.com/office/drawing/2014/main" id="{AC2D7B1A-0EFF-DF3A-2CD3-16389FE409CF}"/>
               </a:ext>
             </a:extLst>
           </p:cNvPr>
@@ -18275,7 +17841,7 @@
     </p:spTree>
     <p:extLst>
       <p:ext uri="{BB962C8B-B14F-4D97-AF65-F5344CB8AC3E}">
-        <p14:creationId xmlns:p14="http://schemas.microsoft.com/office/powerpoint/2010/main" val="2806637228"/>
+        <p14:creationId xmlns:p14="http://schemas.microsoft.com/office/powerpoint/2010/main" val="740802756"/>
       </p:ext>
     </p:extLst>
   </p:cSld>
@@ -18307,7 +17873,7 @@
           <p:cNvPr id="2" name="Title 1">
             <a:extLst>
               <a:ext uri="{FF2B5EF4-FFF2-40B4-BE49-F238E27FC236}">
-                <a16:creationId xmlns:a16="http://schemas.microsoft.com/office/drawing/2014/main" id="{59C809B5-B463-AA73-504D-EEBA3CFBC876}"/>
+                <a16:creationId xmlns:a16="http://schemas.microsoft.com/office/drawing/2014/main" id="{5FF501AC-55F8-26E1-6B3F-9E79D1174CBB}"/>
               </a:ext>
             </a:extLst>
           </p:cNvPr>
@@ -18331,7 +17897,7 @@
                 <a:effectLst/>
                 <a:latin typeface="Plus Jakarta"/>
               </a:rPr>
-              <a:t>Step 3: Analyze Results</a:t>
+              <a:t>Step 2: Scan Network for Vulnerabilities</a:t>
             </a:r>
             <a:br>
               <a:rPr lang="en-US" b="1" i="0" dirty="0">
@@ -18351,7 +17917,7 @@
           <p:cNvPr id="3" name="Content Placeholder 2">
             <a:extLst>
               <a:ext uri="{FF2B5EF4-FFF2-40B4-BE49-F238E27FC236}">
-                <a16:creationId xmlns:a16="http://schemas.microsoft.com/office/drawing/2014/main" id="{6033B280-2B5B-057A-F408-1E3ED8B29273}"/>
+                <a16:creationId xmlns:a16="http://schemas.microsoft.com/office/drawing/2014/main" id="{D320F7F9-ABB6-5ABA-02E0-D8A079E9A397}"/>
               </a:ext>
             </a:extLst>
           </p:cNvPr>
@@ -18378,24 +17944,18 @@
                 <a:effectLst/>
                 <a:latin typeface="Plus Jakarta"/>
               </a:rPr>
-              <a:t>Your network vulnerability scan has likely returned massive amounts of vulnerability data, much of which is unstructured — now it’s time to analyze and organize that data.</a:t>
-            </a:r>
-          </a:p>
-          <a:p>
-            <a:pPr algn="l"/>
-            <a:r>
-              <a:rPr lang="en-US" b="0" i="0" dirty="0">
+              <a:t>Now, it’s time to scan your network for security vulnerabilities, either manually or via automated </a:t>
+            </a:r>
+            <a:r>
+              <a:rPr lang="en-US" b="0" i="0" u="sng" dirty="0">
                 <a:solidFill>
                   <a:srgbClr val="141E2D"/>
                 </a:solidFill>
                 <a:effectLst/>
                 <a:latin typeface="Plus Jakarta"/>
               </a:rPr>
-              <a:t> Consider not only the criticality of a vulnerability and the likelihood of it being exploited but also what network resources will be impacted if an attack targets that vulnerability. </a:t>
-            </a:r>
-          </a:p>
-          <a:p>
-            <a:pPr algn="l"/>
+              <a:t>vulnerability scanner tools</a:t>
+            </a:r>
             <a:r>
               <a:rPr lang="en-US" b="0" i="0" dirty="0">
                 <a:solidFill>
@@ -18404,7 +17964,7 @@
                 <a:effectLst/>
                 <a:latin typeface="Plus Jakarta"/>
               </a:rPr>
-              <a:t>This data will be especially important when communicating with business stakeholders about the steps you want to take to remediate specific vulnerabilities.</a:t>
+              <a:t>.</a:t>
             </a:r>
           </a:p>
           <a:p>
@@ -18417,7 +17977,7 @@
                 <a:effectLst/>
                 <a:latin typeface="Plus Jakarta"/>
               </a:rPr>
-              <a:t>As an additional note, it’s a good idea to look beyond vulnerability scan results. Ideally, you’ll also have data from firewall logs, </a:t>
+              <a:t> Although some enterprise-level vulnerability scanners can be incredibly expensive, there are also </a:t>
             </a:r>
             <a:r>
               <a:rPr lang="en-US" b="0" i="0" u="sng" dirty="0">
@@ -18427,7 +17987,7 @@
                 <a:effectLst/>
                 <a:latin typeface="Plus Jakarta"/>
               </a:rPr>
-              <a:t>penetration tests</a:t>
+              <a:t>free and open-source solutions</a:t>
             </a:r>
             <a:r>
               <a:rPr lang="en-US" b="0" i="0" dirty="0">
@@ -18437,7 +17997,53 @@
                 <a:effectLst/>
                 <a:latin typeface="Plus Jakarta"/>
               </a:rPr>
-              <a:t>, and network scans to review as well.</a:t>
+              <a:t> that might be a fit for your organization.</a:t>
+            </a:r>
+          </a:p>
+          <a:p>
+            <a:pPr algn="l"/>
+            <a:r>
+              <a:rPr lang="en-US" b="0" i="0" dirty="0">
+                <a:solidFill>
+                  <a:srgbClr val="141E2D"/>
+                </a:solidFill>
+                <a:effectLst/>
+                <a:latin typeface="Plus Jakarta"/>
+              </a:rPr>
+              <a:t>Alongside the actual scan, you’ll use </a:t>
+            </a:r>
+            <a:r>
+              <a:rPr lang="en-US" b="0" i="0" u="sng" dirty="0">
+                <a:solidFill>
+                  <a:srgbClr val="141E2D"/>
+                </a:solidFill>
+                <a:effectLst/>
+                <a:latin typeface="Plus Jakarta"/>
+              </a:rPr>
+              <a:t>threat intelligence</a:t>
+            </a:r>
+            <a:r>
+              <a:rPr lang="en-US" b="0" i="0" dirty="0">
+                <a:solidFill>
+                  <a:srgbClr val="141E2D"/>
+                </a:solidFill>
+                <a:effectLst/>
+                <a:latin typeface="Plus Jakarta"/>
+              </a:rPr>
+              <a:t> and vulnerability databases to identify security flaws and weaknesses and filter out false positives.</a:t>
+            </a:r>
+          </a:p>
+          <a:p>
+            <a:pPr algn="l"/>
+            <a:r>
+              <a:rPr lang="en-US" b="0" i="0" dirty="0">
+                <a:solidFill>
+                  <a:srgbClr val="141E2D"/>
+                </a:solidFill>
+                <a:effectLst/>
+                <a:latin typeface="Plus Jakarta"/>
+              </a:rPr>
+              <a:t> Don’t be too concerned if your scan’s results show numerous network vulnerabilities; that’s to be expected, especially the first time your organization starts to focus on vulnerability management and remediation.</a:t>
             </a:r>
           </a:p>
           <a:p>
@@ -18450,7 +18056,7 @@
           <p:cNvPr id="4" name="Slide Number Placeholder 3">
             <a:extLst>
               <a:ext uri="{FF2B5EF4-FFF2-40B4-BE49-F238E27FC236}">
-                <a16:creationId xmlns:a16="http://schemas.microsoft.com/office/drawing/2014/main" id="{58A79332-AE83-9A37-112C-228B38F61E6A}"/>
+                <a16:creationId xmlns:a16="http://schemas.microsoft.com/office/drawing/2014/main" id="{4392F061-D28A-A8C1-6B28-6B9D3FA10873}"/>
               </a:ext>
             </a:extLst>
           </p:cNvPr>
@@ -18477,7 +18083,7 @@
     </p:spTree>
     <p:extLst>
       <p:ext uri="{BB962C8B-B14F-4D97-AF65-F5344CB8AC3E}">
-        <p14:creationId xmlns:p14="http://schemas.microsoft.com/office/powerpoint/2010/main" val="3091877266"/>
+        <p14:creationId xmlns:p14="http://schemas.microsoft.com/office/powerpoint/2010/main" val="2806637228"/>
       </p:ext>
     </p:extLst>
   </p:cSld>
@@ -18509,7 +18115,7 @@
           <p:cNvPr id="2" name="Title 1">
             <a:extLst>
               <a:ext uri="{FF2B5EF4-FFF2-40B4-BE49-F238E27FC236}">
-                <a16:creationId xmlns:a16="http://schemas.microsoft.com/office/drawing/2014/main" id="{A2D9F4F4-E14E-DAE9-6CFD-09A8E7A3BDC8}"/>
+                <a16:creationId xmlns:a16="http://schemas.microsoft.com/office/drawing/2014/main" id="{59C809B5-B463-AA73-504D-EEBA3CFBC876}"/>
               </a:ext>
             </a:extLst>
           </p:cNvPr>
@@ -18533,7 +18139,7 @@
                 <a:effectLst/>
                 <a:latin typeface="Plus Jakarta"/>
               </a:rPr>
-              <a:t>Step 4: Prioritize Vulnerabilities</a:t>
+              <a:t>Step 3: Analyze Results</a:t>
             </a:r>
             <a:br>
               <a:rPr lang="en-US" b="1" i="0" dirty="0">
@@ -18553,7 +18159,7 @@
           <p:cNvPr id="3" name="Content Placeholder 2">
             <a:extLst>
               <a:ext uri="{FF2B5EF4-FFF2-40B4-BE49-F238E27FC236}">
-                <a16:creationId xmlns:a16="http://schemas.microsoft.com/office/drawing/2014/main" id="{878D1DC2-4411-2FC2-15D0-5814A98BC667}"/>
+                <a16:creationId xmlns:a16="http://schemas.microsoft.com/office/drawing/2014/main" id="{6033B280-2B5B-057A-F408-1E3ED8B29273}"/>
               </a:ext>
             </a:extLst>
           </p:cNvPr>
@@ -18567,7 +18173,7 @@
         <p:spPr/>
         <p:txBody>
           <a:bodyPr>
-            <a:normAutofit fontScale="92500" lnSpcReduction="20000"/>
+            <a:normAutofit fontScale="92500" lnSpcReduction="10000"/>
           </a:bodyPr>
           <a:lstStyle/>
           <a:p>
@@ -18580,7 +18186,7 @@
                 <a:effectLst/>
                 <a:latin typeface="Plus Jakarta"/>
               </a:rPr>
-              <a:t>The most severe vulnerabilities in your vulnerability scans will need to be identified and addressed first. </a:t>
+              <a:t>Your network vulnerability scan has likely returned massive amounts of vulnerability data, much of which is unstructured — now it’s time to analyze and organize that data.</a:t>
             </a:r>
           </a:p>
           <a:p>
@@ -18588,13 +18194,16 @@
             <a:r>
               <a:rPr lang="en-US" b="0" i="0" dirty="0">
                 <a:solidFill>
-                  <a:srgbClr val="FF0000"/>
+                  <a:srgbClr val="141E2D"/>
                 </a:solidFill>
                 <a:effectLst/>
                 <a:latin typeface="Plus Jakarta"/>
               </a:rPr>
-              <a:t>Critical vulnerabilities are security issues that are already causing damage and/or unwarranted access to the network and should be at the top of your risk prioritization list</a:t>
-            </a:r>
+              <a:t> Consider not only the criticality of a vulnerability and the likelihood of it being exploited but also what network resources will be impacted if an attack targets that vulnerability. </a:t>
+            </a:r>
+          </a:p>
+          <a:p>
+            <a:pPr algn="l"/>
             <a:r>
               <a:rPr lang="en-US" b="0" i="0" dirty="0">
                 <a:solidFill>
@@ -18603,7 +18212,7 @@
                 <a:effectLst/>
                 <a:latin typeface="Plus Jakarta"/>
               </a:rPr>
-              <a:t>.</a:t>
+              <a:t>This data will be especially important when communicating with business stakeholders about the steps you want to take to remediate specific vulnerabilities.</a:t>
             </a:r>
           </a:p>
           <a:p>
@@ -18616,24 +18225,18 @@
                 <a:effectLst/>
                 <a:latin typeface="Plus Jakarta"/>
               </a:rPr>
-              <a:t> Right below these vulnerabilities are the ones that have possible exploits malicious actors could take advantage of in the future.</a:t>
-            </a:r>
-          </a:p>
-          <a:p>
-            <a:pPr algn="l"/>
-            <a:r>
-              <a:rPr lang="en-US" b="0" i="0" dirty="0">
+              <a:t>As an additional note, it’s a good idea to look beyond vulnerability scan results. Ideally, you’ll also have data from firewall logs, </a:t>
+            </a:r>
+            <a:r>
+              <a:rPr lang="en-US" b="0" i="0" u="sng" dirty="0">
                 <a:solidFill>
                   <a:srgbClr val="141E2D"/>
                 </a:solidFill>
                 <a:effectLst/>
                 <a:latin typeface="Plus Jakarta"/>
               </a:rPr>
-              <a:t>While all vulnerabilities will need to be addressed at some point, your initial vulnerability scan will return overwhelming numbers of vulnerabilities that you cannot correct all at once. </a:t>
-            </a:r>
-          </a:p>
-          <a:p>
-            <a:pPr algn="l"/>
+              <a:t>penetration tests</a:t>
+            </a:r>
             <a:r>
               <a:rPr lang="en-US" b="0" i="0" dirty="0">
                 <a:solidFill>
@@ -18642,7 +18245,7 @@
                 <a:effectLst/>
                 <a:latin typeface="Plus Jakarta"/>
               </a:rPr>
-              <a:t>This step is an important move toward making your vulnerability assessment data measurable and actionable.</a:t>
+              <a:t>, and network scans to review as well.</a:t>
             </a:r>
           </a:p>
           <a:p>
@@ -18655,7 +18258,7 @@
           <p:cNvPr id="4" name="Slide Number Placeholder 3">
             <a:extLst>
               <a:ext uri="{FF2B5EF4-FFF2-40B4-BE49-F238E27FC236}">
-                <a16:creationId xmlns:a16="http://schemas.microsoft.com/office/drawing/2014/main" id="{41437241-00F3-EB2B-6874-7D4B9DE55091}"/>
+                <a16:creationId xmlns:a16="http://schemas.microsoft.com/office/drawing/2014/main" id="{58A79332-AE83-9A37-112C-228B38F61E6A}"/>
               </a:ext>
             </a:extLst>
           </p:cNvPr>
@@ -18682,7 +18285,7 @@
     </p:spTree>
     <p:extLst>
       <p:ext uri="{BB962C8B-B14F-4D97-AF65-F5344CB8AC3E}">
-        <p14:creationId xmlns:p14="http://schemas.microsoft.com/office/powerpoint/2010/main" val="1489478491"/>
+        <p14:creationId xmlns:p14="http://schemas.microsoft.com/office/powerpoint/2010/main" val="3091877266"/>
       </p:ext>
     </p:extLst>
   </p:cSld>
@@ -18714,7 +18317,7 @@
           <p:cNvPr id="2" name="Title 1">
             <a:extLst>
               <a:ext uri="{FF2B5EF4-FFF2-40B4-BE49-F238E27FC236}">
-                <a16:creationId xmlns:a16="http://schemas.microsoft.com/office/drawing/2014/main" id="{D4D3F5B1-7BB6-2324-DF35-7FD5C82259FD}"/>
+                <a16:creationId xmlns:a16="http://schemas.microsoft.com/office/drawing/2014/main" id="{A2D9F4F4-E14E-DAE9-6CFD-09A8E7A3BDC8}"/>
               </a:ext>
             </a:extLst>
           </p:cNvPr>
@@ -18727,9 +18330,7 @@
         </p:nvSpPr>
         <p:spPr/>
         <p:txBody>
-          <a:bodyPr>
-            <a:normAutofit fontScale="90000"/>
-          </a:bodyPr>
+          <a:bodyPr/>
           <a:lstStyle/>
           <a:p>
             <a:r>
@@ -18740,7 +18341,7 @@
                 <a:effectLst/>
                 <a:latin typeface="Plus Jakarta"/>
               </a:rPr>
-              <a:t>Step 5: Create the Vulnerability Assessment Report</a:t>
+              <a:t>Step 4: Prioritize Vulnerabilities</a:t>
             </a:r>
             <a:br>
               <a:rPr lang="en-US" b="1" i="0" dirty="0">
@@ -18760,7 +18361,7 @@
           <p:cNvPr id="3" name="Content Placeholder 2">
             <a:extLst>
               <a:ext uri="{FF2B5EF4-FFF2-40B4-BE49-F238E27FC236}">
-                <a16:creationId xmlns:a16="http://schemas.microsoft.com/office/drawing/2014/main" id="{ECF084C8-EF8A-16BD-3A7D-20ADCE3DAD9A}"/>
+                <a16:creationId xmlns:a16="http://schemas.microsoft.com/office/drawing/2014/main" id="{878D1DC2-4411-2FC2-15D0-5814A98BC667}"/>
               </a:ext>
             </a:extLst>
           </p:cNvPr>
@@ -18774,7 +18375,7 @@
         <p:spPr/>
         <p:txBody>
           <a:bodyPr>
-            <a:normAutofit fontScale="92500" lnSpcReduction="10000"/>
+            <a:normAutofit fontScale="92500" lnSpcReduction="20000"/>
           </a:bodyPr>
           <a:lstStyle/>
           <a:p>
@@ -18787,17 +18388,20 @@
                 <a:effectLst/>
                 <a:latin typeface="Plus Jakarta"/>
               </a:rPr>
-              <a:t>Now that you’ve completed the </a:t>
-            </a:r>
+              <a:t>The most severe vulnerabilities in your vulnerability scans will need to be identified and addressed first. </a:t>
+            </a:r>
+          </a:p>
+          <a:p>
+            <a:pPr algn="l"/>
             <a:r>
               <a:rPr lang="en-US" b="0" i="0" dirty="0">
                 <a:solidFill>
-                  <a:srgbClr val="0070C0"/>
+                  <a:srgbClr val="FF0000"/>
                 </a:solidFill>
                 <a:effectLst/>
                 <a:latin typeface="Plus Jakarta"/>
               </a:rPr>
-              <a:t>vulnerability assessment scan, analysis, and risk prioritization steps</a:t>
+              <a:t>Critical vulnerabilities are security issues that are already causing damage and/or unwarranted access to the network and should be at the top of your risk prioritization list</a:t>
             </a:r>
             <a:r>
               <a:rPr lang="en-US" b="0" i="0" dirty="0">
@@ -18807,7 +18411,7 @@
                 <a:effectLst/>
                 <a:latin typeface="Plus Jakarta"/>
               </a:rPr>
-              <a:t>, it’s time to document your findings in a vulnerability assessment report. </a:t>
+              <a:t>.</a:t>
             </a:r>
           </a:p>
           <a:p>
@@ -18820,7 +18424,7 @@
                 <a:effectLst/>
                 <a:latin typeface="Plus Jakarta"/>
               </a:rPr>
-              <a:t>This report will detail all vulnerabilities that were discovered, along with their severity, potential attack vectors within the network, and possible solutions.</a:t>
+              <a:t> Right below these vulnerabilities are the ones that have possible exploits malicious actors could take advantage of in the future.</a:t>
             </a:r>
           </a:p>
           <a:p>
@@ -18833,7 +18437,7 @@
                 <a:effectLst/>
                 <a:latin typeface="Plus Jakarta"/>
               </a:rPr>
-              <a:t>Portions of this report can use technical jargon and instructions directed at the cybersecurity or vulnerability specialists who will be remediating and mitigating vulnerabilities.</a:t>
+              <a:t>While all vulnerabilities will need to be addressed at some point, your initial vulnerability scan will return overwhelming numbers of vulnerabilities that you cannot correct all at once. </a:t>
             </a:r>
           </a:p>
           <a:p>
@@ -18846,7 +18450,7 @@
                 <a:effectLst/>
                 <a:latin typeface="Plus Jakarta"/>
               </a:rPr>
-              <a:t> However, the report still needs to include visualizations and explanations that help less-technical business leaders — like the CEO — understand the work that’s being done and why.</a:t>
+              <a:t>This step is an important move toward making your vulnerability assessment data measurable and actionable.</a:t>
             </a:r>
           </a:p>
           <a:p>
@@ -18859,7 +18463,7 @@
           <p:cNvPr id="4" name="Slide Number Placeholder 3">
             <a:extLst>
               <a:ext uri="{FF2B5EF4-FFF2-40B4-BE49-F238E27FC236}">
-                <a16:creationId xmlns:a16="http://schemas.microsoft.com/office/drawing/2014/main" id="{239D8110-F6D3-B8CB-1B8D-D65C5B55FD95}"/>
+                <a16:creationId xmlns:a16="http://schemas.microsoft.com/office/drawing/2014/main" id="{41437241-00F3-EB2B-6874-7D4B9DE55091}"/>
               </a:ext>
             </a:extLst>
           </p:cNvPr>
@@ -18886,7 +18490,7 @@
     </p:spTree>
     <p:extLst>
       <p:ext uri="{BB962C8B-B14F-4D97-AF65-F5344CB8AC3E}">
-        <p14:creationId xmlns:p14="http://schemas.microsoft.com/office/powerpoint/2010/main" val="615729446"/>
+        <p14:creationId xmlns:p14="http://schemas.microsoft.com/office/powerpoint/2010/main" val="1489478491"/>
       </p:ext>
     </p:extLst>
   </p:cSld>
@@ -18918,7 +18522,7 @@
           <p:cNvPr id="2" name="Title 1">
             <a:extLst>
               <a:ext uri="{FF2B5EF4-FFF2-40B4-BE49-F238E27FC236}">
-                <a16:creationId xmlns:a16="http://schemas.microsoft.com/office/drawing/2014/main" id="{0C1DD048-B48A-7972-44F1-11F8DB8B127C}"/>
+                <a16:creationId xmlns:a16="http://schemas.microsoft.com/office/drawing/2014/main" id="{D4D3F5B1-7BB6-2324-DF35-7FD5C82259FD}"/>
               </a:ext>
             </a:extLst>
           </p:cNvPr>
@@ -18944,7 +18548,7 @@
                 <a:effectLst/>
                 <a:latin typeface="Plus Jakarta"/>
               </a:rPr>
-              <a:t>Step 6: Use Results to Inform Remediation and Mitigation</a:t>
+              <a:t>Step 5: Create the Vulnerability Assessment Report</a:t>
             </a:r>
             <a:br>
               <a:rPr lang="en-US" b="1" i="0" dirty="0">
@@ -18964,7 +18568,7 @@
           <p:cNvPr id="3" name="Content Placeholder 2">
             <a:extLst>
               <a:ext uri="{FF2B5EF4-FFF2-40B4-BE49-F238E27FC236}">
-                <a16:creationId xmlns:a16="http://schemas.microsoft.com/office/drawing/2014/main" id="{02F0499B-CD62-87B9-E2BB-4E40C1A9A130}"/>
+                <a16:creationId xmlns:a16="http://schemas.microsoft.com/office/drawing/2014/main" id="{ECF084C8-EF8A-16BD-3A7D-20ADCE3DAD9A}"/>
               </a:ext>
             </a:extLst>
           </p:cNvPr>
@@ -18977,9 +18581,12 @@
         </p:nvSpPr>
         <p:spPr/>
         <p:txBody>
-          <a:bodyPr/>
-          <a:lstStyle/>
-          <a:p>
+          <a:bodyPr>
+            <a:normAutofit fontScale="92500" lnSpcReduction="10000"/>
+          </a:bodyPr>
+          <a:lstStyle/>
+          <a:p>
+            <a:pPr algn="l"/>
             <a:r>
               <a:rPr lang="en-US" b="0" i="0" dirty="0">
                 <a:solidFill>
@@ -18988,20 +18595,70 @@
                 <a:effectLst/>
                 <a:latin typeface="Plus Jakarta"/>
               </a:rPr>
-              <a:t>You’ve identified and prioritized security vulnerabilities on and in your network, and now that you’ve reported on these problems and your plans to resolve them, it’s time to act. </a:t>
-            </a:r>
-          </a:p>
-          <a:p>
+              <a:t>Now that you’ve completed the </a:t>
+            </a:r>
             <a:r>
               <a:rPr lang="en-US" b="0" i="0" dirty="0">
                 <a:solidFill>
-                  <a:srgbClr val="141E2D"/>
+                  <a:srgbClr val="0070C0"/>
                 </a:solidFill>
                 <a:effectLst/>
                 <a:latin typeface="Plus Jakarta"/>
               </a:rPr>
-              <a:t>You may be able to remediate some of your most critical vulnerabilities with actual patches, but others will require lesser mitigation techniques.</a:t>
-            </a:r>
+              <a:t>vulnerability assessment scan, analysis, and risk prioritization steps</a:t>
+            </a:r>
+            <a:r>
+              <a:rPr lang="en-US" b="0" i="0" dirty="0">
+                <a:solidFill>
+                  <a:srgbClr val="141E2D"/>
+                </a:solidFill>
+                <a:effectLst/>
+                <a:latin typeface="Plus Jakarta"/>
+              </a:rPr>
+              <a:t>, it’s time to document your findings in a vulnerability assessment report. </a:t>
+            </a:r>
+          </a:p>
+          <a:p>
+            <a:pPr algn="l"/>
+            <a:r>
+              <a:rPr lang="en-US" b="0" i="0" dirty="0">
+                <a:solidFill>
+                  <a:srgbClr val="141E2D"/>
+                </a:solidFill>
+                <a:effectLst/>
+                <a:latin typeface="Plus Jakarta"/>
+              </a:rPr>
+              <a:t>This report will detail all vulnerabilities that were discovered, along with their severity, potential attack vectors within the network, and possible solutions.</a:t>
+            </a:r>
+          </a:p>
+          <a:p>
+            <a:pPr algn="l"/>
+            <a:r>
+              <a:rPr lang="en-US" b="0" i="0" dirty="0">
+                <a:solidFill>
+                  <a:srgbClr val="141E2D"/>
+                </a:solidFill>
+                <a:effectLst/>
+                <a:latin typeface="Plus Jakarta"/>
+              </a:rPr>
+              <a:t>Portions of this report can use technical jargon and instructions directed at the cybersecurity or vulnerability specialists who will be remediating and mitigating vulnerabilities.</a:t>
+            </a:r>
+          </a:p>
+          <a:p>
+            <a:pPr algn="l"/>
+            <a:r>
+              <a:rPr lang="en-US" b="0" i="0" dirty="0">
+                <a:solidFill>
+                  <a:srgbClr val="141E2D"/>
+                </a:solidFill>
+                <a:effectLst/>
+                <a:latin typeface="Plus Jakarta"/>
+              </a:rPr>
+              <a:t> However, the report still needs to include visualizations and explanations that help less-technical business leaders — like the CEO — understand the work that’s being done and why.</a:t>
+            </a:r>
+          </a:p>
+          <a:p>
+            <a:endParaRPr lang="en-US" dirty="0"/>
           </a:p>
         </p:txBody>
       </p:sp>
@@ -19010,7 +18667,7 @@
           <p:cNvPr id="4" name="Slide Number Placeholder 3">
             <a:extLst>
               <a:ext uri="{FF2B5EF4-FFF2-40B4-BE49-F238E27FC236}">
-                <a16:creationId xmlns:a16="http://schemas.microsoft.com/office/drawing/2014/main" id="{8FF8F3E7-98E1-F41F-DA00-A01BC9B326C9}"/>
+                <a16:creationId xmlns:a16="http://schemas.microsoft.com/office/drawing/2014/main" id="{239D8110-F6D3-B8CB-1B8D-D65C5B55FD95}"/>
               </a:ext>
             </a:extLst>
           </p:cNvPr>
@@ -19037,7 +18694,7 @@
     </p:spTree>
     <p:extLst>
       <p:ext uri="{BB962C8B-B14F-4D97-AF65-F5344CB8AC3E}">
-        <p14:creationId xmlns:p14="http://schemas.microsoft.com/office/powerpoint/2010/main" val="170422035"/>
+        <p14:creationId xmlns:p14="http://schemas.microsoft.com/office/powerpoint/2010/main" val="615729446"/>
       </p:ext>
     </p:extLst>
   </p:cSld>
@@ -19069,7 +18726,7 @@
           <p:cNvPr id="2" name="Title 1">
             <a:extLst>
               <a:ext uri="{FF2B5EF4-FFF2-40B4-BE49-F238E27FC236}">
-                <a16:creationId xmlns:a16="http://schemas.microsoft.com/office/drawing/2014/main" id="{DB85D5DB-0170-0C0B-0582-8D4FE00C8D7B}"/>
+                <a16:creationId xmlns:a16="http://schemas.microsoft.com/office/drawing/2014/main" id="{0C1DD048-B48A-7972-44F1-11F8DB8B127C}"/>
               </a:ext>
             </a:extLst>
           </p:cNvPr>
@@ -19095,7 +18752,7 @@
                 <a:effectLst/>
                 <a:latin typeface="Plus Jakarta"/>
               </a:rPr>
-              <a:t>Step 7: Regularly Repeat Vulnerability Assessments</a:t>
+              <a:t>Step 6: Use Results to Inform Remediation and Mitigation</a:t>
             </a:r>
             <a:br>
               <a:rPr lang="en-US" b="1" i="0" dirty="0">
@@ -19115,7 +18772,7 @@
           <p:cNvPr id="3" name="Content Placeholder 2">
             <a:extLst>
               <a:ext uri="{FF2B5EF4-FFF2-40B4-BE49-F238E27FC236}">
-                <a16:creationId xmlns:a16="http://schemas.microsoft.com/office/drawing/2014/main" id="{0EBE575B-78F9-27A4-024A-C80CA1C8FF6E}"/>
+                <a16:creationId xmlns:a16="http://schemas.microsoft.com/office/drawing/2014/main" id="{02F0499B-CD62-87B9-E2BB-4E40C1A9A130}"/>
               </a:ext>
             </a:extLst>
           </p:cNvPr>
@@ -19139,58 +18796,20 @@
                 <a:effectLst/>
                 <a:latin typeface="Plus Jakarta"/>
               </a:rPr>
-              <a:t>Vulnerability assessments provide great snapshots of your </a:t>
-            </a:r>
-            <a:r>
-              <a:rPr lang="en-US" i="0" u="sng" dirty="0">
+              <a:t>You’ve identified and prioritized security vulnerabilities on and in your network, and now that you’ve reported on these problems and your plans to resolve them, it’s time to act. </a:t>
+            </a:r>
+          </a:p>
+          <a:p>
+            <a:r>
+              <a:rPr lang="en-US" b="0" i="0" dirty="0">
+                <a:solidFill>
+                  <a:srgbClr val="141E2D"/>
+                </a:solidFill>
                 <a:effectLst/>
                 <a:latin typeface="Plus Jakarta"/>
               </a:rPr>
-              <a:t>network security</a:t>
-            </a:r>
-            <a:r>
-              <a:rPr lang="en-US" b="0" i="0" dirty="0">
-                <a:solidFill>
-                  <a:srgbClr val="141E2D"/>
-                </a:solidFill>
-                <a:effectLst/>
-                <a:latin typeface="Plus Jakarta"/>
-              </a:rPr>
-              <a:t> landscape when they’re first conducted; but almost as soon as the assessment is complete, new applications, users, permissions, datasets, and other features change the landscape of your network and open it up to additional </a:t>
-            </a:r>
-            <a:r>
-              <a:rPr lang="en-US" b="0" i="0">
-                <a:solidFill>
-                  <a:srgbClr val="141E2D"/>
-                </a:solidFill>
-                <a:effectLst/>
-                <a:latin typeface="Plus Jakarta"/>
-              </a:rPr>
-              <a:t>threats.</a:t>
-            </a:r>
-          </a:p>
-          <a:p>
-            <a:r>
-              <a:rPr lang="en-US" b="0" i="0">
-                <a:solidFill>
-                  <a:srgbClr val="141E2D"/>
-                </a:solidFill>
-                <a:effectLst/>
-                <a:latin typeface="Plus Jakarta"/>
-              </a:rPr>
-              <a:t> </a:t>
-            </a:r>
-            <a:r>
-              <a:rPr lang="en-US" b="0" i="0" dirty="0">
-                <a:solidFill>
-                  <a:srgbClr val="141E2D"/>
-                </a:solidFill>
-                <a:effectLst/>
-                <a:latin typeface="Plus Jakarta"/>
-              </a:rPr>
-              <a:t>It’s necessary to continue cycling through the vulnerability assessment process because new vulnerabilities will emerge and existing vulnerabilities may grow more severe over time.</a:t>
-            </a:r>
-            <a:endParaRPr lang="en-US" dirty="0"/>
+              <a:t>You may be able to remediate some of your most critical vulnerabilities with actual patches, but others will require lesser mitigation techniques.</a:t>
+            </a:r>
           </a:p>
         </p:txBody>
       </p:sp>
@@ -19199,7 +18818,7 @@
           <p:cNvPr id="4" name="Slide Number Placeholder 3">
             <a:extLst>
               <a:ext uri="{FF2B5EF4-FFF2-40B4-BE49-F238E27FC236}">
-                <a16:creationId xmlns:a16="http://schemas.microsoft.com/office/drawing/2014/main" id="{BC2CE6AC-A40A-8DAF-F934-D1583DB253CC}"/>
+                <a16:creationId xmlns:a16="http://schemas.microsoft.com/office/drawing/2014/main" id="{8FF8F3E7-98E1-F41F-DA00-A01BC9B326C9}"/>
               </a:ext>
             </a:extLst>
           </p:cNvPr>
@@ -19226,7 +18845,7 @@
     </p:spTree>
     <p:extLst>
       <p:ext uri="{BB962C8B-B14F-4D97-AF65-F5344CB8AC3E}">
-        <p14:creationId xmlns:p14="http://schemas.microsoft.com/office/powerpoint/2010/main" val="674482486"/>
+        <p14:creationId xmlns:p14="http://schemas.microsoft.com/office/powerpoint/2010/main" val="170422035"/>
       </p:ext>
     </p:extLst>
   </p:cSld>
@@ -19269,7 +18888,12 @@
             <p:ph type="title"/>
           </p:nvPr>
         </p:nvSpPr>
-        <p:spPr/>
+        <p:spPr>
+          <a:xfrm>
+            <a:off x="761081" y="0"/>
+            <a:ext cx="10515600" cy="1325563"/>
+          </a:xfrm>
+        </p:spPr>
         <p:txBody>
           <a:bodyPr/>
           <a:lstStyle/>
@@ -19297,111 +18921,117 @@
             <p:ph idx="1"/>
           </p:nvPr>
         </p:nvSpPr>
-        <p:spPr/>
+        <p:spPr>
+          <a:xfrm>
+            <a:off x="254305" y="1065461"/>
+            <a:ext cx="11588827" cy="5522626"/>
+          </a:xfrm>
+        </p:spPr>
         <p:txBody>
           <a:bodyPr>
-            <a:normAutofit fontScale="92500" lnSpcReduction="10000"/>
+            <a:normAutofit lnSpcReduction="10000"/>
           </a:bodyPr>
           <a:lstStyle/>
           <a:p>
             <a:pPr algn="just"/>
             <a:r>
+              <a:rPr lang="en-US" sz="3200" b="0" i="0" u="none" strike="noStrike" baseline="0" dirty="0">
+                <a:solidFill>
+                  <a:srgbClr val="000000"/>
+                </a:solidFill>
+                <a:latin typeface="Minion Pro"/>
+              </a:rPr>
+              <a:t>Here are a few reasons why organizations might perform or have a vulnerability assessment performed: </a:t>
+            </a:r>
+          </a:p>
+          <a:p>
+            <a:pPr lvl="1" algn="just"/>
+            <a:r>
               <a:rPr lang="en-US" sz="2800" b="0" i="0" u="none" strike="noStrike" baseline="0" dirty="0">
                 <a:solidFill>
                   <a:srgbClr val="000000"/>
                 </a:solidFill>
                 <a:latin typeface="Minion Pro"/>
               </a:rPr>
-              <a:t>Here are a few reasons why organizations might perform or have a vulnerability assessment performed: </a:t>
+              <a:t>To find and identify vulnerabilities using scanners specifically designed for this type of testing </a:t>
             </a:r>
           </a:p>
           <a:p>
             <a:pPr lvl="1" algn="just"/>
             <a:r>
-              <a:rPr lang="en-US" b="0" i="0" u="none" strike="noStrike" baseline="0" dirty="0">
+              <a:rPr lang="en-US" sz="2800" b="0" i="0" u="none" strike="noStrike" baseline="0" dirty="0">
                 <a:solidFill>
                   <a:srgbClr val="000000"/>
                 </a:solidFill>
                 <a:latin typeface="Minion Pro"/>
               </a:rPr>
-              <a:t>To find and identify vulnerabilities using scanners specifically designed for this type of testing </a:t>
+              <a:t>To discover and identify vulnerabilities that may be difficult or unique to the organization </a:t>
             </a:r>
           </a:p>
           <a:p>
             <a:pPr lvl="1" algn="just"/>
             <a:r>
-              <a:rPr lang="en-US" b="0" i="0" u="none" strike="noStrike" baseline="0" dirty="0">
+              <a:rPr lang="en-US" sz="2800" b="0" i="0" u="none" strike="noStrike" baseline="0" dirty="0">
                 <a:solidFill>
                   <a:srgbClr val="000000"/>
                 </a:solidFill>
                 <a:latin typeface="Minion Pro"/>
               </a:rPr>
-              <a:t>To discover and identify vulnerabilities that may be difficult or unique to the organization </a:t>
+              <a:t>To find and identify vulnerabilities resulting from a misconfiguration </a:t>
             </a:r>
           </a:p>
           <a:p>
             <a:pPr lvl="1" algn="just"/>
             <a:r>
-              <a:rPr lang="en-US" b="0" i="0" u="none" strike="noStrike" baseline="0" dirty="0">
+              <a:rPr lang="en-US" sz="2800" b="0" i="0" u="none" strike="noStrike" baseline="0" dirty="0">
                 <a:solidFill>
                   <a:srgbClr val="000000"/>
                 </a:solidFill>
                 <a:latin typeface="Minion Pro"/>
               </a:rPr>
-              <a:t>To find and identify vulnerabilities resulting from a misconfiguration </a:t>
+              <a:t>To find and identify permissive security settings and whether least privilege is in place </a:t>
             </a:r>
           </a:p>
           <a:p>
             <a:pPr lvl="1" algn="just"/>
             <a:r>
-              <a:rPr lang="en-US" b="0" i="0" u="none" strike="noStrike" baseline="0" dirty="0">
+              <a:rPr lang="en-US" sz="2800" b="0" i="0" u="none" strike="noStrike" baseline="0" dirty="0">
                 <a:solidFill>
                   <a:srgbClr val="000000"/>
                 </a:solidFill>
                 <a:latin typeface="Minion Pro"/>
               </a:rPr>
-              <a:t>To find and identify permissive security settings and whether least privilege is in place </a:t>
+              <a:t>If a vulnerability is discovered, to determine the viability of the attack vector </a:t>
             </a:r>
           </a:p>
           <a:p>
             <a:pPr lvl="1" algn="just"/>
             <a:r>
-              <a:rPr lang="en-US" b="0" i="0" u="none" strike="noStrike" baseline="0" dirty="0">
+              <a:rPr lang="en-US" sz="2800" b="0" i="0" u="none" strike="noStrike" baseline="0" dirty="0">
                 <a:solidFill>
                   <a:srgbClr val="000000"/>
                 </a:solidFill>
                 <a:latin typeface="Minion Pro"/>
               </a:rPr>
-              <a:t>If a vulnerability is discovered, to determine the viability of the attack vector </a:t>
+              <a:t>To assess potential business and operational impact </a:t>
             </a:r>
           </a:p>
           <a:p>
             <a:pPr lvl="1" algn="just"/>
             <a:r>
-              <a:rPr lang="en-US" b="0" i="0" u="none" strike="noStrike" baseline="0" dirty="0">
+              <a:rPr lang="en-US" sz="2800" b="0" i="0" u="none" strike="noStrike" baseline="0" dirty="0">
                 <a:solidFill>
                   <a:srgbClr val="000000"/>
                 </a:solidFill>
                 <a:latin typeface="Minion Pro"/>
               </a:rPr>
-              <a:t>To assess potential business and operational impact </a:t>
-            </a:r>
-          </a:p>
-          <a:p>
-            <a:pPr lvl="1" algn="just"/>
-            <a:r>
-              <a:rPr lang="en-US" b="0" i="0" u="none" strike="noStrike" baseline="0" dirty="0">
-                <a:solidFill>
-                  <a:srgbClr val="000000"/>
-                </a:solidFill>
-                <a:latin typeface="Minion Pro"/>
-              </a:rPr>
               <a:t>To test in-place security tools, operations, and controls to determine the ability of the organization to detect, defend, and counterattack</a:t>
             </a:r>
-            <a:endParaRPr lang="en-US" dirty="0"/>
-          </a:p>
-          <a:p>
-            <a:endParaRPr lang="en-US" dirty="0"/>
+            <a:endParaRPr lang="en-US" sz="2800" dirty="0"/>
+          </a:p>
+          <a:p>
+            <a:pPr algn="just"/>
+            <a:endParaRPr lang="en-US" sz="3200" dirty="0"/>
           </a:p>
         </p:txBody>
       </p:sp>
@@ -19409,6 +19039,195 @@
     <p:extLst>
       <p:ext uri="{BB962C8B-B14F-4D97-AF65-F5344CB8AC3E}">
         <p14:creationId xmlns:p14="http://schemas.microsoft.com/office/powerpoint/2010/main" val="505715035"/>
+      </p:ext>
+    </p:extLst>
+  </p:cSld>
+  <p:clrMapOvr>
+    <a:masterClrMapping/>
+  </p:clrMapOvr>
+</p:sld>
+</file>
+
+<file path=ppt/slides/slide60.xml><?xml version="1.0" encoding="utf-8"?>
+<p:sld xmlns:a="http://schemas.openxmlformats.org/drawingml/2006/main" xmlns:r="http://schemas.openxmlformats.org/officeDocument/2006/relationships" xmlns:p="http://schemas.openxmlformats.org/presentationml/2006/main">
+  <p:cSld>
+    <p:spTree>
+      <p:nvGrpSpPr>
+        <p:cNvPr id="1" name=""/>
+        <p:cNvGrpSpPr/>
+        <p:nvPr/>
+      </p:nvGrpSpPr>
+      <p:grpSpPr>
+        <a:xfrm>
+          <a:off x="0" y="0"/>
+          <a:ext cx="0" cy="0"/>
+          <a:chOff x="0" y="0"/>
+          <a:chExt cx="0" cy="0"/>
+        </a:xfrm>
+      </p:grpSpPr>
+      <p:sp>
+        <p:nvSpPr>
+          <p:cNvPr id="2" name="Title 1">
+            <a:extLst>
+              <a:ext uri="{FF2B5EF4-FFF2-40B4-BE49-F238E27FC236}">
+                <a16:creationId xmlns:a16="http://schemas.microsoft.com/office/drawing/2014/main" id="{DB85D5DB-0170-0C0B-0582-8D4FE00C8D7B}"/>
+              </a:ext>
+            </a:extLst>
+          </p:cNvPr>
+          <p:cNvSpPr>
+            <a:spLocks noGrp="1"/>
+          </p:cNvSpPr>
+          <p:nvPr>
+            <p:ph type="title"/>
+          </p:nvPr>
+        </p:nvSpPr>
+        <p:spPr/>
+        <p:txBody>
+          <a:bodyPr>
+            <a:normAutofit fontScale="90000"/>
+          </a:bodyPr>
+          <a:lstStyle/>
+          <a:p>
+            <a:r>
+              <a:rPr lang="en-US" b="1" i="0" dirty="0">
+                <a:solidFill>
+                  <a:srgbClr val="141E2D"/>
+                </a:solidFill>
+                <a:effectLst/>
+                <a:latin typeface="Plus Jakarta"/>
+              </a:rPr>
+              <a:t>Step 7: Regularly Repeat Vulnerability Assessments</a:t>
+            </a:r>
+            <a:br>
+              <a:rPr lang="en-US" b="1" i="0" dirty="0">
+                <a:solidFill>
+                  <a:srgbClr val="141E2D"/>
+                </a:solidFill>
+                <a:effectLst/>
+                <a:latin typeface="Plus Jakarta"/>
+              </a:rPr>
+            </a:br>
+            <a:endParaRPr lang="en-US" dirty="0"/>
+          </a:p>
+        </p:txBody>
+      </p:sp>
+      <p:sp>
+        <p:nvSpPr>
+          <p:cNvPr id="3" name="Content Placeholder 2">
+            <a:extLst>
+              <a:ext uri="{FF2B5EF4-FFF2-40B4-BE49-F238E27FC236}">
+                <a16:creationId xmlns:a16="http://schemas.microsoft.com/office/drawing/2014/main" id="{0EBE575B-78F9-27A4-024A-C80CA1C8FF6E}"/>
+              </a:ext>
+            </a:extLst>
+          </p:cNvPr>
+          <p:cNvSpPr>
+            <a:spLocks noGrp="1"/>
+          </p:cNvSpPr>
+          <p:nvPr>
+            <p:ph idx="1"/>
+          </p:nvPr>
+        </p:nvSpPr>
+        <p:spPr/>
+        <p:txBody>
+          <a:bodyPr/>
+          <a:lstStyle/>
+          <a:p>
+            <a:r>
+              <a:rPr lang="en-US" b="0" i="0" dirty="0">
+                <a:solidFill>
+                  <a:srgbClr val="141E2D"/>
+                </a:solidFill>
+                <a:effectLst/>
+                <a:latin typeface="Plus Jakarta"/>
+              </a:rPr>
+              <a:t>Vulnerability assessments provide great snapshots of your </a:t>
+            </a:r>
+            <a:r>
+              <a:rPr lang="en-US" i="0" u="sng" dirty="0">
+                <a:effectLst/>
+                <a:latin typeface="Plus Jakarta"/>
+              </a:rPr>
+              <a:t>network security</a:t>
+            </a:r>
+            <a:r>
+              <a:rPr lang="en-US" b="0" i="0" dirty="0">
+                <a:solidFill>
+                  <a:srgbClr val="141E2D"/>
+                </a:solidFill>
+                <a:effectLst/>
+                <a:latin typeface="Plus Jakarta"/>
+              </a:rPr>
+              <a:t> landscape when they’re first conducted; but almost as soon as the assessment is complete, new applications, users, permissions, datasets, and other features change the landscape of your network and open it up to additional </a:t>
+            </a:r>
+            <a:r>
+              <a:rPr lang="en-US" b="0" i="0">
+                <a:solidFill>
+                  <a:srgbClr val="141E2D"/>
+                </a:solidFill>
+                <a:effectLst/>
+                <a:latin typeface="Plus Jakarta"/>
+              </a:rPr>
+              <a:t>threats.</a:t>
+            </a:r>
+          </a:p>
+          <a:p>
+            <a:r>
+              <a:rPr lang="en-US" b="0" i="0">
+                <a:solidFill>
+                  <a:srgbClr val="141E2D"/>
+                </a:solidFill>
+                <a:effectLst/>
+                <a:latin typeface="Plus Jakarta"/>
+              </a:rPr>
+              <a:t> </a:t>
+            </a:r>
+            <a:r>
+              <a:rPr lang="en-US" b="0" i="0" dirty="0">
+                <a:solidFill>
+                  <a:srgbClr val="141E2D"/>
+                </a:solidFill>
+                <a:effectLst/>
+                <a:latin typeface="Plus Jakarta"/>
+              </a:rPr>
+              <a:t>It’s necessary to continue cycling through the vulnerability assessment process because new vulnerabilities will emerge and existing vulnerabilities may grow more severe over time.</a:t>
+            </a:r>
+            <a:endParaRPr lang="en-US" dirty="0"/>
+          </a:p>
+        </p:txBody>
+      </p:sp>
+      <p:sp>
+        <p:nvSpPr>
+          <p:cNvPr id="4" name="Slide Number Placeholder 3">
+            <a:extLst>
+              <a:ext uri="{FF2B5EF4-FFF2-40B4-BE49-F238E27FC236}">
+                <a16:creationId xmlns:a16="http://schemas.microsoft.com/office/drawing/2014/main" id="{BC2CE6AC-A40A-8DAF-F934-D1583DB253CC}"/>
+              </a:ext>
+            </a:extLst>
+          </p:cNvPr>
+          <p:cNvSpPr>
+            <a:spLocks noGrp="1"/>
+          </p:cNvSpPr>
+          <p:nvPr>
+            <p:ph type="sldNum" sz="quarter" idx="12"/>
+          </p:nvPr>
+        </p:nvSpPr>
+        <p:spPr/>
+        <p:txBody>
+          <a:bodyPr/>
+          <a:lstStyle/>
+          <a:p>
+            <a:fld id="{3A86846E-68FB-4C71-8989-BC9D227DD11A}" type="slidenum">
+              <a:rPr lang="en-US" smtClean="0"/>
+              <a:t>60</a:t>
+            </a:fld>
+            <a:endParaRPr lang="en-US"/>
+          </a:p>
+        </p:txBody>
+      </p:sp>
+    </p:spTree>
+    <p:extLst>
+      <p:ext uri="{BB962C8B-B14F-4D97-AF65-F5344CB8AC3E}">
+        <p14:creationId xmlns:p14="http://schemas.microsoft.com/office/powerpoint/2010/main" val="674482486"/>
       </p:ext>
     </p:extLst>
   </p:cSld>
@@ -19486,8 +19305,9 @@
           </a:bodyPr>
           <a:lstStyle/>
           <a:p>
-            <a:r>
-              <a:rPr lang="en-US" sz="2400" b="1" i="0" u="none" strike="noStrike" baseline="0" dirty="0">
+            <a:pPr algn="just"/>
+            <a:r>
+              <a:rPr lang="en-US" sz="3200" b="1" i="0" u="none" strike="noStrike" baseline="0" dirty="0">
                 <a:solidFill>
                   <a:srgbClr val="000000"/>
                 </a:solidFill>
@@ -19496,7 +19316,7 @@
               <a:t>Active assessment</a:t>
             </a:r>
             <a:r>
-              <a:rPr lang="en-US" sz="2400" b="0" i="0" u="none" strike="noStrike" baseline="0" dirty="0">
+              <a:rPr lang="en-US" sz="3200" b="0" i="0" u="none" strike="noStrike" baseline="0" dirty="0">
                 <a:solidFill>
                   <a:srgbClr val="000000"/>
                 </a:solidFill>
@@ -19506,8 +19326,9 @@
             </a:r>
           </a:p>
           <a:p>
-            <a:r>
-              <a:rPr lang="en-US" sz="2400" b="0" i="0" u="none" strike="noStrike" baseline="0" dirty="0">
+            <a:pPr algn="just"/>
+            <a:r>
+              <a:rPr lang="en-US" sz="3200" b="0" i="0" u="none" strike="noStrike" baseline="0" dirty="0">
                 <a:solidFill>
                   <a:srgbClr val="000000"/>
                 </a:solidFill>
@@ -19517,8 +19338,9 @@
             </a:r>
           </a:p>
           <a:p>
-            <a:r>
-              <a:rPr lang="en-US" sz="2400" b="0" i="0" u="none" strike="noStrike" baseline="0" dirty="0">
+            <a:pPr algn="just"/>
+            <a:r>
+              <a:rPr lang="en-US" sz="3200" b="0" i="0" u="none" strike="noStrike" baseline="0" dirty="0">
                 <a:solidFill>
                   <a:srgbClr val="000000"/>
                 </a:solidFill>
@@ -19528,8 +19350,9 @@
             </a:r>
           </a:p>
           <a:p>
-            <a:r>
-              <a:rPr lang="en-US" sz="2400" b="0" i="0" u="none" strike="noStrike" baseline="0" dirty="0">
+            <a:pPr algn="just"/>
+            <a:r>
+              <a:rPr lang="en-US" sz="3200" b="0" i="0" u="none" strike="noStrike" baseline="0" dirty="0">
                 <a:solidFill>
                   <a:srgbClr val="000000"/>
                 </a:solidFill>
@@ -19538,7 +19361,7 @@
               <a:t> For others, such as a </a:t>
             </a:r>
             <a:r>
-              <a:rPr lang="en-US" sz="2400" b="0" i="0" u="none" strike="noStrike" baseline="0" dirty="0" err="1">
+              <a:rPr lang="en-US" sz="3200" b="0" i="0" u="none" strike="noStrike" baseline="0" dirty="0" err="1">
                 <a:solidFill>
                   <a:srgbClr val="000000"/>
                 </a:solidFill>
@@ -19547,7 +19370,7 @@
               <a:t>pentester</a:t>
             </a:r>
             <a:r>
-              <a:rPr lang="en-US" sz="2400" b="0" i="0" u="none" strike="noStrike" baseline="0" dirty="0">
+              <a:rPr lang="en-US" sz="3200" b="0" i="0" u="none" strike="noStrike" baseline="0" dirty="0">
                 <a:solidFill>
                   <a:srgbClr val="000000"/>
                 </a:solidFill>
@@ -19590,10 +19413,10 @@
       </p:grpSpPr>
       <p:sp>
         <p:nvSpPr>
-          <p:cNvPr id="2" name="Title 1">
-            <a:extLst>
-              <a:ext uri="{FF2B5EF4-FFF2-40B4-BE49-F238E27FC236}">
-                <a16:creationId xmlns:a16="http://schemas.microsoft.com/office/drawing/2014/main" id="{0CF4CDB2-44C3-4450-905C-82BB89A9203A}"/>
+          <p:cNvPr id="3" name="Content Placeholder 2">
+            <a:extLst>
+              <a:ext uri="{FF2B5EF4-FFF2-40B4-BE49-F238E27FC236}">
+                <a16:creationId xmlns:a16="http://schemas.microsoft.com/office/drawing/2014/main" id="{CF84C65C-33F8-73FC-B69D-1E58A67355B8}"/>
               </a:ext>
             </a:extLst>
           </p:cNvPr>
@@ -19601,43 +19424,24 @@
             <a:spLocks noGrp="1"/>
           </p:cNvSpPr>
           <p:nvPr>
-            <p:ph type="title"/>
-          </p:nvPr>
-        </p:nvSpPr>
-        <p:spPr/>
-        <p:txBody>
-          <a:bodyPr/>
-          <a:lstStyle/>
-          <a:p>
-            <a:endParaRPr lang="en-US"/>
-          </a:p>
-        </p:txBody>
-      </p:sp>
-      <p:sp>
-        <p:nvSpPr>
-          <p:cNvPr id="3" name="Content Placeholder 2">
-            <a:extLst>
-              <a:ext uri="{FF2B5EF4-FFF2-40B4-BE49-F238E27FC236}">
-                <a16:creationId xmlns:a16="http://schemas.microsoft.com/office/drawing/2014/main" id="{CF84C65C-33F8-73FC-B69D-1E58A67355B8}"/>
-              </a:ext>
-            </a:extLst>
-          </p:cNvPr>
-          <p:cNvSpPr>
-            <a:spLocks noGrp="1"/>
-          </p:cNvSpPr>
-          <p:nvPr>
             <p:ph idx="1"/>
           </p:nvPr>
         </p:nvSpPr>
-        <p:spPr/>
+        <p:spPr>
+          <a:xfrm>
+            <a:off x="507694" y="426483"/>
+            <a:ext cx="11247304" cy="5941266"/>
+          </a:xfrm>
+        </p:spPr>
         <p:txBody>
           <a:bodyPr>
-            <a:normAutofit fontScale="92500" lnSpcReduction="10000"/>
+            <a:normAutofit/>
           </a:bodyPr>
           <a:lstStyle/>
           <a:p>
-            <a:r>
-              <a:rPr lang="en-US" sz="3900" b="1" i="0" u="none" strike="noStrike" baseline="0" dirty="0">
+            <a:pPr algn="just"/>
+            <a:r>
+              <a:rPr lang="en-US" sz="4000" b="1" i="0" u="none" strike="noStrike" baseline="0" dirty="0">
                 <a:solidFill>
                   <a:srgbClr val="000000"/>
                 </a:solidFill>
@@ -19646,7 +19450,7 @@
               <a:t>Passive assessment</a:t>
             </a:r>
             <a:r>
-              <a:rPr lang="en-US" sz="3900" b="0" i="0" u="none" strike="noStrike" baseline="0" dirty="0">
+              <a:rPr lang="en-US" sz="4000" b="0" i="0" u="none" strike="noStrike" baseline="0" dirty="0">
                 <a:solidFill>
                   <a:srgbClr val="000000"/>
                 </a:solidFill>
@@ -19655,7 +19459,7 @@
               <a:t>:</a:t>
             </a:r>
             <a:r>
-              <a:rPr lang="en-US" sz="2800" b="0" i="0" u="none" strike="noStrike" baseline="0" dirty="0">
+              <a:rPr lang="en-US" sz="3200" b="0" i="0" u="none" strike="noStrike" baseline="0" dirty="0">
                 <a:solidFill>
                   <a:srgbClr val="000000"/>
                 </a:solidFill>
@@ -19665,8 +19469,9 @@
             </a:r>
           </a:p>
           <a:p>
-            <a:r>
-              <a:rPr lang="en-US" sz="2600" b="0" i="0" u="none" strike="noStrike" baseline="0" dirty="0">
+            <a:pPr algn="just"/>
+            <a:r>
+              <a:rPr lang="en-US" b="0" i="0" u="none" strike="noStrike" baseline="0" dirty="0">
                 <a:solidFill>
                   <a:srgbClr val="000000"/>
                 </a:solidFill>
@@ -19675,7 +19480,7 @@
               <a:t>Here, the team gathers information from the network in the form of a </a:t>
             </a:r>
             <a:r>
-              <a:rPr lang="en-US" sz="2600" b="1" i="0" u="none" strike="noStrike" baseline="0" dirty="0">
+              <a:rPr lang="en-US" b="1" i="0" u="none" strike="noStrike" baseline="0" dirty="0">
                 <a:solidFill>
                   <a:srgbClr val="000000"/>
                 </a:solidFill>
@@ -19684,7 +19489,7 @@
               <a:t>packet capture</a:t>
             </a:r>
             <a:r>
-              <a:rPr lang="en-US" sz="2600" b="0" i="0" u="none" strike="noStrike" baseline="0" dirty="0">
+              <a:rPr lang="en-US" b="0" i="0" u="none" strike="noStrike" baseline="0" dirty="0">
                 <a:solidFill>
                   <a:srgbClr val="000000"/>
                 </a:solidFill>
@@ -19694,8 +19499,9 @@
             </a:r>
           </a:p>
           <a:p>
-            <a:r>
-              <a:rPr lang="en-US" sz="2600" b="0" i="0" u="none" strike="noStrike" baseline="0" dirty="0">
+            <a:pPr algn="just"/>
+            <a:r>
+              <a:rPr lang="en-US" b="0" i="0" u="none" strike="noStrike" baseline="0" dirty="0">
                 <a:solidFill>
                   <a:srgbClr val="000000"/>
                 </a:solidFill>
@@ -19705,8 +19511,9 @@
             </a:r>
           </a:p>
           <a:p>
-            <a:r>
-              <a:rPr lang="en-US" sz="2600" b="0" i="0" u="none" strike="noStrike" baseline="0" dirty="0">
+            <a:pPr algn="just"/>
+            <a:r>
+              <a:rPr lang="en-US" b="0" i="0" u="none" strike="noStrike" baseline="0" dirty="0">
                 <a:solidFill>
                   <a:srgbClr val="000000"/>
                 </a:solidFill>
@@ -19716,8 +19523,9 @@
             </a:r>
           </a:p>
           <a:p>
-            <a:r>
-              <a:rPr lang="en-US" sz="2600" b="0" i="0" u="none" strike="noStrike" baseline="0" dirty="0">
+            <a:pPr algn="just"/>
+            <a:r>
+              <a:rPr lang="en-US" b="0" i="0" u="none" strike="noStrike" baseline="0" dirty="0">
                 <a:solidFill>
                   <a:srgbClr val="000000"/>
                 </a:solidFill>
@@ -19727,8 +19535,9 @@
             </a:r>
           </a:p>
           <a:p>
-            <a:r>
-              <a:rPr lang="en-US" sz="2600" b="0" i="0" u="none" strike="noStrike" baseline="0" dirty="0">
+            <a:pPr algn="just"/>
+            <a:r>
+              <a:rPr lang="en-US" b="0" i="0" u="none" strike="noStrike" baseline="0" dirty="0">
                 <a:solidFill>
                   <a:srgbClr val="000000"/>
                 </a:solidFill>
@@ -19738,7 +19547,8 @@
             </a:r>
           </a:p>
           <a:p>
-            <a:endParaRPr lang="en-US" dirty="0"/>
+            <a:pPr algn="just"/>
+            <a:endParaRPr lang="en-US" sz="3200" dirty="0"/>
           </a:p>
         </p:txBody>
       </p:sp>
@@ -19772,38 +19582,6 @@
           <a:chExt cx="0" cy="0"/>
         </a:xfrm>
       </p:grpSpPr>
-      <p:sp>
-        <p:nvSpPr>
-          <p:cNvPr id="2" name="Title 1">
-            <a:extLst>
-              <a:ext uri="{FF2B5EF4-FFF2-40B4-BE49-F238E27FC236}">
-                <a16:creationId xmlns:a16="http://schemas.microsoft.com/office/drawing/2014/main" id="{CC73C02F-2FC6-33C5-4982-1BF7F9EAE42D}"/>
-              </a:ext>
-            </a:extLst>
-          </p:cNvPr>
-          <p:cNvSpPr>
-            <a:spLocks noGrp="1"/>
-          </p:cNvSpPr>
-          <p:nvPr>
-            <p:ph type="title"/>
-          </p:nvPr>
-        </p:nvSpPr>
-        <p:spPr>
-          <a:xfrm>
-            <a:off x="5894962" y="479493"/>
-            <a:ext cx="5458838" cy="1325563"/>
-          </a:xfrm>
-        </p:spPr>
-        <p:txBody>
-          <a:bodyPr>
-            <a:normAutofit/>
-          </a:bodyPr>
-          <a:lstStyle/>
-          <a:p>
-            <a:endParaRPr lang="en-US"/>
-          </a:p>
-        </p:txBody>
-      </p:sp>
       <p:pic>
         <p:nvPicPr>
           <p:cNvPr id="5" name="Picture 4">
@@ -19896,8 +19674,8 @@
         </p:nvSpPr>
         <p:spPr>
           <a:xfrm>
-            <a:off x="5894962" y="1984443"/>
-            <a:ext cx="5458838" cy="4192520"/>
+            <a:off x="5817843" y="309878"/>
+            <a:ext cx="5804951" cy="6068887"/>
           </a:xfrm>
         </p:spPr>
         <p:txBody>
@@ -19906,43 +19684,45 @@
           </a:bodyPr>
           <a:lstStyle/>
           <a:p>
-            <a:pPr marL="0" indent="0">
+            <a:pPr marL="0" indent="0" algn="just">
               <a:buNone/>
             </a:pPr>
             <a:r>
-              <a:rPr lang="en-US" sz="2400" b="1" i="0" u="none" strike="noStrike" baseline="0" dirty="0">
+              <a:rPr lang="en-US" sz="3200" b="1" i="0" u="none" strike="noStrike" baseline="0" dirty="0">
                 <a:latin typeface="Minion Pro"/>
               </a:rPr>
               <a:t>External assessment</a:t>
             </a:r>
             <a:r>
-              <a:rPr lang="en-US" sz="2400" b="0" i="0" u="none" strike="noStrike" baseline="0" dirty="0">
+              <a:rPr lang="en-US" sz="3200" b="0" i="0" u="none" strike="noStrike" baseline="0" dirty="0">
                 <a:latin typeface="Minion Pro"/>
               </a:rPr>
               <a:t>: </a:t>
             </a:r>
           </a:p>
           <a:p>
-            <a:r>
-              <a:rPr lang="en-US" sz="2400" b="0" i="0" u="none" strike="noStrike" baseline="0" dirty="0">
+            <a:pPr algn="just"/>
+            <a:r>
+              <a:rPr lang="en-US" sz="3200" b="0" i="0" u="none" strike="noStrike" baseline="0" dirty="0">
                 <a:latin typeface="Minion Pro"/>
               </a:rPr>
               <a:t>This operation is performed from the attacker’s point of view to discover vulnerabilities and exploit them from the outside.</a:t>
             </a:r>
           </a:p>
           <a:p>
-            <a:r>
-              <a:rPr lang="en-US" sz="2400" b="0" i="0" u="none" strike="noStrike" baseline="0" dirty="0">
+            <a:pPr algn="just"/>
+            <a:r>
+              <a:rPr lang="en-US" sz="3200" b="0" i="0" u="none" strike="noStrike" baseline="0" dirty="0">
                 <a:latin typeface="Minion Pro"/>
               </a:rPr>
               <a:t> It models how a potential attacker would find and leverage vulnerabilities to gain access to the organization’s network from outside the network.</a:t>
             </a:r>
           </a:p>
           <a:p>
-            <a:pPr marL="0" indent="0">
+            <a:pPr marL="0" indent="0" algn="just">
               <a:buNone/>
             </a:pPr>
-            <a:endParaRPr lang="en-US" sz="2000" dirty="0"/>
+            <a:endParaRPr lang="en-US" dirty="0"/>
           </a:p>
         </p:txBody>
       </p:sp>
